--- a/Präsentation/Felix - Dokumentation/SE_Dokumentation.pptx
+++ b/Präsentation/Felix - Dokumentation/SE_Dokumentation.pptx
@@ -5561,8 +5561,20 @@
             </a:r>
             <a:r>
               <a:rPr lang="de-DE" sz="2000" dirty="0" smtClean="0"/>
-              <a:t>llgemein gute Zusammenarbeit mit Experten aus „Entwurf“ und „Implementierung“</a:t>
-            </a:r>
+              <a:t>llgemein gute Zusammenarbeit mit Experten aus „Entwurf“ und „Implementierung</a:t>
+            </a:r>
+            <a:r>
+              <a:rPr lang="de-DE" sz="2000" dirty="0" smtClean="0"/>
+              <a:t>“</a:t>
+            </a:r>
+          </a:p>
+          <a:p>
+            <a:pPr marL="1257300" lvl="6" indent="-342900"/>
+            <a:r>
+              <a:rPr lang="de-DE" sz="2000" dirty="0" smtClean="0"/>
+              <a:t>Arbeitsteilung</a:t>
+            </a:r>
+            <a:endParaRPr lang="de-DE" sz="2000" dirty="0" smtClean="0"/>
           </a:p>
           <a:p>
             <a:pPr marL="342900" lvl="5" indent="-342900"/>
@@ -6402,7 +6414,7 @@
         <p:spPr/>
         <p:txBody>
           <a:bodyPr>
-            <a:normAutofit/>
+            <a:normAutofit lnSpcReduction="10000"/>
           </a:bodyPr>
           <a:lstStyle/>
           <a:p>
@@ -6455,8 +6467,20 @@
             <a:pPr lvl="1"/>
             <a:r>
               <a:rPr lang="de-DE" dirty="0" smtClean="0"/>
-              <a:t>keine Vorlage für Protokolle benutzt (immer leeres Dokument)</a:t>
-            </a:r>
+              <a:t>keine Vorlage für Protokolle benutzt (immer leeres Dokument</a:t>
+            </a:r>
+            <a:r>
+              <a:rPr lang="de-DE" dirty="0" smtClean="0"/>
+              <a:t>)</a:t>
+            </a:r>
+          </a:p>
+          <a:p>
+            <a:pPr lvl="1"/>
+            <a:r>
+              <a:rPr lang="de-DE" dirty="0" smtClean="0"/>
+              <a:t>rechtzeitige Quellcode-Kommentierung durchsetzen</a:t>
+            </a:r>
+            <a:endParaRPr lang="de-DE" dirty="0" smtClean="0"/>
           </a:p>
           <a:p>
             <a:pPr lvl="1"/>
@@ -6627,12 +6651,8 @@
           </a:p>
           <a:p>
             <a:r>
-              <a:rPr lang="de-DE" dirty="0"/>
-              <a:t>Meetings: alle Mitglieder </a:t>
-            </a:r>
-            <a:r>
-              <a:rPr lang="de-DE" dirty="0" smtClean="0"/>
-              <a:t>anwesend</a:t>
+              <a:rPr lang="de-DE" dirty="0" smtClean="0"/>
+              <a:t>leider: zunehmender Stress wegen anderen Studienfächern</a:t>
             </a:r>
             <a:endParaRPr lang="de-DE" dirty="0"/>
           </a:p>

--- a/Präsentation/Felix - Dokumentation/SE_Dokumentation.pptx
+++ b/Präsentation/Felix - Dokumentation/SE_Dokumentation.pptx
@@ -5,7 +5,7 @@
     <p:sldMasterId id="2147483732" r:id="rId1"/>
   </p:sldMasterIdLst>
   <p:notesMasterIdLst>
-    <p:notesMasterId r:id="rId29"/>
+    <p:notesMasterId r:id="rId28"/>
   </p:notesMasterIdLst>
   <p:sldIdLst>
     <p:sldId id="256" r:id="rId2"/>
@@ -31,10 +31,9 @@
     <p:sldId id="286" r:id="rId22"/>
     <p:sldId id="279" r:id="rId23"/>
     <p:sldId id="280" r:id="rId24"/>
-    <p:sldId id="281" r:id="rId25"/>
-    <p:sldId id="282" r:id="rId26"/>
-    <p:sldId id="284" r:id="rId27"/>
-    <p:sldId id="283" r:id="rId28"/>
+    <p:sldId id="282" r:id="rId25"/>
+    <p:sldId id="284" r:id="rId26"/>
+    <p:sldId id="283" r:id="rId27"/>
   </p:sldIdLst>
   <p:sldSz cx="12192000" cy="6858000"/>
   <p:notesSz cx="6858000" cy="9144000"/>
@@ -3506,13 +3505,13 @@
   <p:clrMapOvr>
     <a:masterClrMapping/>
   </p:clrMapOvr>
-  <mc:AlternateContent xmlns:mc="http://schemas.openxmlformats.org/markup-compatibility/2006" xmlns:p14="http://schemas.microsoft.com/office/powerpoint/2010/main">
-    <mc:Choice Requires="p14">
+  <mc:AlternateContent xmlns:mc="http://schemas.openxmlformats.org/markup-compatibility/2006">
+    <mc:Choice xmlns:p14="http://schemas.microsoft.com/office/powerpoint/2010/main" Requires="p14">
       <p:transition p14:dur="250">
         <p:push dir="u"/>
       </p:transition>
     </mc:Choice>
-    <mc:Fallback xmlns="">
+    <mc:Fallback>
       <p:transition>
         <p:push dir="u"/>
       </p:transition>
@@ -3695,13 +3694,13 @@
   <p:clrMapOvr>
     <a:masterClrMapping/>
   </p:clrMapOvr>
-  <mc:AlternateContent xmlns:mc="http://schemas.openxmlformats.org/markup-compatibility/2006" xmlns:p14="http://schemas.microsoft.com/office/powerpoint/2010/main">
-    <mc:Choice Requires="p14">
+  <mc:AlternateContent xmlns:mc="http://schemas.openxmlformats.org/markup-compatibility/2006">
+    <mc:Choice xmlns:p14="http://schemas.microsoft.com/office/powerpoint/2010/main" Requires="p14">
       <p:transition p14:dur="250">
         <p:push dir="u"/>
       </p:transition>
     </mc:Choice>
-    <mc:Fallback xmlns="">
+    <mc:Fallback>
       <p:transition>
         <p:push dir="u"/>
       </p:transition>
@@ -3792,13 +3791,13 @@
   <p:clrMapOvr>
     <a:masterClrMapping/>
   </p:clrMapOvr>
-  <mc:AlternateContent xmlns:mc="http://schemas.openxmlformats.org/markup-compatibility/2006" xmlns:p14="http://schemas.microsoft.com/office/powerpoint/2010/main">
-    <mc:Choice Requires="p14">
+  <mc:AlternateContent xmlns:mc="http://schemas.openxmlformats.org/markup-compatibility/2006">
+    <mc:Choice xmlns:p14="http://schemas.microsoft.com/office/powerpoint/2010/main" Requires="p14">
       <p:transition p14:dur="250">
         <p:push dir="u"/>
       </p:transition>
     </mc:Choice>
-    <mc:Fallback xmlns="">
+    <mc:Fallback>
       <p:transition>
         <p:push dir="u"/>
       </p:transition>
@@ -3867,13 +3866,13 @@
   <p:clrMapOvr>
     <a:masterClrMapping/>
   </p:clrMapOvr>
-  <mc:AlternateContent xmlns:mc="http://schemas.openxmlformats.org/markup-compatibility/2006" xmlns:p14="http://schemas.microsoft.com/office/powerpoint/2010/main">
-    <mc:Choice Requires="p14">
+  <mc:AlternateContent xmlns:mc="http://schemas.openxmlformats.org/markup-compatibility/2006">
+    <mc:Choice xmlns:p14="http://schemas.microsoft.com/office/powerpoint/2010/main" Requires="p14">
       <p:transition p14:dur="250">
         <p:push dir="u"/>
       </p:transition>
     </mc:Choice>
-    <mc:Fallback xmlns="">
+    <mc:Fallback>
       <p:transition>
         <p:push dir="u"/>
       </p:transition>
@@ -3996,13 +3995,13 @@
   <p:clrMapOvr>
     <a:masterClrMapping/>
   </p:clrMapOvr>
-  <mc:AlternateContent xmlns:mc="http://schemas.openxmlformats.org/markup-compatibility/2006" xmlns:p14="http://schemas.microsoft.com/office/powerpoint/2010/main">
-    <mc:Choice Requires="p14">
+  <mc:AlternateContent xmlns:mc="http://schemas.openxmlformats.org/markup-compatibility/2006">
+    <mc:Choice xmlns:p14="http://schemas.microsoft.com/office/powerpoint/2010/main" Requires="p14">
       <p:transition p14:dur="250">
         <p:push dir="u"/>
       </p:transition>
     </mc:Choice>
-    <mc:Fallback xmlns="">
+    <mc:Fallback>
       <p:transition>
         <p:push dir="u"/>
       </p:transition>
@@ -4097,13 +4096,13 @@
   <p:clrMapOvr>
     <a:masterClrMapping/>
   </p:clrMapOvr>
-  <mc:AlternateContent xmlns:mc="http://schemas.openxmlformats.org/markup-compatibility/2006" xmlns:p14="http://schemas.microsoft.com/office/powerpoint/2010/main">
-    <mc:Choice Requires="p14">
+  <mc:AlternateContent xmlns:mc="http://schemas.openxmlformats.org/markup-compatibility/2006">
+    <mc:Choice xmlns:p14="http://schemas.microsoft.com/office/powerpoint/2010/main" Requires="p14">
       <p:transition p14:dur="250">
         <p:push dir="u"/>
       </p:transition>
     </mc:Choice>
-    <mc:Fallback xmlns="">
+    <mc:Fallback>
       <p:transition>
         <p:push dir="u"/>
       </p:transition>
@@ -4246,13 +4245,13 @@
   <p:clrMapOvr>
     <a:masterClrMapping/>
   </p:clrMapOvr>
-  <mc:AlternateContent xmlns:mc="http://schemas.openxmlformats.org/markup-compatibility/2006" xmlns:p14="http://schemas.microsoft.com/office/powerpoint/2010/main">
-    <mc:Choice Requires="p14">
+  <mc:AlternateContent xmlns:mc="http://schemas.openxmlformats.org/markup-compatibility/2006">
+    <mc:Choice xmlns:p14="http://schemas.microsoft.com/office/powerpoint/2010/main" Requires="p14">
       <p:transition p14:dur="250">
         <p:push dir="u"/>
       </p:transition>
     </mc:Choice>
-    <mc:Fallback xmlns="">
+    <mc:Fallback>
       <p:transition>
         <p:push dir="u"/>
       </p:transition>
@@ -4443,13 +4442,13 @@
   <p:clrMapOvr>
     <a:masterClrMapping/>
   </p:clrMapOvr>
-  <mc:AlternateContent xmlns:mc="http://schemas.openxmlformats.org/markup-compatibility/2006" xmlns:p14="http://schemas.microsoft.com/office/powerpoint/2010/main">
-    <mc:Choice Requires="p14">
+  <mc:AlternateContent xmlns:mc="http://schemas.openxmlformats.org/markup-compatibility/2006">
+    <mc:Choice xmlns:p14="http://schemas.microsoft.com/office/powerpoint/2010/main" Requires="p14">
       <p:transition p14:dur="250">
         <p:push dir="u"/>
       </p:transition>
     </mc:Choice>
-    <mc:Fallback xmlns="">
+    <mc:Fallback>
       <p:transition>
         <p:push dir="u"/>
       </p:transition>
@@ -4641,13 +4640,13 @@
   <p:clrMapOvr>
     <a:masterClrMapping/>
   </p:clrMapOvr>
-  <mc:AlternateContent xmlns:mc="http://schemas.openxmlformats.org/markup-compatibility/2006" xmlns:p14="http://schemas.microsoft.com/office/powerpoint/2010/main">
-    <mc:Choice Requires="p14">
+  <mc:AlternateContent xmlns:mc="http://schemas.openxmlformats.org/markup-compatibility/2006">
+    <mc:Choice xmlns:p14="http://schemas.microsoft.com/office/powerpoint/2010/main" Requires="p14">
       <p:transition p14:dur="250">
         <p:push dir="u"/>
       </p:transition>
     </mc:Choice>
-    <mc:Fallback xmlns="">
+    <mc:Fallback>
       <p:transition>
         <p:push dir="u"/>
       </p:transition>
@@ -4819,18 +4818,25 @@
   <p:clrMapOvr>
     <a:masterClrMapping/>
   </p:clrMapOvr>
-  <mc:AlternateContent xmlns:mc="http://schemas.openxmlformats.org/markup-compatibility/2006" xmlns:p14="http://schemas.microsoft.com/office/powerpoint/2010/main">
-    <mc:Choice Requires="p14">
+  <mc:AlternateContent xmlns:mc="http://schemas.openxmlformats.org/markup-compatibility/2006">
+    <mc:Choice xmlns:p14="http://schemas.microsoft.com/office/powerpoint/2010/main" Requires="p14">
       <p:transition p14:dur="250">
         <p:push dir="u"/>
       </p:transition>
     </mc:Choice>
-    <mc:Fallback xmlns="">
+    <mc:Fallback>
       <p:transition>
         <p:push dir="u"/>
       </p:transition>
     </mc:Fallback>
   </mc:AlternateContent>
+  <p:timing>
+    <p:tnLst>
+      <p:par>
+        <p:cTn id="1" dur="indefinite" restart="never" nodeType="tmRoot"/>
+      </p:par>
+    </p:tnLst>
+  </p:timing>
 </p:sld>
 </file>
 
@@ -5019,18 +5025,25 @@
   <p:clrMapOvr>
     <a:masterClrMapping/>
   </p:clrMapOvr>
-  <mc:AlternateContent xmlns:mc="http://schemas.openxmlformats.org/markup-compatibility/2006" xmlns:p14="http://schemas.microsoft.com/office/powerpoint/2010/main">
-    <mc:Choice Requires="p14">
+  <mc:AlternateContent xmlns:mc="http://schemas.openxmlformats.org/markup-compatibility/2006">
+    <mc:Choice xmlns:p14="http://schemas.microsoft.com/office/powerpoint/2010/main" Requires="p14">
       <p:transition p14:dur="250">
         <p:push dir="u"/>
       </p:transition>
     </mc:Choice>
-    <mc:Fallback xmlns="">
+    <mc:Fallback>
       <p:transition>
         <p:push dir="u"/>
       </p:transition>
     </mc:Fallback>
   </mc:AlternateContent>
+  <p:timing>
+    <p:tnLst>
+      <p:par>
+        <p:cTn id="1" dur="indefinite" restart="never" nodeType="tmRoot"/>
+      </p:par>
+    </p:tnLst>
+  </p:timing>
 </p:sld>
 </file>
 
@@ -5244,13 +5257,13 @@
   <p:clrMapOvr>
     <a:masterClrMapping/>
   </p:clrMapOvr>
-  <mc:AlternateContent xmlns:mc="http://schemas.openxmlformats.org/markup-compatibility/2006" xmlns:p14="http://schemas.microsoft.com/office/powerpoint/2010/main">
-    <mc:Choice Requires="p14">
+  <mc:AlternateContent xmlns:mc="http://schemas.openxmlformats.org/markup-compatibility/2006">
+    <mc:Choice xmlns:p14="http://schemas.microsoft.com/office/powerpoint/2010/main" Requires="p14">
       <p:transition p14:dur="250">
         <p:push dir="u"/>
       </p:transition>
     </mc:Choice>
-    <mc:Fallback xmlns="">
+    <mc:Fallback>
       <p:transition>
         <p:push dir="u"/>
       </p:transition>
@@ -5444,13 +5457,13 @@
   <p:clrMapOvr>
     <a:masterClrMapping/>
   </p:clrMapOvr>
-  <mc:AlternateContent xmlns:mc="http://schemas.openxmlformats.org/markup-compatibility/2006" xmlns:p14="http://schemas.microsoft.com/office/powerpoint/2010/main">
-    <mc:Choice Requires="p14">
+  <mc:AlternateContent xmlns:mc="http://schemas.openxmlformats.org/markup-compatibility/2006">
+    <mc:Choice xmlns:p14="http://schemas.microsoft.com/office/powerpoint/2010/main" Requires="p14">
       <p:transition p14:dur="250">
         <p:push dir="u"/>
       </p:transition>
     </mc:Choice>
-    <mc:Fallback xmlns="">
+    <mc:Fallback>
       <p:transition>
         <p:push dir="u"/>
       </p:transition>
@@ -5667,13 +5680,13 @@
   <p:clrMapOvr>
     <a:masterClrMapping/>
   </p:clrMapOvr>
-  <mc:AlternateContent xmlns:mc="http://schemas.openxmlformats.org/markup-compatibility/2006" xmlns:p14="http://schemas.microsoft.com/office/powerpoint/2010/main">
-    <mc:Choice Requires="p14">
+  <mc:AlternateContent xmlns:mc="http://schemas.openxmlformats.org/markup-compatibility/2006">
+    <mc:Choice xmlns:p14="http://schemas.microsoft.com/office/powerpoint/2010/main" Requires="p14">
       <p:transition p14:dur="250">
         <p:push dir="u"/>
       </p:transition>
     </mc:Choice>
-    <mc:Fallback xmlns="">
+    <mc:Fallback>
       <p:transition>
         <p:push dir="u"/>
       </p:transition>
@@ -5844,13 +5857,13 @@
   <p:clrMapOvr>
     <a:masterClrMapping/>
   </p:clrMapOvr>
-  <mc:AlternateContent xmlns:mc="http://schemas.openxmlformats.org/markup-compatibility/2006" xmlns:p14="http://schemas.microsoft.com/office/powerpoint/2010/main">
-    <mc:Choice Requires="p14">
+  <mc:AlternateContent xmlns:mc="http://schemas.openxmlformats.org/markup-compatibility/2006">
+    <mc:Choice xmlns:p14="http://schemas.microsoft.com/office/powerpoint/2010/main" Requires="p14">
       <p:transition p14:dur="250">
         <p:push dir="u"/>
       </p:transition>
     </mc:Choice>
-    <mc:Fallback xmlns="">
+    <mc:Fallback>
       <p:transition>
         <p:push dir="u"/>
       </p:transition>
@@ -5990,9 +6003,38 @@
             <a:endParaRPr lang="de-DE" dirty="0"/>
           </a:p>
           <a:p>
-            <a:pPr marL="0" indent="0">
-              <a:buNone/>
+            <a:pPr marL="228600" lvl="1">
+              <a:spcBef>
+                <a:spcPts val="1000"/>
+              </a:spcBef>
             </a:pPr>
+            <a:r>
+              <a:rPr lang="de-DE" dirty="0"/>
+              <a:t>Auf mögliche Fehler bei den Eingaben wird </a:t>
+            </a:r>
+            <a:endParaRPr lang="de-DE" dirty="0" smtClean="0"/>
+          </a:p>
+          <a:p>
+            <a:pPr marL="0" lvl="1" indent="0">
+              <a:spcBef>
+                <a:spcPts val="1000"/>
+              </a:spcBef>
+              <a:buNone/>
+            </a:pPr>
+            <a:r>
+              <a:rPr lang="de-DE" dirty="0"/>
+              <a:t> </a:t>
+            </a:r>
+            <a:r>
+              <a:rPr lang="de-DE" dirty="0" smtClean="0"/>
+              <a:t>   nicht </a:t>
+            </a:r>
+            <a:r>
+              <a:rPr lang="de-DE" dirty="0"/>
+              <a:t>eingegangen!</a:t>
+            </a:r>
+          </a:p>
+          <a:p>
             <a:endParaRPr lang="de-DE" dirty="0"/>
           </a:p>
         </p:txBody>
@@ -6013,7 +6055,7 @@
         </p:blipFill>
         <p:spPr>
           <a:xfrm>
-            <a:off x="7160954" y="286105"/>
+            <a:off x="7252865" y="519301"/>
             <a:ext cx="4247405" cy="6079619"/>
           </a:xfrm>
           <a:prstGeom prst="rect">
@@ -6037,8 +6079,8 @@
         </p:blipFill>
         <p:spPr>
           <a:xfrm>
-            <a:off x="892759" y="3315455"/>
-            <a:ext cx="6200573" cy="3024385"/>
+            <a:off x="892759" y="4282440"/>
+            <a:ext cx="4749231" cy="2316480"/>
           </a:xfrm>
           <a:prstGeom prst="rect">
             <a:avLst/>
@@ -6055,13 +6097,13 @@
   <p:clrMapOvr>
     <a:masterClrMapping/>
   </p:clrMapOvr>
-  <mc:AlternateContent xmlns:mc="http://schemas.openxmlformats.org/markup-compatibility/2006" xmlns:p14="http://schemas.microsoft.com/office/powerpoint/2010/main">
-    <mc:Choice Requires="p14">
+  <mc:AlternateContent xmlns:mc="http://schemas.openxmlformats.org/markup-compatibility/2006">
+    <mc:Choice xmlns:p14="http://schemas.microsoft.com/office/powerpoint/2010/main" Requires="p14">
       <p:transition p14:dur="250">
         <p:push dir="u"/>
       </p:transition>
     </mc:Choice>
-    <mc:Fallback xmlns="">
+    <mc:Fallback>
       <p:transition>
         <p:push dir="u"/>
       </p:transition>
@@ -6111,7 +6153,7 @@
           <a:p>
             <a:r>
               <a:rPr lang="de-DE" dirty="0" smtClean="0"/>
-              <a:t>2.6.  Benutzerdokumentation</a:t>
+              <a:t>2.7  Testdokumentation</a:t>
             </a:r>
             <a:endParaRPr lang="de-DE" dirty="0"/>
           </a:p>
@@ -6132,30 +6174,27 @@
           <a:bodyPr/>
           <a:lstStyle/>
           <a:p>
-            <a:pPr marL="0" indent="0">
-              <a:buNone/>
-            </a:pPr>
-            <a:r>
-              <a:rPr lang="de-DE" b="1" u="sng" dirty="0" smtClean="0"/>
-              <a:t>Erfahrungen</a:t>
-            </a:r>
-            <a:endParaRPr lang="de-DE" dirty="0" smtClean="0"/>
-          </a:p>
-          <a:p>
-            <a:r>
-              <a:rPr lang="de-DE" sz="2400" dirty="0"/>
-              <a:t>e</a:t>
-            </a:r>
-            <a:r>
-              <a:rPr lang="de-DE" sz="2400" dirty="0" smtClean="0"/>
-              <a:t>infache, selbstständige Arbeit (eigene Erfahrungen)</a:t>
+            <a:r>
+              <a:rPr lang="de-DE" dirty="0"/>
+              <a:t>g</a:t>
+            </a:r>
+            <a:r>
+              <a:rPr lang="de-DE" dirty="0" smtClean="0"/>
+              <a:t>eringes „Einmischen“ meinerseits</a:t>
             </a:r>
           </a:p>
           <a:p>
             <a:pPr lvl="1"/>
             <a:r>
-              <a:rPr lang="de-DE" sz="2000" dirty="0" smtClean="0"/>
-              <a:t>keine Zusammenarbeit mit „Experten“ notwendig</a:t>
+              <a:rPr lang="de-DE" dirty="0" smtClean="0"/>
+              <a:t>Tester hat selbstständig gearbeitet</a:t>
+            </a:r>
+          </a:p>
+          <a:p>
+            <a:pPr lvl="1"/>
+            <a:r>
+              <a:rPr lang="de-DE" dirty="0" smtClean="0"/>
+              <a:t>ich hatte keine Verbesserungsvorschläge</a:t>
             </a:r>
           </a:p>
           <a:p>
@@ -6165,61 +6204,39 @@
             <a:endParaRPr lang="de-DE" dirty="0" smtClean="0"/>
           </a:p>
           <a:p>
-            <a:pPr marL="0" lvl="1" indent="0">
-              <a:buNone/>
-            </a:pPr>
-            <a:r>
-              <a:rPr lang="de-DE" sz="2800" b="1" u="sng" dirty="0" smtClean="0"/>
-              <a:t>Hinweis</a:t>
-            </a:r>
-            <a:endParaRPr lang="de-DE" dirty="0" smtClean="0"/>
-          </a:p>
-          <a:p>
             <a:pPr marL="342900" lvl="1" indent="-342900"/>
             <a:r>
-              <a:rPr lang="de-DE" dirty="0" smtClean="0"/>
-              <a:t>Auf mögliche Fehler bei den Eingaben wird nicht eingegangen!</a:t>
+              <a:rPr lang="de-DE" sz="2800" dirty="0" smtClean="0"/>
+              <a:t>Kritik (an mich):</a:t>
             </a:r>
           </a:p>
           <a:p>
             <a:pPr marL="800100" lvl="2" indent="-342900"/>
             <a:r>
-              <a:rPr lang="de-DE" dirty="0" smtClean="0"/>
-              <a:t>Screenshots mit korrekten Eingaben</a:t>
-            </a:r>
-          </a:p>
-          <a:p>
-            <a:pPr marL="800100" lvl="2" indent="-342900"/>
-            <a:r>
-              <a:rPr lang="de-DE" dirty="0" smtClean="0"/>
-              <a:t>Fehlermeldungen sind eindeutig</a:t>
-            </a:r>
-          </a:p>
-          <a:p>
-            <a:pPr marL="0" indent="0">
-              <a:buNone/>
-            </a:pPr>
-            <a:endParaRPr lang="de-DE" dirty="0"/>
+              <a:rPr lang="de-DE" sz="2400" dirty="0" smtClean="0"/>
+              <a:t>Testdaten wurden nicht dokumentiert</a:t>
+            </a:r>
+            <a:endParaRPr lang="de-DE" sz="2400" dirty="0"/>
           </a:p>
         </p:txBody>
       </p:sp>
     </p:spTree>
     <p:extLst>
       <p:ext uri="{BB962C8B-B14F-4D97-AF65-F5344CB8AC3E}">
-        <p14:creationId xmlns:p14="http://schemas.microsoft.com/office/powerpoint/2010/main" val="1063259489"/>
+        <p14:creationId xmlns:p14="http://schemas.microsoft.com/office/powerpoint/2010/main" val="1348938942"/>
       </p:ext>
     </p:extLst>
   </p:cSld>
   <p:clrMapOvr>
     <a:masterClrMapping/>
   </p:clrMapOvr>
-  <mc:AlternateContent xmlns:mc="http://schemas.openxmlformats.org/markup-compatibility/2006" xmlns:p14="http://schemas.microsoft.com/office/powerpoint/2010/main">
-    <mc:Choice Requires="p14">
+  <mc:AlternateContent xmlns:mc="http://schemas.openxmlformats.org/markup-compatibility/2006">
+    <mc:Choice xmlns:p14="http://schemas.microsoft.com/office/powerpoint/2010/main" Requires="p14">
       <p:transition p14:dur="250">
         <p:push dir="u"/>
       </p:transition>
     </mc:Choice>
-    <mc:Fallback xmlns="">
+    <mc:Fallback>
       <p:transition>
         <p:push dir="u"/>
       </p:transition>
@@ -6269,132 +6286,6 @@
           <a:p>
             <a:r>
               <a:rPr lang="de-DE" dirty="0" smtClean="0"/>
-              <a:t>2.7  Testdokumentation</a:t>
-            </a:r>
-            <a:endParaRPr lang="de-DE" dirty="0"/>
-          </a:p>
-        </p:txBody>
-      </p:sp>
-      <p:sp>
-        <p:nvSpPr>
-          <p:cNvPr id="3" name="Inhaltsplatzhalter 2"/>
-          <p:cNvSpPr>
-            <a:spLocks noGrp="1"/>
-          </p:cNvSpPr>
-          <p:nvPr>
-            <p:ph idx="1"/>
-          </p:nvPr>
-        </p:nvSpPr>
-        <p:spPr/>
-        <p:txBody>
-          <a:bodyPr/>
-          <a:lstStyle/>
-          <a:p>
-            <a:r>
-              <a:rPr lang="de-DE" dirty="0"/>
-              <a:t>g</a:t>
-            </a:r>
-            <a:r>
-              <a:rPr lang="de-DE" dirty="0" smtClean="0"/>
-              <a:t>eringes „Einmischen“ meinerseits</a:t>
-            </a:r>
-          </a:p>
-          <a:p>
-            <a:pPr lvl="1"/>
-            <a:r>
-              <a:rPr lang="de-DE" dirty="0" smtClean="0"/>
-              <a:t>Tester hat selbstständig gearbeitet</a:t>
-            </a:r>
-          </a:p>
-          <a:p>
-            <a:pPr lvl="1"/>
-            <a:r>
-              <a:rPr lang="de-DE" dirty="0" smtClean="0"/>
-              <a:t>ich hatte keine Verbesserungsvorschläge</a:t>
-            </a:r>
-          </a:p>
-          <a:p>
-            <a:pPr marL="0" lvl="1" indent="0">
-              <a:buNone/>
-            </a:pPr>
-            <a:endParaRPr lang="de-DE" dirty="0" smtClean="0"/>
-          </a:p>
-          <a:p>
-            <a:pPr marL="342900" lvl="1" indent="-342900"/>
-            <a:r>
-              <a:rPr lang="de-DE" sz="2800" dirty="0" smtClean="0"/>
-              <a:t>Kritik (an mich):</a:t>
-            </a:r>
-          </a:p>
-          <a:p>
-            <a:pPr marL="800100" lvl="2" indent="-342900"/>
-            <a:r>
-              <a:rPr lang="de-DE" sz="2400" dirty="0" smtClean="0"/>
-              <a:t>Testdaten wurden nicht dokumentiert</a:t>
-            </a:r>
-            <a:endParaRPr lang="de-DE" sz="2400" dirty="0"/>
-          </a:p>
-        </p:txBody>
-      </p:sp>
-    </p:spTree>
-    <p:extLst>
-      <p:ext uri="{BB962C8B-B14F-4D97-AF65-F5344CB8AC3E}">
-        <p14:creationId xmlns:p14="http://schemas.microsoft.com/office/powerpoint/2010/main" val="1348938942"/>
-      </p:ext>
-    </p:extLst>
-  </p:cSld>
-  <p:clrMapOvr>
-    <a:masterClrMapping/>
-  </p:clrMapOvr>
-  <mc:AlternateContent xmlns:mc="http://schemas.openxmlformats.org/markup-compatibility/2006" xmlns:p14="http://schemas.microsoft.com/office/powerpoint/2010/main">
-    <mc:Choice Requires="p14">
-      <p:transition p14:dur="250">
-        <p:push dir="u"/>
-      </p:transition>
-    </mc:Choice>
-    <mc:Fallback xmlns="">
-      <p:transition>
-        <p:push dir="u"/>
-      </p:transition>
-    </mc:Fallback>
-  </mc:AlternateContent>
-</p:sld>
-</file>
-
-<file path=ppt/slides/slide26.xml><?xml version="1.0" encoding="utf-8"?>
-<p:sld xmlns:a="http://schemas.openxmlformats.org/drawingml/2006/main" xmlns:r="http://schemas.openxmlformats.org/officeDocument/2006/relationships" xmlns:p="http://schemas.openxmlformats.org/presentationml/2006/main">
-  <p:cSld>
-    <p:spTree>
-      <p:nvGrpSpPr>
-        <p:cNvPr id="1" name=""/>
-        <p:cNvGrpSpPr/>
-        <p:nvPr/>
-      </p:nvGrpSpPr>
-      <p:grpSpPr>
-        <a:xfrm>
-          <a:off x="0" y="0"/>
-          <a:ext cx="0" cy="0"/>
-          <a:chOff x="0" y="0"/>
-          <a:chExt cx="0" cy="0"/>
-        </a:xfrm>
-      </p:grpSpPr>
-      <p:sp>
-        <p:nvSpPr>
-          <p:cNvPr id="2" name="Titel 1"/>
-          <p:cNvSpPr>
-            <a:spLocks noGrp="1"/>
-          </p:cNvSpPr>
-          <p:nvPr>
-            <p:ph type="title"/>
-          </p:nvPr>
-        </p:nvSpPr>
-        <p:spPr/>
-        <p:txBody>
-          <a:bodyPr/>
-          <a:lstStyle/>
-          <a:p>
-            <a:r>
-              <a:rPr lang="de-DE" dirty="0" smtClean="0"/>
               <a:t>2.8.  Reflexion (Dokumentation)</a:t>
             </a:r>
             <a:endParaRPr lang="de-DE" dirty="0"/>
@@ -6508,13 +6399,13 @@
   <p:clrMapOvr>
     <a:masterClrMapping/>
   </p:clrMapOvr>
-  <mc:AlternateContent xmlns:mc="http://schemas.openxmlformats.org/markup-compatibility/2006" xmlns:p14="http://schemas.microsoft.com/office/powerpoint/2010/main">
-    <mc:Choice Requires="p14">
+  <mc:AlternateContent xmlns:mc="http://schemas.openxmlformats.org/markup-compatibility/2006">
+    <mc:Choice xmlns:p14="http://schemas.microsoft.com/office/powerpoint/2010/main" Requires="p14">
       <p:transition p14:dur="250">
         <p:push dir="u"/>
       </p:transition>
     </mc:Choice>
-    <mc:Fallback xmlns="">
+    <mc:Fallback>
       <p:transition>
         <p:push dir="u"/>
       </p:transition>
@@ -6530,7 +6421,7 @@
 </p:sld>
 </file>
 
-<file path=ppt/slides/slide27.xml><?xml version="1.0" encoding="utf-8"?>
+<file path=ppt/slides/slide26.xml><?xml version="1.0" encoding="utf-8"?>
 <p:sld xmlns:a="http://schemas.openxmlformats.org/drawingml/2006/main" xmlns:r="http://schemas.openxmlformats.org/officeDocument/2006/relationships" xmlns:p="http://schemas.openxmlformats.org/presentationml/2006/main">
   <p:cSld>
     <p:spTree>
@@ -6708,13 +6599,13 @@
   <p:clrMapOvr>
     <a:masterClrMapping/>
   </p:clrMapOvr>
-  <mc:AlternateContent xmlns:mc="http://schemas.openxmlformats.org/markup-compatibility/2006" xmlns:p14="http://schemas.microsoft.com/office/powerpoint/2010/main">
-    <mc:Choice Requires="p14">
+  <mc:AlternateContent xmlns:mc="http://schemas.openxmlformats.org/markup-compatibility/2006">
+    <mc:Choice xmlns:p14="http://schemas.microsoft.com/office/powerpoint/2010/main" Requires="p14">
       <p:transition p14:dur="250">
         <p:push dir="u"/>
       </p:transition>
     </mc:Choice>
-    <mc:Fallback xmlns="">
+    <mc:Fallback>
       <p:transition>
         <p:push dir="u"/>
       </p:transition>
@@ -6860,13 +6751,13 @@
   <p:clrMapOvr>
     <a:masterClrMapping/>
   </p:clrMapOvr>
-  <mc:AlternateContent xmlns:mc="http://schemas.openxmlformats.org/markup-compatibility/2006" xmlns:p14="http://schemas.microsoft.com/office/powerpoint/2010/main">
-    <mc:Choice Requires="p14">
+  <mc:AlternateContent xmlns:mc="http://schemas.openxmlformats.org/markup-compatibility/2006">
+    <mc:Choice xmlns:p14="http://schemas.microsoft.com/office/powerpoint/2010/main" Requires="p14">
       <p:transition p14:dur="250">
         <p:push dir="u"/>
       </p:transition>
     </mc:Choice>
-    <mc:Fallback xmlns="">
+    <mc:Fallback>
       <p:transition>
         <p:push dir="u"/>
       </p:transition>
@@ -7055,13 +6946,13 @@
   <p:clrMapOvr>
     <a:masterClrMapping/>
   </p:clrMapOvr>
-  <mc:AlternateContent xmlns:mc="http://schemas.openxmlformats.org/markup-compatibility/2006" xmlns:p14="http://schemas.microsoft.com/office/powerpoint/2010/main">
-    <mc:Choice Requires="p14">
+  <mc:AlternateContent xmlns:mc="http://schemas.openxmlformats.org/markup-compatibility/2006">
+    <mc:Choice xmlns:p14="http://schemas.microsoft.com/office/powerpoint/2010/main" Requires="p14">
       <p:transition p14:dur="250">
         <p:push dir="u"/>
       </p:transition>
     </mc:Choice>
-    <mc:Fallback xmlns="">
+    <mc:Fallback>
       <p:transition>
         <p:push dir="u"/>
       </p:transition>
@@ -7237,13 +7128,13 @@
   <p:clrMapOvr>
     <a:masterClrMapping/>
   </p:clrMapOvr>
-  <mc:AlternateContent xmlns:mc="http://schemas.openxmlformats.org/markup-compatibility/2006" xmlns:p14="http://schemas.microsoft.com/office/powerpoint/2010/main">
-    <mc:Choice Requires="p14">
+  <mc:AlternateContent xmlns:mc="http://schemas.openxmlformats.org/markup-compatibility/2006">
+    <mc:Choice xmlns:p14="http://schemas.microsoft.com/office/powerpoint/2010/main" Requires="p14">
       <p:transition p14:dur="250">
         <p:push dir="u"/>
       </p:transition>
     </mc:Choice>
-    <mc:Fallback xmlns="">
+    <mc:Fallback>
       <p:transition>
         <p:push dir="u"/>
       </p:transition>
@@ -7453,13 +7344,13 @@
   <p:clrMapOvr>
     <a:masterClrMapping/>
   </p:clrMapOvr>
-  <mc:AlternateContent xmlns:mc="http://schemas.openxmlformats.org/markup-compatibility/2006" xmlns:p14="http://schemas.microsoft.com/office/powerpoint/2010/main">
-    <mc:Choice Requires="p14">
+  <mc:AlternateContent xmlns:mc="http://schemas.openxmlformats.org/markup-compatibility/2006">
+    <mc:Choice xmlns:p14="http://schemas.microsoft.com/office/powerpoint/2010/main" Requires="p14">
       <p:transition p14:dur="250">
         <p:push dir="u"/>
       </p:transition>
     </mc:Choice>
-    <mc:Fallback xmlns="">
+    <mc:Fallback>
       <p:transition>
         <p:push dir="u"/>
       </p:transition>
@@ -7575,13 +7466,13 @@
   <p:clrMapOvr>
     <a:masterClrMapping/>
   </p:clrMapOvr>
-  <mc:AlternateContent xmlns:mc="http://schemas.openxmlformats.org/markup-compatibility/2006" xmlns:p14="http://schemas.microsoft.com/office/powerpoint/2010/main">
-    <mc:Choice Requires="p14">
+  <mc:AlternateContent xmlns:mc="http://schemas.openxmlformats.org/markup-compatibility/2006">
+    <mc:Choice xmlns:p14="http://schemas.microsoft.com/office/powerpoint/2010/main" Requires="p14">
       <p:transition p14:dur="250">
         <p:push dir="u"/>
       </p:transition>
     </mc:Choice>
-    <mc:Fallback xmlns="">
+    <mc:Fallback>
       <p:transition>
         <p:push dir="u"/>
       </p:transition>
@@ -7699,13 +7590,13 @@
   <p:clrMapOvr>
     <a:masterClrMapping/>
   </p:clrMapOvr>
-  <mc:AlternateContent xmlns:mc="http://schemas.openxmlformats.org/markup-compatibility/2006" xmlns:p14="http://schemas.microsoft.com/office/powerpoint/2010/main">
-    <mc:Choice Requires="p14">
+  <mc:AlternateContent xmlns:mc="http://schemas.openxmlformats.org/markup-compatibility/2006">
+    <mc:Choice xmlns:p14="http://schemas.microsoft.com/office/powerpoint/2010/main" Requires="p14">
       <p:transition p14:dur="250">
         <p:push dir="u"/>
       </p:transition>
     </mc:Choice>
-    <mc:Fallback xmlns="">
+    <mc:Fallback>
       <p:transition>
         <p:push dir="u"/>
       </p:transition>
@@ -8141,13 +8032,13 @@
   <p:clrMapOvr>
     <a:masterClrMapping/>
   </p:clrMapOvr>
-  <mc:AlternateContent xmlns:mc="http://schemas.openxmlformats.org/markup-compatibility/2006" xmlns:p14="http://schemas.microsoft.com/office/powerpoint/2010/main">
-    <mc:Choice Requires="p14">
+  <mc:AlternateContent xmlns:mc="http://schemas.openxmlformats.org/markup-compatibility/2006">
+    <mc:Choice xmlns:p14="http://schemas.microsoft.com/office/powerpoint/2010/main" Requires="p14">
       <p:transition p14:dur="250">
         <p:push dir="u"/>
       </p:transition>
     </mc:Choice>
-    <mc:Fallback xmlns="">
+    <mc:Fallback>
       <p:transition>
         <p:push dir="u"/>
       </p:transition>

--- a/Präsentation/Felix - Dokumentation/SE_Dokumentation.pptx
+++ b/Präsentation/Felix - Dokumentation/SE_Dokumentation.pptx
@@ -5,35 +5,34 @@
     <p:sldMasterId id="2147483732" r:id="rId1"/>
   </p:sldMasterIdLst>
   <p:notesMasterIdLst>
-    <p:notesMasterId r:id="rId28"/>
+    <p:notesMasterId r:id="rId27"/>
   </p:notesMasterIdLst>
   <p:sldIdLst>
     <p:sldId id="256" r:id="rId2"/>
     <p:sldId id="257" r:id="rId3"/>
     <p:sldId id="258" r:id="rId4"/>
     <p:sldId id="259" r:id="rId5"/>
-    <p:sldId id="262" r:id="rId6"/>
-    <p:sldId id="260" r:id="rId7"/>
-    <p:sldId id="288" r:id="rId8"/>
-    <p:sldId id="265" r:id="rId9"/>
-    <p:sldId id="266" r:id="rId10"/>
-    <p:sldId id="267" r:id="rId11"/>
-    <p:sldId id="268" r:id="rId12"/>
-    <p:sldId id="269" r:id="rId13"/>
-    <p:sldId id="270" r:id="rId14"/>
-    <p:sldId id="271" r:id="rId15"/>
-    <p:sldId id="287" r:id="rId16"/>
-    <p:sldId id="276" r:id="rId17"/>
-    <p:sldId id="272" r:id="rId18"/>
-    <p:sldId id="274" r:id="rId19"/>
-    <p:sldId id="273" r:id="rId20"/>
-    <p:sldId id="275" r:id="rId21"/>
-    <p:sldId id="286" r:id="rId22"/>
-    <p:sldId id="279" r:id="rId23"/>
-    <p:sldId id="280" r:id="rId24"/>
-    <p:sldId id="282" r:id="rId25"/>
-    <p:sldId id="284" r:id="rId26"/>
-    <p:sldId id="283" r:id="rId27"/>
+    <p:sldId id="260" r:id="rId6"/>
+    <p:sldId id="288" r:id="rId7"/>
+    <p:sldId id="265" r:id="rId8"/>
+    <p:sldId id="266" r:id="rId9"/>
+    <p:sldId id="267" r:id="rId10"/>
+    <p:sldId id="268" r:id="rId11"/>
+    <p:sldId id="269" r:id="rId12"/>
+    <p:sldId id="270" r:id="rId13"/>
+    <p:sldId id="271" r:id="rId14"/>
+    <p:sldId id="287" r:id="rId15"/>
+    <p:sldId id="276" r:id="rId16"/>
+    <p:sldId id="272" r:id="rId17"/>
+    <p:sldId id="274" r:id="rId18"/>
+    <p:sldId id="273" r:id="rId19"/>
+    <p:sldId id="275" r:id="rId20"/>
+    <p:sldId id="286" r:id="rId21"/>
+    <p:sldId id="279" r:id="rId22"/>
+    <p:sldId id="280" r:id="rId23"/>
+    <p:sldId id="282" r:id="rId24"/>
+    <p:sldId id="284" r:id="rId25"/>
+    <p:sldId id="283" r:id="rId26"/>
   </p:sldIdLst>
   <p:sldSz cx="12192000" cy="6858000"/>
   <p:notesSz cx="6858000" cy="9144000"/>
@@ -555,7 +554,7 @@
           <a:p>
             <a:fld id="{523EE258-41AE-4C9E-840D-155D4C4E4E92}" type="slidenum">
               <a:rPr lang="de-DE" smtClean="0"/>
-              <a:t>22</a:t>
+              <a:t>21</a:t>
             </a:fld>
             <a:endParaRPr lang="de-DE"/>
           </a:p>
@@ -3505,13 +3504,13 @@
   <p:clrMapOvr>
     <a:masterClrMapping/>
   </p:clrMapOvr>
-  <mc:AlternateContent xmlns:mc="http://schemas.openxmlformats.org/markup-compatibility/2006">
-    <mc:Choice xmlns:p14="http://schemas.microsoft.com/office/powerpoint/2010/main" Requires="p14">
+  <mc:AlternateContent xmlns:mc="http://schemas.openxmlformats.org/markup-compatibility/2006" xmlns:p14="http://schemas.microsoft.com/office/powerpoint/2010/main">
+    <mc:Choice Requires="p14">
       <p:transition p14:dur="250">
         <p:push dir="u"/>
       </p:transition>
     </mc:Choice>
-    <mc:Fallback>
+    <mc:Fallback xmlns="">
       <p:transition>
         <p:push dir="u"/>
       </p:transition>
@@ -3560,113 +3559,21 @@
           <a:lstStyle/>
           <a:p>
             <a:r>
-              <a:rPr lang="de-DE" dirty="0" smtClean="0"/>
+              <a:rPr lang="de-DE" dirty="0"/>
               <a:t>2.2.  Protokolle</a:t>
-            </a:r>
-            <a:endParaRPr lang="de-DE" dirty="0"/>
-          </a:p>
-        </p:txBody>
-      </p:sp>
-      <p:sp>
-        <p:nvSpPr>
-          <p:cNvPr id="3" name="Inhaltsplatzhalter 2"/>
-          <p:cNvSpPr>
-            <a:spLocks noGrp="1"/>
-          </p:cNvSpPr>
-          <p:nvPr>
-            <p:ph idx="1"/>
-          </p:nvPr>
-        </p:nvSpPr>
-        <p:spPr/>
-        <p:txBody>
-          <a:bodyPr/>
-          <a:lstStyle/>
-          <a:p>
-            <a:r>
-              <a:rPr lang="de-DE" dirty="0" smtClean="0"/>
-              <a:t>Dokumentation der Teambesprechungen</a:t>
-            </a:r>
-          </a:p>
-          <a:p>
-            <a:r>
-              <a:rPr lang="de-DE" dirty="0" smtClean="0"/>
-              <a:t>Ziel:</a:t>
-            </a:r>
-          </a:p>
-          <a:p>
-            <a:pPr lvl="1"/>
-            <a:r>
-              <a:rPr lang="de-DE" dirty="0" smtClean="0"/>
-              <a:t>Was wurde erreicht?</a:t>
-            </a:r>
-          </a:p>
-          <a:p>
-            <a:pPr lvl="1"/>
-            <a:r>
-              <a:rPr lang="de-DE" dirty="0" smtClean="0"/>
-              <a:t>Wer erarbeitet was bis zum nächsten Treffen?</a:t>
-            </a:r>
-          </a:p>
-          <a:p>
-            <a:pPr marL="342900" lvl="1" indent="-342900"/>
-            <a:r>
-              <a:rPr lang="de-DE" dirty="0" smtClean="0"/>
-              <a:t>Vorgehensweise:</a:t>
-            </a:r>
-          </a:p>
-          <a:p>
-            <a:pPr marL="800100" lvl="2" indent="-342900"/>
-            <a:r>
-              <a:rPr lang="de-DE" dirty="0"/>
-              <a:t>z</a:t>
-            </a:r>
-            <a:r>
-              <a:rPr lang="de-DE" dirty="0" smtClean="0"/>
-              <a:t>unächst „schnelle“ Mitschrift in Textdatei</a:t>
-            </a:r>
-          </a:p>
-          <a:p>
-            <a:pPr marL="800100" lvl="2" indent="-342900"/>
-            <a:r>
-              <a:rPr lang="de-DE" dirty="0" smtClean="0"/>
-              <a:t>Erstellen eines strukturierten Protokolls in Latex</a:t>
-            </a:r>
-          </a:p>
-          <a:p>
-            <a:pPr marL="800100" lvl="2" indent="-342900"/>
-            <a:r>
-              <a:rPr lang="de-DE" dirty="0" smtClean="0"/>
-              <a:t>Bereitstellung in </a:t>
-            </a:r>
-            <a:r>
-              <a:rPr lang="de-DE" dirty="0" err="1" smtClean="0"/>
-              <a:t>Github</a:t>
-            </a:r>
-            <a:endParaRPr lang="de-DE" dirty="0" smtClean="0"/>
-          </a:p>
-          <a:p>
-            <a:pPr marL="342900" lvl="1" indent="-342900"/>
-            <a:r>
-              <a:rPr lang="de-DE" dirty="0" smtClean="0"/>
-              <a:t>Hilfsmittel:</a:t>
-            </a:r>
-          </a:p>
-          <a:p>
-            <a:pPr marL="800100" lvl="2" indent="-342900"/>
-            <a:r>
-              <a:rPr lang="de-DE" dirty="0" smtClean="0"/>
-              <a:t>Audio-Mitschnitt</a:t>
             </a:r>
           </a:p>
         </p:txBody>
       </p:sp>
       <p:pic>
         <p:nvPicPr>
-          <p:cNvPr id="5" name="Grafik 4"/>
+          <p:cNvPr id="6" name="Inhaltsplatzhalter 5"/>
           <p:cNvPicPr>
-            <a:picLocks noChangeAspect="1"/>
+            <a:picLocks noGrp="1" noChangeAspect="1"/>
           </p:cNvPicPr>
-          <p:nvPr/>
+          <p:nvPr>
+            <p:ph idx="1"/>
+          </p:nvPr>
         </p:nvPicPr>
         <p:blipFill>
           <a:blip r:embed="rId2"/>
@@ -3676,8 +3583,8 @@
         </p:blipFill>
         <p:spPr>
           <a:xfrm>
-            <a:off x="7537189" y="774558"/>
-            <a:ext cx="3312782" cy="4795910"/>
+            <a:off x="838200" y="1994359"/>
+            <a:ext cx="10515600" cy="4013870"/>
           </a:xfrm>
           <a:prstGeom prst="rect">
             <a:avLst/>
@@ -3687,20 +3594,20 @@
     </p:spTree>
     <p:extLst>
       <p:ext uri="{BB962C8B-B14F-4D97-AF65-F5344CB8AC3E}">
-        <p14:creationId xmlns:p14="http://schemas.microsoft.com/office/powerpoint/2010/main" val="3811693482"/>
+        <p14:creationId xmlns:p14="http://schemas.microsoft.com/office/powerpoint/2010/main" val="83981241"/>
       </p:ext>
     </p:extLst>
   </p:cSld>
   <p:clrMapOvr>
     <a:masterClrMapping/>
   </p:clrMapOvr>
-  <mc:AlternateContent xmlns:mc="http://schemas.openxmlformats.org/markup-compatibility/2006">
-    <mc:Choice xmlns:p14="http://schemas.microsoft.com/office/powerpoint/2010/main" Requires="p14">
+  <mc:AlternateContent xmlns:mc="http://schemas.openxmlformats.org/markup-compatibility/2006" xmlns:p14="http://schemas.microsoft.com/office/powerpoint/2010/main">
+    <mc:Choice Requires="p14">
       <p:transition p14:dur="250">
         <p:push dir="u"/>
       </p:transition>
     </mc:Choice>
-    <mc:Fallback>
+    <mc:Fallback xmlns="">
       <p:transition>
         <p:push dir="u"/>
       </p:transition>
@@ -3733,28 +3640,6 @@
           <a:chExt cx="0" cy="0"/>
         </a:xfrm>
       </p:grpSpPr>
-      <p:sp>
-        <p:nvSpPr>
-          <p:cNvPr id="2" name="Titel 1"/>
-          <p:cNvSpPr>
-            <a:spLocks noGrp="1"/>
-          </p:cNvSpPr>
-          <p:nvPr>
-            <p:ph type="title"/>
-          </p:nvPr>
-        </p:nvSpPr>
-        <p:spPr/>
-        <p:txBody>
-          <a:bodyPr/>
-          <a:lstStyle/>
-          <a:p>
-            <a:r>
-              <a:rPr lang="de-DE" dirty="0"/>
-              <a:t>2.2.  Protokolle</a:t>
-            </a:r>
-          </a:p>
-        </p:txBody>
-      </p:sp>
       <p:pic>
         <p:nvPicPr>
           <p:cNvPr id="6" name="Inhaltsplatzhalter 5"/>
@@ -3773,8 +3658,8 @@
         </p:blipFill>
         <p:spPr>
           <a:xfrm>
-            <a:off x="838200" y="1994359"/>
-            <a:ext cx="10515600" cy="4013870"/>
+            <a:off x="3494662" y="146413"/>
+            <a:ext cx="4434688" cy="6614661"/>
           </a:xfrm>
           <a:prstGeom prst="rect">
             <a:avLst/>
@@ -3784,20 +3669,20 @@
     </p:spTree>
     <p:extLst>
       <p:ext uri="{BB962C8B-B14F-4D97-AF65-F5344CB8AC3E}">
-        <p14:creationId xmlns:p14="http://schemas.microsoft.com/office/powerpoint/2010/main" val="83981241"/>
+        <p14:creationId xmlns:p14="http://schemas.microsoft.com/office/powerpoint/2010/main" val="3620648762"/>
       </p:ext>
     </p:extLst>
   </p:cSld>
   <p:clrMapOvr>
     <a:masterClrMapping/>
   </p:clrMapOvr>
-  <mc:AlternateContent xmlns:mc="http://schemas.openxmlformats.org/markup-compatibility/2006">
-    <mc:Choice xmlns:p14="http://schemas.microsoft.com/office/powerpoint/2010/main" Requires="p14">
+  <mc:AlternateContent xmlns:mc="http://schemas.openxmlformats.org/markup-compatibility/2006" xmlns:p14="http://schemas.microsoft.com/office/powerpoint/2010/main">
+    <mc:Choice Requires="p14">
       <p:transition p14:dur="250">
         <p:push dir="u"/>
       </p:transition>
     </mc:Choice>
-    <mc:Fallback>
+    <mc:Fallback xmlns="">
       <p:transition>
         <p:push dir="u"/>
       </p:transition>
@@ -3830,49 +3715,103 @@
           <a:chExt cx="0" cy="0"/>
         </a:xfrm>
       </p:grpSpPr>
-      <p:pic>
-        <p:nvPicPr>
-          <p:cNvPr id="6" name="Inhaltsplatzhalter 5"/>
-          <p:cNvPicPr>
-            <a:picLocks noGrp="1" noChangeAspect="1"/>
-          </p:cNvPicPr>
+      <p:sp>
+        <p:nvSpPr>
+          <p:cNvPr id="2" name="Titel 1"/>
+          <p:cNvSpPr>
+            <a:spLocks noGrp="1"/>
+          </p:cNvSpPr>
+          <p:nvPr>
+            <p:ph type="title"/>
+          </p:nvPr>
+        </p:nvSpPr>
+        <p:spPr/>
+        <p:txBody>
+          <a:bodyPr/>
+          <a:lstStyle/>
+          <a:p>
+            <a:r>
+              <a:rPr lang="de-DE" dirty="0" smtClean="0"/>
+              <a:t>2.2. </a:t>
+            </a:r>
+            <a:r>
+              <a:rPr lang="de-DE" dirty="0"/>
+              <a:t> </a:t>
+            </a:r>
+            <a:r>
+              <a:rPr lang="de-DE" dirty="0" smtClean="0"/>
+              <a:t>Protokolle</a:t>
+            </a:r>
+            <a:endParaRPr lang="de-DE" dirty="0"/>
+          </a:p>
+        </p:txBody>
+      </p:sp>
+      <p:sp>
+        <p:nvSpPr>
+          <p:cNvPr id="3" name="Inhaltsplatzhalter 2"/>
+          <p:cNvSpPr>
+            <a:spLocks noGrp="1"/>
+          </p:cNvSpPr>
           <p:nvPr>
             <p:ph idx="1"/>
           </p:nvPr>
-        </p:nvPicPr>
-        <p:blipFill>
-          <a:blip r:embed="rId2"/>
-          <a:stretch>
-            <a:fillRect/>
-          </a:stretch>
-        </p:blipFill>
-        <p:spPr>
-          <a:xfrm>
-            <a:off x="3494662" y="146413"/>
-            <a:ext cx="4434688" cy="6614661"/>
-          </a:xfrm>
-          <a:prstGeom prst="rect">
-            <a:avLst/>
-          </a:prstGeom>
-        </p:spPr>
-      </p:pic>
+        </p:nvSpPr>
+        <p:spPr/>
+        <p:txBody>
+          <a:bodyPr/>
+          <a:lstStyle/>
+          <a:p>
+            <a:pPr marL="0" indent="0">
+              <a:buNone/>
+            </a:pPr>
+            <a:r>
+              <a:rPr lang="de-DE" dirty="0" smtClean="0"/>
+              <a:t>Erfahrungen:</a:t>
+            </a:r>
+          </a:p>
+          <a:p>
+            <a:r>
+              <a:rPr lang="de-DE" dirty="0" smtClean="0"/>
+              <a:t>Schwierig, immer konzentriert mitzuschreiben (bei Diskussionen)</a:t>
+            </a:r>
+          </a:p>
+          <a:p>
+            <a:r>
+              <a:rPr lang="de-DE" dirty="0" smtClean="0"/>
+              <a:t>Was ist wichtig, was nicht?</a:t>
+            </a:r>
+          </a:p>
+          <a:p>
+            <a:r>
+              <a:rPr lang="de-DE" dirty="0" smtClean="0"/>
+              <a:t>Gute Idee: Tonmitschnitte (wenn auch nur selten benötigt)</a:t>
+            </a:r>
+          </a:p>
+          <a:p>
+            <a:pPr marL="0" indent="0">
+              <a:buNone/>
+            </a:pPr>
+            <a:endParaRPr lang="de-DE" dirty="0"/>
+          </a:p>
+        </p:txBody>
+      </p:sp>
     </p:spTree>
     <p:extLst>
       <p:ext uri="{BB962C8B-B14F-4D97-AF65-F5344CB8AC3E}">
-        <p14:creationId xmlns:p14="http://schemas.microsoft.com/office/powerpoint/2010/main" val="3620648762"/>
+        <p14:creationId xmlns:p14="http://schemas.microsoft.com/office/powerpoint/2010/main" val="3385699952"/>
       </p:ext>
     </p:extLst>
   </p:cSld>
   <p:clrMapOvr>
     <a:masterClrMapping/>
   </p:clrMapOvr>
-  <mc:AlternateContent xmlns:mc="http://schemas.openxmlformats.org/markup-compatibility/2006">
-    <mc:Choice xmlns:p14="http://schemas.microsoft.com/office/powerpoint/2010/main" Requires="p14">
+  <mc:AlternateContent xmlns:mc="http://schemas.openxmlformats.org/markup-compatibility/2006" xmlns:p14="http://schemas.microsoft.com/office/powerpoint/2010/main">
+    <mc:Choice Requires="p14">
       <p:transition p14:dur="250">
         <p:push dir="u"/>
       </p:transition>
     </mc:Choice>
-    <mc:Fallback>
+    <mc:Fallback xmlns="">
       <p:transition>
         <p:push dir="u"/>
       </p:transition>
@@ -3889,135 +3828,6 @@
 </file>
 
 <file path=ppt/slides/slide13.xml><?xml version="1.0" encoding="utf-8"?>
-<p:sld xmlns:a="http://schemas.openxmlformats.org/drawingml/2006/main" xmlns:r="http://schemas.openxmlformats.org/officeDocument/2006/relationships" xmlns:p="http://schemas.openxmlformats.org/presentationml/2006/main">
-  <p:cSld>
-    <p:spTree>
-      <p:nvGrpSpPr>
-        <p:cNvPr id="1" name=""/>
-        <p:cNvGrpSpPr/>
-        <p:nvPr/>
-      </p:nvGrpSpPr>
-      <p:grpSpPr>
-        <a:xfrm>
-          <a:off x="0" y="0"/>
-          <a:ext cx="0" cy="0"/>
-          <a:chOff x="0" y="0"/>
-          <a:chExt cx="0" cy="0"/>
-        </a:xfrm>
-      </p:grpSpPr>
-      <p:sp>
-        <p:nvSpPr>
-          <p:cNvPr id="2" name="Titel 1"/>
-          <p:cNvSpPr>
-            <a:spLocks noGrp="1"/>
-          </p:cNvSpPr>
-          <p:nvPr>
-            <p:ph type="title"/>
-          </p:nvPr>
-        </p:nvSpPr>
-        <p:spPr/>
-        <p:txBody>
-          <a:bodyPr/>
-          <a:lstStyle/>
-          <a:p>
-            <a:r>
-              <a:rPr lang="de-DE" dirty="0" smtClean="0"/>
-              <a:t>2.2. </a:t>
-            </a:r>
-            <a:r>
-              <a:rPr lang="de-DE" dirty="0"/>
-              <a:t> </a:t>
-            </a:r>
-            <a:r>
-              <a:rPr lang="de-DE" dirty="0" smtClean="0"/>
-              <a:t>Protokolle</a:t>
-            </a:r>
-            <a:endParaRPr lang="de-DE" dirty="0"/>
-          </a:p>
-        </p:txBody>
-      </p:sp>
-      <p:sp>
-        <p:nvSpPr>
-          <p:cNvPr id="3" name="Inhaltsplatzhalter 2"/>
-          <p:cNvSpPr>
-            <a:spLocks noGrp="1"/>
-          </p:cNvSpPr>
-          <p:nvPr>
-            <p:ph idx="1"/>
-          </p:nvPr>
-        </p:nvSpPr>
-        <p:spPr/>
-        <p:txBody>
-          <a:bodyPr/>
-          <a:lstStyle/>
-          <a:p>
-            <a:pPr marL="0" indent="0">
-              <a:buNone/>
-            </a:pPr>
-            <a:r>
-              <a:rPr lang="de-DE" dirty="0" smtClean="0"/>
-              <a:t>Erfahrungen:</a:t>
-            </a:r>
-          </a:p>
-          <a:p>
-            <a:r>
-              <a:rPr lang="de-DE" dirty="0" smtClean="0"/>
-              <a:t>Schwierig, immer konzentriert mitzuschreiben (bei Diskussionen)</a:t>
-            </a:r>
-          </a:p>
-          <a:p>
-            <a:r>
-              <a:rPr lang="de-DE" dirty="0" smtClean="0"/>
-              <a:t>Was ist wichtig, was nicht?</a:t>
-            </a:r>
-          </a:p>
-          <a:p>
-            <a:r>
-              <a:rPr lang="de-DE" dirty="0" smtClean="0"/>
-              <a:t>Gute Idee: Tonmitschnitte (wenn auch nur selten benötigt)</a:t>
-            </a:r>
-          </a:p>
-          <a:p>
-            <a:pPr marL="0" indent="0">
-              <a:buNone/>
-            </a:pPr>
-            <a:endParaRPr lang="de-DE" dirty="0"/>
-          </a:p>
-        </p:txBody>
-      </p:sp>
-    </p:spTree>
-    <p:extLst>
-      <p:ext uri="{BB962C8B-B14F-4D97-AF65-F5344CB8AC3E}">
-        <p14:creationId xmlns:p14="http://schemas.microsoft.com/office/powerpoint/2010/main" val="3385699952"/>
-      </p:ext>
-    </p:extLst>
-  </p:cSld>
-  <p:clrMapOvr>
-    <a:masterClrMapping/>
-  </p:clrMapOvr>
-  <mc:AlternateContent xmlns:mc="http://schemas.openxmlformats.org/markup-compatibility/2006">
-    <mc:Choice xmlns:p14="http://schemas.microsoft.com/office/powerpoint/2010/main" Requires="p14">
-      <p:transition p14:dur="250">
-        <p:push dir="u"/>
-      </p:transition>
-    </mc:Choice>
-    <mc:Fallback>
-      <p:transition>
-        <p:push dir="u"/>
-      </p:transition>
-    </mc:Fallback>
-  </mc:AlternateContent>
-  <p:timing>
-    <p:tnLst>
-      <p:par>
-        <p:cTn id="1" dur="indefinite" restart="never" nodeType="tmRoot"/>
-      </p:par>
-    </p:tnLst>
-  </p:timing>
-</p:sld>
-</file>
-
-<file path=ppt/slides/slide14.xml><?xml version="1.0" encoding="utf-8"?>
 <p:sld xmlns:a="http://schemas.openxmlformats.org/drawingml/2006/main" xmlns:r="http://schemas.openxmlformats.org/officeDocument/2006/relationships" xmlns:p="http://schemas.openxmlformats.org/presentationml/2006/main">
   <p:cSld>
     <p:spTree>
@@ -4096,13 +3906,162 @@
   <p:clrMapOvr>
     <a:masterClrMapping/>
   </p:clrMapOvr>
-  <mc:AlternateContent xmlns:mc="http://schemas.openxmlformats.org/markup-compatibility/2006">
-    <mc:Choice xmlns:p14="http://schemas.microsoft.com/office/powerpoint/2010/main" Requires="p14">
+  <mc:AlternateContent xmlns:mc="http://schemas.openxmlformats.org/markup-compatibility/2006" xmlns:p14="http://schemas.microsoft.com/office/powerpoint/2010/main">
+    <mc:Choice Requires="p14">
       <p:transition p14:dur="250">
         <p:push dir="u"/>
       </p:transition>
     </mc:Choice>
-    <mc:Fallback>
+    <mc:Fallback xmlns="">
+      <p:transition>
+        <p:push dir="u"/>
+      </p:transition>
+    </mc:Fallback>
+  </mc:AlternateContent>
+  <p:timing>
+    <p:tnLst>
+      <p:par>
+        <p:cTn id="1" dur="indefinite" restart="never" nodeType="tmRoot"/>
+      </p:par>
+    </p:tnLst>
+  </p:timing>
+</p:sld>
+</file>
+
+<file path=ppt/slides/slide14.xml><?xml version="1.0" encoding="utf-8"?>
+<p:sld xmlns:a="http://schemas.openxmlformats.org/drawingml/2006/main" xmlns:r="http://schemas.openxmlformats.org/officeDocument/2006/relationships" xmlns:p="http://schemas.openxmlformats.org/presentationml/2006/main">
+  <p:cSld>
+    <p:spTree>
+      <p:nvGrpSpPr>
+        <p:cNvPr id="1" name=""/>
+        <p:cNvGrpSpPr/>
+        <p:nvPr/>
+      </p:nvGrpSpPr>
+      <p:grpSpPr>
+        <a:xfrm>
+          <a:off x="0" y="0"/>
+          <a:ext cx="0" cy="0"/>
+          <a:chOff x="0" y="0"/>
+          <a:chExt cx="0" cy="0"/>
+        </a:xfrm>
+      </p:grpSpPr>
+      <p:sp>
+        <p:nvSpPr>
+          <p:cNvPr id="2" name="Titel 1"/>
+          <p:cNvSpPr>
+            <a:spLocks noGrp="1"/>
+          </p:cNvSpPr>
+          <p:nvPr>
+            <p:ph type="title"/>
+          </p:nvPr>
+        </p:nvSpPr>
+        <p:spPr/>
+        <p:txBody>
+          <a:bodyPr/>
+          <a:lstStyle/>
+          <a:p>
+            <a:r>
+              <a:rPr lang="de-DE" dirty="0" smtClean="0"/>
+              <a:t>2.4.  Pflichtenheft</a:t>
+            </a:r>
+            <a:endParaRPr lang="de-DE" dirty="0"/>
+          </a:p>
+        </p:txBody>
+      </p:sp>
+      <p:sp>
+        <p:nvSpPr>
+          <p:cNvPr id="3" name="Inhaltsplatzhalter 2"/>
+          <p:cNvSpPr>
+            <a:spLocks noGrp="1"/>
+          </p:cNvSpPr>
+          <p:nvPr>
+            <p:ph idx="1"/>
+          </p:nvPr>
+        </p:nvSpPr>
+        <p:spPr/>
+        <p:txBody>
+          <a:bodyPr/>
+          <a:lstStyle/>
+          <a:p>
+            <a:pPr marL="0" indent="0">
+              <a:buNone/>
+            </a:pPr>
+            <a:r>
+              <a:rPr lang="de-DE" dirty="0" smtClean="0"/>
+              <a:t>„Wer </a:t>
+            </a:r>
+            <a:r>
+              <a:rPr lang="de-DE" dirty="0"/>
+              <a:t>sollte die Dokumentation verfassen</a:t>
+            </a:r>
+            <a:r>
+              <a:rPr lang="de-DE" dirty="0" smtClean="0"/>
+              <a:t>?“</a:t>
+            </a:r>
+            <a:endParaRPr lang="de-DE" dirty="0"/>
+          </a:p>
+          <a:p>
+            <a:pPr lvl="1"/>
+            <a:r>
+              <a:rPr lang="de-DE" dirty="0" smtClean="0"/>
+              <a:t>Spezialist </a:t>
+            </a:r>
+            <a:r>
+              <a:rPr lang="de-DE" dirty="0"/>
+              <a:t>in jeweiligen </a:t>
+            </a:r>
+            <a:r>
+              <a:rPr lang="de-DE" dirty="0" smtClean="0"/>
+              <a:t>Arbeitsbereich</a:t>
+            </a:r>
+            <a:endParaRPr lang="de-DE" dirty="0"/>
+          </a:p>
+          <a:p>
+            <a:endParaRPr lang="de-DE" dirty="0" smtClean="0"/>
+          </a:p>
+          <a:p>
+            <a:r>
+              <a:rPr lang="de-DE" dirty="0" smtClean="0"/>
+              <a:t>Verantwortlicher für Anforderungsanalyse (Martin) hat Aufgaben verteilt</a:t>
+            </a:r>
+          </a:p>
+          <a:p>
+            <a:pPr lvl="1"/>
+            <a:r>
+              <a:rPr lang="de-DE" dirty="0" smtClean="0"/>
+              <a:t>Ergebnisse wurden zusammengetragen und von Martin ordentlich ausformuliert</a:t>
+            </a:r>
+          </a:p>
+          <a:p>
+            <a:pPr lvl="1"/>
+            <a:r>
+              <a:rPr lang="de-DE" dirty="0"/>
+              <a:t>sonst keine explizite Zusammenarbeit</a:t>
+            </a:r>
+          </a:p>
+          <a:p>
+            <a:pPr lvl="1"/>
+            <a:endParaRPr lang="de-DE" dirty="0"/>
+          </a:p>
+        </p:txBody>
+      </p:sp>
+    </p:spTree>
+    <p:extLst>
+      <p:ext uri="{BB962C8B-B14F-4D97-AF65-F5344CB8AC3E}">
+        <p14:creationId xmlns:p14="http://schemas.microsoft.com/office/powerpoint/2010/main" val="3770484213"/>
+      </p:ext>
+    </p:extLst>
+  </p:cSld>
+  <p:clrMapOvr>
+    <a:masterClrMapping/>
+  </p:clrMapOvr>
+  <mc:AlternateContent xmlns:mc="http://schemas.openxmlformats.org/markup-compatibility/2006" xmlns:p14="http://schemas.microsoft.com/office/powerpoint/2010/main">
+    <mc:Choice Requires="p14">
+      <p:transition p14:dur="250">
+        <p:push dir="u"/>
+      </p:transition>
+    </mc:Choice>
+    <mc:Fallback xmlns="">
       <p:transition>
         <p:push dir="u"/>
       </p:transition>
@@ -4152,155 +4111,6 @@
           <a:p>
             <a:r>
               <a:rPr lang="de-DE" dirty="0" smtClean="0"/>
-              <a:t>2.4.  Pflichtenheft</a:t>
-            </a:r>
-            <a:endParaRPr lang="de-DE" dirty="0"/>
-          </a:p>
-        </p:txBody>
-      </p:sp>
-      <p:sp>
-        <p:nvSpPr>
-          <p:cNvPr id="3" name="Inhaltsplatzhalter 2"/>
-          <p:cNvSpPr>
-            <a:spLocks noGrp="1"/>
-          </p:cNvSpPr>
-          <p:nvPr>
-            <p:ph idx="1"/>
-          </p:nvPr>
-        </p:nvSpPr>
-        <p:spPr/>
-        <p:txBody>
-          <a:bodyPr/>
-          <a:lstStyle/>
-          <a:p>
-            <a:pPr marL="0" indent="0">
-              <a:buNone/>
-            </a:pPr>
-            <a:r>
-              <a:rPr lang="de-DE" dirty="0" smtClean="0"/>
-              <a:t>„Wer </a:t>
-            </a:r>
-            <a:r>
-              <a:rPr lang="de-DE" dirty="0"/>
-              <a:t>sollte die Dokumentation verfassen</a:t>
-            </a:r>
-            <a:r>
-              <a:rPr lang="de-DE" dirty="0" smtClean="0"/>
-              <a:t>?“</a:t>
-            </a:r>
-            <a:endParaRPr lang="de-DE" dirty="0"/>
-          </a:p>
-          <a:p>
-            <a:pPr lvl="1"/>
-            <a:r>
-              <a:rPr lang="de-DE" dirty="0" smtClean="0"/>
-              <a:t>Spezialist </a:t>
-            </a:r>
-            <a:r>
-              <a:rPr lang="de-DE" dirty="0"/>
-              <a:t>in jeweiligen </a:t>
-            </a:r>
-            <a:r>
-              <a:rPr lang="de-DE" dirty="0" smtClean="0"/>
-              <a:t>Arbeitsbereich</a:t>
-            </a:r>
-            <a:endParaRPr lang="de-DE" dirty="0"/>
-          </a:p>
-          <a:p>
-            <a:endParaRPr lang="de-DE" dirty="0" smtClean="0"/>
-          </a:p>
-          <a:p>
-            <a:r>
-              <a:rPr lang="de-DE" dirty="0" smtClean="0"/>
-              <a:t>Verantwortlicher für Anforderungsanalyse (Martin) hat Aufgaben verteilt</a:t>
-            </a:r>
-          </a:p>
-          <a:p>
-            <a:pPr lvl="1"/>
-            <a:r>
-              <a:rPr lang="de-DE" dirty="0" smtClean="0"/>
-              <a:t>Ergebnisse wurden zusammengetragen und von Martin ordentlich ausformuliert</a:t>
-            </a:r>
-          </a:p>
-          <a:p>
-            <a:pPr lvl="1"/>
-            <a:r>
-              <a:rPr lang="de-DE" dirty="0"/>
-              <a:t>sonst keine explizite Zusammenarbeit</a:t>
-            </a:r>
-          </a:p>
-          <a:p>
-            <a:pPr lvl="1"/>
-            <a:endParaRPr lang="de-DE" dirty="0"/>
-          </a:p>
-        </p:txBody>
-      </p:sp>
-    </p:spTree>
-    <p:extLst>
-      <p:ext uri="{BB962C8B-B14F-4D97-AF65-F5344CB8AC3E}">
-        <p14:creationId xmlns:p14="http://schemas.microsoft.com/office/powerpoint/2010/main" val="3770484213"/>
-      </p:ext>
-    </p:extLst>
-  </p:cSld>
-  <p:clrMapOvr>
-    <a:masterClrMapping/>
-  </p:clrMapOvr>
-  <mc:AlternateContent xmlns:mc="http://schemas.openxmlformats.org/markup-compatibility/2006">
-    <mc:Choice xmlns:p14="http://schemas.microsoft.com/office/powerpoint/2010/main" Requires="p14">
-      <p:transition p14:dur="250">
-        <p:push dir="u"/>
-      </p:transition>
-    </mc:Choice>
-    <mc:Fallback>
-      <p:transition>
-        <p:push dir="u"/>
-      </p:transition>
-    </mc:Fallback>
-  </mc:AlternateContent>
-  <p:timing>
-    <p:tnLst>
-      <p:par>
-        <p:cTn id="1" dur="indefinite" restart="never" nodeType="tmRoot"/>
-      </p:par>
-    </p:tnLst>
-  </p:timing>
-</p:sld>
-</file>
-
-<file path=ppt/slides/slide16.xml><?xml version="1.0" encoding="utf-8"?>
-<p:sld xmlns:a="http://schemas.openxmlformats.org/drawingml/2006/main" xmlns:r="http://schemas.openxmlformats.org/officeDocument/2006/relationships" xmlns:p="http://schemas.openxmlformats.org/presentationml/2006/main">
-  <p:cSld>
-    <p:spTree>
-      <p:nvGrpSpPr>
-        <p:cNvPr id="1" name=""/>
-        <p:cNvGrpSpPr/>
-        <p:nvPr/>
-      </p:nvGrpSpPr>
-      <p:grpSpPr>
-        <a:xfrm>
-          <a:off x="0" y="0"/>
-          <a:ext cx="0" cy="0"/>
-          <a:chOff x="0" y="0"/>
-          <a:chExt cx="0" cy="0"/>
-        </a:xfrm>
-      </p:grpSpPr>
-      <p:sp>
-        <p:nvSpPr>
-          <p:cNvPr id="2" name="Titel 1"/>
-          <p:cNvSpPr>
-            <a:spLocks noGrp="1"/>
-          </p:cNvSpPr>
-          <p:nvPr>
-            <p:ph type="title"/>
-          </p:nvPr>
-        </p:nvSpPr>
-        <p:spPr/>
-        <p:txBody>
-          <a:bodyPr/>
-          <a:lstStyle/>
-          <a:p>
-            <a:r>
-              <a:rPr lang="de-DE" dirty="0" smtClean="0"/>
               <a:t>2.5.  </a:t>
             </a:r>
             <a:r>
@@ -4442,13 +4252,13 @@
   <p:clrMapOvr>
     <a:masterClrMapping/>
   </p:clrMapOvr>
-  <mc:AlternateContent xmlns:mc="http://schemas.openxmlformats.org/markup-compatibility/2006">
-    <mc:Choice xmlns:p14="http://schemas.microsoft.com/office/powerpoint/2010/main" Requires="p14">
+  <mc:AlternateContent xmlns:mc="http://schemas.openxmlformats.org/markup-compatibility/2006" xmlns:p14="http://schemas.microsoft.com/office/powerpoint/2010/main">
+    <mc:Choice Requires="p14">
       <p:transition p14:dur="250">
         <p:push dir="u"/>
       </p:transition>
     </mc:Choice>
-    <mc:Fallback>
+    <mc:Fallback xmlns="">
       <p:transition>
         <p:push dir="u"/>
       </p:transition>
@@ -4464,7 +4274,7 @@
 </p:sld>
 </file>
 
-<file path=ppt/slides/slide17.xml><?xml version="1.0" encoding="utf-8"?>
+<file path=ppt/slides/slide16.xml><?xml version="1.0" encoding="utf-8"?>
 <p:sld xmlns:a="http://schemas.openxmlformats.org/drawingml/2006/main" xmlns:r="http://schemas.openxmlformats.org/officeDocument/2006/relationships" xmlns:p="http://schemas.openxmlformats.org/presentationml/2006/main">
   <p:cSld>
     <p:spTree>
@@ -4640,13 +4450,13 @@
   <p:clrMapOvr>
     <a:masterClrMapping/>
   </p:clrMapOvr>
-  <mc:AlternateContent xmlns:mc="http://schemas.openxmlformats.org/markup-compatibility/2006">
-    <mc:Choice xmlns:p14="http://schemas.microsoft.com/office/powerpoint/2010/main" Requires="p14">
+  <mc:AlternateContent xmlns:mc="http://schemas.openxmlformats.org/markup-compatibility/2006" xmlns:p14="http://schemas.microsoft.com/office/powerpoint/2010/main">
+    <mc:Choice Requires="p14">
       <p:transition p14:dur="250">
         <p:push dir="u"/>
       </p:transition>
     </mc:Choice>
-    <mc:Fallback>
+    <mc:Fallback xmlns="">
       <p:transition>
         <p:push dir="u"/>
       </p:transition>
@@ -4662,7 +4472,7 @@
 </p:sld>
 </file>
 
-<file path=ppt/slides/slide18.xml><?xml version="1.0" encoding="utf-8"?>
+<file path=ppt/slides/slide17.xml><?xml version="1.0" encoding="utf-8"?>
 <p:sld xmlns:a="http://schemas.openxmlformats.org/drawingml/2006/main" xmlns:r="http://schemas.openxmlformats.org/officeDocument/2006/relationships" xmlns:p="http://schemas.openxmlformats.org/presentationml/2006/main">
   <p:cSld>
     <p:spTree>
@@ -4818,13 +4628,13 @@
   <p:clrMapOvr>
     <a:masterClrMapping/>
   </p:clrMapOvr>
-  <mc:AlternateContent xmlns:mc="http://schemas.openxmlformats.org/markup-compatibility/2006">
-    <mc:Choice xmlns:p14="http://schemas.microsoft.com/office/powerpoint/2010/main" Requires="p14">
+  <mc:AlternateContent xmlns:mc="http://schemas.openxmlformats.org/markup-compatibility/2006" xmlns:p14="http://schemas.microsoft.com/office/powerpoint/2010/main">
+    <mc:Choice Requires="p14">
       <p:transition p14:dur="250">
         <p:push dir="u"/>
       </p:transition>
     </mc:Choice>
-    <mc:Fallback>
+    <mc:Fallback xmlns="">
       <p:transition>
         <p:push dir="u"/>
       </p:transition>
@@ -4840,7 +4650,7 @@
 </p:sld>
 </file>
 
-<file path=ppt/slides/slide19.xml><?xml version="1.0" encoding="utf-8"?>
+<file path=ppt/slides/slide18.xml><?xml version="1.0" encoding="utf-8"?>
 <p:sld xmlns:a="http://schemas.openxmlformats.org/drawingml/2006/main" xmlns:r="http://schemas.openxmlformats.org/officeDocument/2006/relationships" xmlns:p="http://schemas.openxmlformats.org/presentationml/2006/main">
   <p:cSld>
     <p:spTree>
@@ -5025,13 +4835,13 @@
   <p:clrMapOvr>
     <a:masterClrMapping/>
   </p:clrMapOvr>
-  <mc:AlternateContent xmlns:mc="http://schemas.openxmlformats.org/markup-compatibility/2006">
-    <mc:Choice xmlns:p14="http://schemas.microsoft.com/office/powerpoint/2010/main" Requires="p14">
+  <mc:AlternateContent xmlns:mc="http://schemas.openxmlformats.org/markup-compatibility/2006" xmlns:p14="http://schemas.microsoft.com/office/powerpoint/2010/main">
+    <mc:Choice Requires="p14">
       <p:transition p14:dur="250">
         <p:push dir="u"/>
       </p:transition>
     </mc:Choice>
-    <mc:Fallback>
+    <mc:Fallback xmlns="">
       <p:transition>
         <p:push dir="u"/>
       </p:transition>
@@ -5047,239 +4857,7 @@
 </p:sld>
 </file>
 
-<file path=ppt/slides/slide2.xml><?xml version="1.0" encoding="utf-8"?>
-<p:sld xmlns:a="http://schemas.openxmlformats.org/drawingml/2006/main" xmlns:r="http://schemas.openxmlformats.org/officeDocument/2006/relationships" xmlns:p="http://schemas.openxmlformats.org/presentationml/2006/main">
-  <p:cSld>
-    <p:spTree>
-      <p:nvGrpSpPr>
-        <p:cNvPr id="1" name=""/>
-        <p:cNvGrpSpPr/>
-        <p:nvPr/>
-      </p:nvGrpSpPr>
-      <p:grpSpPr>
-        <a:xfrm>
-          <a:off x="0" y="0"/>
-          <a:ext cx="0" cy="0"/>
-          <a:chOff x="0" y="0"/>
-          <a:chExt cx="0" cy="0"/>
-        </a:xfrm>
-      </p:grpSpPr>
-      <p:sp>
-        <p:nvSpPr>
-          <p:cNvPr id="2" name="Titel 1"/>
-          <p:cNvSpPr>
-            <a:spLocks noGrp="1"/>
-          </p:cNvSpPr>
-          <p:nvPr>
-            <p:ph type="title"/>
-          </p:nvPr>
-        </p:nvSpPr>
-        <p:spPr/>
-        <p:txBody>
-          <a:bodyPr/>
-          <a:lstStyle/>
-          <a:p>
-            <a:r>
-              <a:rPr lang="de-DE" dirty="0" smtClean="0"/>
-              <a:t>Contents</a:t>
-            </a:r>
-            <a:endParaRPr lang="de-DE" dirty="0"/>
-          </a:p>
-        </p:txBody>
-      </p:sp>
-      <p:sp>
-        <p:nvSpPr>
-          <p:cNvPr id="3" name="Inhaltsplatzhalter 2"/>
-          <p:cNvSpPr>
-            <a:spLocks noGrp="1"/>
-          </p:cNvSpPr>
-          <p:nvPr>
-            <p:ph idx="1"/>
-          </p:nvPr>
-        </p:nvSpPr>
-        <p:spPr>
-          <a:xfrm>
-            <a:off x="838200" y="1690687"/>
-            <a:ext cx="10515600" cy="4486275"/>
-          </a:xfrm>
-        </p:spPr>
-        <p:txBody>
-          <a:bodyPr>
-            <a:normAutofit fontScale="85000" lnSpcReduction="20000"/>
-          </a:bodyPr>
-          <a:lstStyle/>
-          <a:p>
-            <a:pPr marL="514350" indent="-514350">
-              <a:buFont typeface="+mj-lt"/>
-              <a:buAutoNum type="arabicPeriod"/>
-            </a:pPr>
-            <a:r>
-              <a:rPr lang="de-DE" dirty="0" smtClean="0"/>
-              <a:t>Theoretische Einordnung</a:t>
-            </a:r>
-          </a:p>
-          <a:p>
-            <a:pPr marL="514350" indent="-514350">
-              <a:buFont typeface="+mj-lt"/>
-              <a:buAutoNum type="arabicPeriod"/>
-            </a:pPr>
-            <a:r>
-              <a:rPr lang="de-DE" dirty="0" smtClean="0"/>
-              <a:t>Dokumentation in unserem Projekt</a:t>
-            </a:r>
-          </a:p>
-          <a:p>
-            <a:pPr marL="0" indent="0">
-              <a:buNone/>
-            </a:pPr>
-            <a:r>
-              <a:rPr lang="de-DE" dirty="0"/>
-              <a:t>	</a:t>
-            </a:r>
-            <a:r>
-              <a:rPr lang="de-DE" dirty="0" smtClean="0"/>
-              <a:t>2.1. Verwendetes Werkzeug</a:t>
-            </a:r>
-          </a:p>
-          <a:p>
-            <a:pPr marL="0" indent="0">
-              <a:buNone/>
-            </a:pPr>
-            <a:r>
-              <a:rPr lang="de-DE" dirty="0"/>
-              <a:t>	</a:t>
-            </a:r>
-            <a:r>
-              <a:rPr lang="de-DE" dirty="0" smtClean="0"/>
-              <a:t>2.2. Protokollieren</a:t>
-            </a:r>
-            <a:r>
-              <a:rPr lang="de-DE" dirty="0"/>
-              <a:t> </a:t>
-            </a:r>
-            <a:r>
-              <a:rPr lang="de-DE" dirty="0" smtClean="0"/>
-              <a:t>der Teambesprechungen</a:t>
-            </a:r>
-          </a:p>
-          <a:p>
-            <a:pPr marL="0" indent="0">
-              <a:buNone/>
-            </a:pPr>
-            <a:r>
-              <a:rPr lang="de-DE" dirty="0"/>
-              <a:t>	</a:t>
-            </a:r>
-            <a:r>
-              <a:rPr lang="de-DE" dirty="0" smtClean="0"/>
-              <a:t>2.3. Projektdokumentation</a:t>
-            </a:r>
-          </a:p>
-          <a:p>
-            <a:pPr marL="0" indent="0">
-              <a:buNone/>
-            </a:pPr>
-            <a:r>
-              <a:rPr lang="de-DE" dirty="0" smtClean="0"/>
-              <a:t>	2.4. Pflichtenheft</a:t>
-            </a:r>
-          </a:p>
-          <a:p>
-            <a:pPr marL="0" indent="0">
-              <a:buNone/>
-            </a:pPr>
-            <a:r>
-              <a:rPr lang="de-DE" dirty="0"/>
-              <a:t>	</a:t>
-            </a:r>
-            <a:r>
-              <a:rPr lang="de-DE" dirty="0" smtClean="0"/>
-              <a:t>2.5. Entwicklerdokumentation</a:t>
-            </a:r>
-          </a:p>
-          <a:p>
-            <a:pPr marL="0" indent="0">
-              <a:buNone/>
-            </a:pPr>
-            <a:r>
-              <a:rPr lang="de-DE" dirty="0"/>
-              <a:t>	</a:t>
-            </a:r>
-            <a:r>
-              <a:rPr lang="de-DE" dirty="0" smtClean="0"/>
-              <a:t>2.6. Benutzerdokumentation</a:t>
-            </a:r>
-          </a:p>
-          <a:p>
-            <a:pPr marL="0" indent="0">
-              <a:buNone/>
-            </a:pPr>
-            <a:r>
-              <a:rPr lang="de-DE" dirty="0"/>
-              <a:t>	</a:t>
-            </a:r>
-            <a:r>
-              <a:rPr lang="de-DE" dirty="0" smtClean="0"/>
-              <a:t>2.7. Testdokumentation</a:t>
-            </a:r>
-          </a:p>
-          <a:p>
-            <a:pPr marL="0" indent="0">
-              <a:buNone/>
-            </a:pPr>
-            <a:r>
-              <a:rPr lang="de-DE" dirty="0"/>
-              <a:t>	</a:t>
-            </a:r>
-            <a:r>
-              <a:rPr lang="de-DE" dirty="0" smtClean="0"/>
-              <a:t>2.8. Reflexion (Dokumentation)</a:t>
-            </a:r>
-          </a:p>
-          <a:p>
-            <a:pPr marL="514350" indent="-514350">
-              <a:buAutoNum type="arabicPeriod" startAt="3"/>
-            </a:pPr>
-            <a:r>
-              <a:rPr lang="de-DE" dirty="0" smtClean="0"/>
-              <a:t>Gesamteinschätzung</a:t>
-            </a:r>
-          </a:p>
-        </p:txBody>
-      </p:sp>
-    </p:spTree>
-    <p:extLst>
-      <p:ext uri="{BB962C8B-B14F-4D97-AF65-F5344CB8AC3E}">
-        <p14:creationId xmlns:p14="http://schemas.microsoft.com/office/powerpoint/2010/main" val="708083133"/>
-      </p:ext>
-    </p:extLst>
-  </p:cSld>
-  <p:clrMapOvr>
-    <a:masterClrMapping/>
-  </p:clrMapOvr>
-  <mc:AlternateContent xmlns:mc="http://schemas.openxmlformats.org/markup-compatibility/2006">
-    <mc:Choice xmlns:p14="http://schemas.microsoft.com/office/powerpoint/2010/main" Requires="p14">
-      <p:transition p14:dur="250">
-        <p:push dir="u"/>
-      </p:transition>
-    </mc:Choice>
-    <mc:Fallback>
-      <p:transition>
-        <p:push dir="u"/>
-      </p:transition>
-    </mc:Fallback>
-  </mc:AlternateContent>
-  <p:timing>
-    <p:tnLst>
-      <p:par>
-        <p:cTn id="1" dur="indefinite" restart="never" nodeType="tmRoot"/>
-      </p:par>
-    </p:tnLst>
-  </p:timing>
-</p:sld>
-</file>
-
-<file path=ppt/slides/slide20.xml><?xml version="1.0" encoding="utf-8"?>
+<file path=ppt/slides/slide19.xml><?xml version="1.0" encoding="utf-8"?>
 <p:sld xmlns:a="http://schemas.openxmlformats.org/drawingml/2006/main" xmlns:r="http://schemas.openxmlformats.org/officeDocument/2006/relationships" xmlns:p="http://schemas.openxmlformats.org/presentationml/2006/main">
   <p:cSld>
     <p:spTree>
@@ -5457,13 +5035,463 @@
   <p:clrMapOvr>
     <a:masterClrMapping/>
   </p:clrMapOvr>
-  <mc:AlternateContent xmlns:mc="http://schemas.openxmlformats.org/markup-compatibility/2006">
-    <mc:Choice xmlns:p14="http://schemas.microsoft.com/office/powerpoint/2010/main" Requires="p14">
+  <mc:AlternateContent xmlns:mc="http://schemas.openxmlformats.org/markup-compatibility/2006" xmlns:p14="http://schemas.microsoft.com/office/powerpoint/2010/main">
+    <mc:Choice Requires="p14">
       <p:transition p14:dur="250">
         <p:push dir="u"/>
       </p:transition>
     </mc:Choice>
-    <mc:Fallback>
+    <mc:Fallback xmlns="">
+      <p:transition>
+        <p:push dir="u"/>
+      </p:transition>
+    </mc:Fallback>
+  </mc:AlternateContent>
+  <p:timing>
+    <p:tnLst>
+      <p:par>
+        <p:cTn id="1" dur="indefinite" restart="never" nodeType="tmRoot"/>
+      </p:par>
+    </p:tnLst>
+  </p:timing>
+</p:sld>
+</file>
+
+<file path=ppt/slides/slide2.xml><?xml version="1.0" encoding="utf-8"?>
+<p:sld xmlns:a="http://schemas.openxmlformats.org/drawingml/2006/main" xmlns:r="http://schemas.openxmlformats.org/officeDocument/2006/relationships" xmlns:p="http://schemas.openxmlformats.org/presentationml/2006/main">
+  <p:cSld>
+    <p:spTree>
+      <p:nvGrpSpPr>
+        <p:cNvPr id="1" name=""/>
+        <p:cNvGrpSpPr/>
+        <p:nvPr/>
+      </p:nvGrpSpPr>
+      <p:grpSpPr>
+        <a:xfrm>
+          <a:off x="0" y="0"/>
+          <a:ext cx="0" cy="0"/>
+          <a:chOff x="0" y="0"/>
+          <a:chExt cx="0" cy="0"/>
+        </a:xfrm>
+      </p:grpSpPr>
+      <p:sp>
+        <p:nvSpPr>
+          <p:cNvPr id="2" name="Titel 1"/>
+          <p:cNvSpPr>
+            <a:spLocks noGrp="1"/>
+          </p:cNvSpPr>
+          <p:nvPr>
+            <p:ph type="title"/>
+          </p:nvPr>
+        </p:nvSpPr>
+        <p:spPr/>
+        <p:txBody>
+          <a:bodyPr/>
+          <a:lstStyle/>
+          <a:p>
+            <a:r>
+              <a:rPr lang="de-DE" dirty="0" smtClean="0"/>
+              <a:t>Contents</a:t>
+            </a:r>
+            <a:endParaRPr lang="de-DE" dirty="0"/>
+          </a:p>
+        </p:txBody>
+      </p:sp>
+      <p:sp>
+        <p:nvSpPr>
+          <p:cNvPr id="3" name="Inhaltsplatzhalter 2"/>
+          <p:cNvSpPr>
+            <a:spLocks noGrp="1"/>
+          </p:cNvSpPr>
+          <p:nvPr>
+            <p:ph idx="1"/>
+          </p:nvPr>
+        </p:nvSpPr>
+        <p:spPr>
+          <a:xfrm>
+            <a:off x="838200" y="1690687"/>
+            <a:ext cx="10515600" cy="4486275"/>
+          </a:xfrm>
+        </p:spPr>
+        <p:txBody>
+          <a:bodyPr>
+            <a:normAutofit fontScale="85000" lnSpcReduction="20000"/>
+          </a:bodyPr>
+          <a:lstStyle/>
+          <a:p>
+            <a:pPr marL="514350" indent="-514350">
+              <a:buFont typeface="+mj-lt"/>
+              <a:buAutoNum type="arabicPeriod"/>
+            </a:pPr>
+            <a:r>
+              <a:rPr lang="de-DE" dirty="0" smtClean="0"/>
+              <a:t>Theoretische Einordnung</a:t>
+            </a:r>
+          </a:p>
+          <a:p>
+            <a:pPr marL="514350" indent="-514350">
+              <a:buFont typeface="+mj-lt"/>
+              <a:buAutoNum type="arabicPeriod"/>
+            </a:pPr>
+            <a:r>
+              <a:rPr lang="de-DE" dirty="0" smtClean="0"/>
+              <a:t>Dokumentation in unserem Projekt</a:t>
+            </a:r>
+          </a:p>
+          <a:p>
+            <a:pPr marL="0" indent="0">
+              <a:buNone/>
+            </a:pPr>
+            <a:r>
+              <a:rPr lang="de-DE" dirty="0"/>
+              <a:t>	</a:t>
+            </a:r>
+            <a:r>
+              <a:rPr lang="de-DE" dirty="0" smtClean="0"/>
+              <a:t>2.1. Verwendetes Werkzeug</a:t>
+            </a:r>
+          </a:p>
+          <a:p>
+            <a:pPr marL="0" indent="0">
+              <a:buNone/>
+            </a:pPr>
+            <a:r>
+              <a:rPr lang="de-DE" dirty="0"/>
+              <a:t>	</a:t>
+            </a:r>
+            <a:r>
+              <a:rPr lang="de-DE" dirty="0" smtClean="0"/>
+              <a:t>2.2. Protokollieren</a:t>
+            </a:r>
+            <a:r>
+              <a:rPr lang="de-DE" dirty="0"/>
+              <a:t> </a:t>
+            </a:r>
+            <a:r>
+              <a:rPr lang="de-DE" dirty="0" smtClean="0"/>
+              <a:t>der Teambesprechungen</a:t>
+            </a:r>
+          </a:p>
+          <a:p>
+            <a:pPr marL="0" indent="0">
+              <a:buNone/>
+            </a:pPr>
+            <a:r>
+              <a:rPr lang="de-DE" dirty="0"/>
+              <a:t>	</a:t>
+            </a:r>
+            <a:r>
+              <a:rPr lang="de-DE" dirty="0" smtClean="0"/>
+              <a:t>2.3. Projektdokumentation</a:t>
+            </a:r>
+          </a:p>
+          <a:p>
+            <a:pPr marL="0" indent="0">
+              <a:buNone/>
+            </a:pPr>
+            <a:r>
+              <a:rPr lang="de-DE" dirty="0" smtClean="0"/>
+              <a:t>	2.4. Pflichtenheft</a:t>
+            </a:r>
+          </a:p>
+          <a:p>
+            <a:pPr marL="0" indent="0">
+              <a:buNone/>
+            </a:pPr>
+            <a:r>
+              <a:rPr lang="de-DE" dirty="0"/>
+              <a:t>	</a:t>
+            </a:r>
+            <a:r>
+              <a:rPr lang="de-DE" dirty="0" smtClean="0"/>
+              <a:t>2.5. Entwicklerdokumentation</a:t>
+            </a:r>
+          </a:p>
+          <a:p>
+            <a:pPr marL="0" indent="0">
+              <a:buNone/>
+            </a:pPr>
+            <a:r>
+              <a:rPr lang="de-DE" dirty="0"/>
+              <a:t>	</a:t>
+            </a:r>
+            <a:r>
+              <a:rPr lang="de-DE" dirty="0" smtClean="0"/>
+              <a:t>2.6. Benutzerdokumentation</a:t>
+            </a:r>
+          </a:p>
+          <a:p>
+            <a:pPr marL="0" indent="0">
+              <a:buNone/>
+            </a:pPr>
+            <a:r>
+              <a:rPr lang="de-DE" dirty="0"/>
+              <a:t>	</a:t>
+            </a:r>
+            <a:r>
+              <a:rPr lang="de-DE" dirty="0" smtClean="0"/>
+              <a:t>2.7. Testdokumentation</a:t>
+            </a:r>
+          </a:p>
+          <a:p>
+            <a:pPr marL="0" indent="0">
+              <a:buNone/>
+            </a:pPr>
+            <a:r>
+              <a:rPr lang="de-DE" dirty="0"/>
+              <a:t>	</a:t>
+            </a:r>
+            <a:r>
+              <a:rPr lang="de-DE" dirty="0" smtClean="0"/>
+              <a:t>2.8. Reflexion (Dokumentation)</a:t>
+            </a:r>
+          </a:p>
+          <a:p>
+            <a:pPr marL="514350" indent="-514350">
+              <a:buAutoNum type="arabicPeriod" startAt="3"/>
+            </a:pPr>
+            <a:r>
+              <a:rPr lang="de-DE" dirty="0" smtClean="0"/>
+              <a:t>Gesamteinschätzung</a:t>
+            </a:r>
+          </a:p>
+        </p:txBody>
+      </p:sp>
+    </p:spTree>
+    <p:extLst>
+      <p:ext uri="{BB962C8B-B14F-4D97-AF65-F5344CB8AC3E}">
+        <p14:creationId xmlns:p14="http://schemas.microsoft.com/office/powerpoint/2010/main" val="708083133"/>
+      </p:ext>
+    </p:extLst>
+  </p:cSld>
+  <p:clrMapOvr>
+    <a:masterClrMapping/>
+  </p:clrMapOvr>
+  <mc:AlternateContent xmlns:mc="http://schemas.openxmlformats.org/markup-compatibility/2006" xmlns:p14="http://schemas.microsoft.com/office/powerpoint/2010/main">
+    <mc:Choice Requires="p14">
+      <p:transition p14:dur="250">
+        <p:push dir="u"/>
+      </p:transition>
+    </mc:Choice>
+    <mc:Fallback xmlns="">
+      <p:transition>
+        <p:push dir="u"/>
+      </p:transition>
+    </mc:Fallback>
+  </mc:AlternateContent>
+  <p:timing>
+    <p:tnLst>
+      <p:par>
+        <p:cTn id="1" dur="indefinite" restart="never" nodeType="tmRoot"/>
+      </p:par>
+    </p:tnLst>
+  </p:timing>
+</p:sld>
+</file>
+
+<file path=ppt/slides/slide20.xml><?xml version="1.0" encoding="utf-8"?>
+<p:sld xmlns:a="http://schemas.openxmlformats.org/drawingml/2006/main" xmlns:r="http://schemas.openxmlformats.org/officeDocument/2006/relationships" xmlns:p="http://schemas.openxmlformats.org/presentationml/2006/main">
+  <p:cSld>
+    <p:spTree>
+      <p:nvGrpSpPr>
+        <p:cNvPr id="1" name=""/>
+        <p:cNvGrpSpPr/>
+        <p:nvPr/>
+      </p:nvGrpSpPr>
+      <p:grpSpPr>
+        <a:xfrm>
+          <a:off x="0" y="0"/>
+          <a:ext cx="0" cy="0"/>
+          <a:chOff x="0" y="0"/>
+          <a:chExt cx="0" cy="0"/>
+        </a:xfrm>
+      </p:grpSpPr>
+      <p:sp>
+        <p:nvSpPr>
+          <p:cNvPr id="2" name="Titel 1"/>
+          <p:cNvSpPr>
+            <a:spLocks noGrp="1"/>
+          </p:cNvSpPr>
+          <p:nvPr>
+            <p:ph type="title"/>
+          </p:nvPr>
+        </p:nvSpPr>
+        <p:spPr/>
+        <p:txBody>
+          <a:bodyPr/>
+          <a:lstStyle/>
+          <a:p>
+            <a:r>
+              <a:rPr lang="de-DE" dirty="0" smtClean="0"/>
+              <a:t>2.5.  </a:t>
+            </a:r>
+            <a:r>
+              <a:rPr lang="de-DE" dirty="0"/>
+              <a:t>Entwicklerdokumentation</a:t>
+            </a:r>
+          </a:p>
+        </p:txBody>
+      </p:sp>
+      <p:sp>
+        <p:nvSpPr>
+          <p:cNvPr id="3" name="Inhaltsplatzhalter 2"/>
+          <p:cNvSpPr>
+            <a:spLocks noGrp="1"/>
+          </p:cNvSpPr>
+          <p:nvPr>
+            <p:ph idx="1"/>
+          </p:nvPr>
+        </p:nvSpPr>
+        <p:spPr>
+          <a:xfrm>
+            <a:off x="838200" y="1473958"/>
+            <a:ext cx="10515600" cy="4703005"/>
+          </a:xfrm>
+        </p:spPr>
+        <p:txBody>
+          <a:bodyPr>
+            <a:normAutofit/>
+          </a:bodyPr>
+          <a:lstStyle/>
+          <a:p>
+            <a:pPr marL="0" indent="0">
+              <a:buNone/>
+            </a:pPr>
+            <a:r>
+              <a:rPr lang="de-DE" b="1" u="sng" dirty="0" smtClean="0"/>
+              <a:t>Erfahrungen (Implementierung)</a:t>
+            </a:r>
+            <a:endParaRPr lang="de-DE" dirty="0"/>
+          </a:p>
+          <a:p>
+            <a:r>
+              <a:rPr lang="de-DE" sz="2400" dirty="0" smtClean="0"/>
+              <a:t> umfangreichstes Dokument</a:t>
+            </a:r>
+          </a:p>
+          <a:p>
+            <a:pPr marL="342900" lvl="4" indent="-342900"/>
+            <a:r>
+              <a:rPr lang="de-DE" sz="2400" dirty="0" smtClean="0"/>
+              <a:t>Positiv:</a:t>
+            </a:r>
+          </a:p>
+          <a:p>
+            <a:pPr marL="800100" lvl="5" indent="-342900"/>
+            <a:r>
+              <a:rPr lang="de-DE" sz="2000" dirty="0"/>
+              <a:t>a</a:t>
+            </a:r>
+            <a:r>
+              <a:rPr lang="de-DE" sz="2000" dirty="0" smtClean="0"/>
+              <a:t>llgemein gute Zusammenarbeit mit Experten aus „Entwurf“ und „Implementierung“</a:t>
+            </a:r>
+          </a:p>
+          <a:p>
+            <a:pPr marL="1257300" lvl="6" indent="-342900"/>
+            <a:r>
+              <a:rPr lang="de-DE" sz="2000" dirty="0" smtClean="0"/>
+              <a:t>Arbeitsteilung</a:t>
+            </a:r>
+          </a:p>
+          <a:p>
+            <a:pPr marL="342900" lvl="5" indent="-342900"/>
+            <a:r>
+              <a:rPr lang="de-DE" sz="2400" dirty="0" smtClean="0"/>
+              <a:t>Schwierigkeiten:</a:t>
+            </a:r>
+          </a:p>
+          <a:p>
+            <a:pPr marL="800100" lvl="6" indent="-342900"/>
+            <a:r>
+              <a:rPr lang="de-DE" sz="2000" dirty="0"/>
+              <a:t>selbstständiges Arbeiten meinerseits </a:t>
+            </a:r>
+            <a:r>
+              <a:rPr lang="de-DE" sz="2000" dirty="0" smtClean="0"/>
+              <a:t>nur bedingt möglich</a:t>
+            </a:r>
+          </a:p>
+          <a:p>
+            <a:pPr marL="342900" lvl="4" indent="-342900"/>
+            <a:r>
+              <a:rPr lang="de-DE" sz="2400" dirty="0" smtClean="0"/>
+              <a:t>Verbesserung:</a:t>
+            </a:r>
+            <a:endParaRPr lang="de-DE" sz="2400" dirty="0"/>
+          </a:p>
+          <a:p>
+            <a:pPr marL="800100" lvl="6" indent="-342900"/>
+            <a:r>
+              <a:rPr lang="de-DE" sz="2000" dirty="0" smtClean="0"/>
+              <a:t>Grundgerüst der Dokumentation generieren lassen (</a:t>
+            </a:r>
+            <a:r>
+              <a:rPr lang="de-DE" sz="2000" dirty="0" err="1" smtClean="0"/>
+              <a:t>Doxygen</a:t>
+            </a:r>
+            <a:r>
+              <a:rPr lang="de-DE" sz="2000" dirty="0" smtClean="0"/>
+              <a:t>)</a:t>
+            </a:r>
+          </a:p>
+          <a:p>
+            <a:pPr marL="800100" lvl="6" indent="-342900"/>
+            <a:r>
+              <a:rPr lang="de-DE" sz="2000" dirty="0" smtClean="0"/>
+              <a:t>Programmierer mehr bei Kommentierung überwachen</a:t>
+            </a:r>
+          </a:p>
+          <a:p>
+            <a:pPr marL="1257300" lvl="7" indent="-342900"/>
+            <a:r>
+              <a:rPr lang="de-DE" sz="1900" dirty="0" smtClean="0"/>
+              <a:t>arbeiteten </a:t>
+            </a:r>
+            <a:r>
+              <a:rPr lang="de-DE" sz="1900" dirty="0"/>
+              <a:t>sehr schnell und zu (für mich) ungünstigen </a:t>
+            </a:r>
+            <a:r>
+              <a:rPr lang="de-DE" sz="1900" dirty="0" smtClean="0"/>
+              <a:t>Arbeitszeiten</a:t>
+            </a:r>
+          </a:p>
+          <a:p>
+            <a:pPr marL="1257300" lvl="7" indent="-342900"/>
+            <a:r>
+              <a:rPr lang="de-DE" sz="1900" dirty="0"/>
+              <a:t>a</a:t>
+            </a:r>
+            <a:r>
+              <a:rPr lang="de-DE" sz="1900" dirty="0" smtClean="0"/>
+              <a:t>us ihrer Sicht genügend Kommentare</a:t>
+            </a:r>
+            <a:endParaRPr lang="de-DE" sz="1900" dirty="0"/>
+          </a:p>
+          <a:p>
+            <a:pPr marL="1257300" lvl="7" indent="-342900"/>
+            <a:endParaRPr lang="de-DE" sz="2000" dirty="0"/>
+          </a:p>
+        </p:txBody>
+      </p:sp>
+    </p:spTree>
+    <p:extLst>
+      <p:ext uri="{BB962C8B-B14F-4D97-AF65-F5344CB8AC3E}">
+        <p14:creationId xmlns:p14="http://schemas.microsoft.com/office/powerpoint/2010/main" val="37552378"/>
+      </p:ext>
+    </p:extLst>
+  </p:cSld>
+  <p:clrMapOvr>
+    <a:masterClrMapping/>
+  </p:clrMapOvr>
+  <mc:AlternateContent xmlns:mc="http://schemas.openxmlformats.org/markup-compatibility/2006" xmlns:p14="http://schemas.microsoft.com/office/powerpoint/2010/main">
+    <mc:Choice Requires="p14">
+      <p:transition p14:dur="250">
+        <p:push dir="u"/>
+      </p:transition>
+    </mc:Choice>
+    <mc:Fallback xmlns="">
       <p:transition>
         <p:push dir="u"/>
       </p:transition>
@@ -5513,11 +5541,11 @@
           <a:p>
             <a:r>
               <a:rPr lang="de-DE" dirty="0" smtClean="0"/>
-              <a:t>2.5.  </a:t>
+              <a:t>2.6. </a:t>
             </a:r>
             <a:r>
               <a:rPr lang="de-DE" dirty="0"/>
-              <a:t>Entwicklerdokumentation</a:t>
+              <a:t>Benutzerdokumentation</a:t>
             </a:r>
           </a:p>
         </p:txBody>
@@ -5534,8 +5562,8 @@
         </p:nvSpPr>
         <p:spPr>
           <a:xfrm>
-            <a:off x="838200" y="1473958"/>
-            <a:ext cx="10515600" cy="4703005"/>
+            <a:off x="838200" y="1690688"/>
+            <a:ext cx="10515600" cy="5121085"/>
           </a:xfrm>
         </p:spPr>
         <p:txBody>
@@ -5548,145 +5576,99 @@
               <a:buNone/>
             </a:pPr>
             <a:r>
-              <a:rPr lang="de-DE" b="1" u="sng" dirty="0" smtClean="0"/>
-              <a:t>Erfahrungen (Implementierung)</a:t>
-            </a:r>
-            <a:endParaRPr lang="de-DE" dirty="0"/>
-          </a:p>
-          <a:p>
-            <a:r>
               <a:rPr lang="de-DE" sz="2400" dirty="0" smtClean="0"/>
-              <a:t> umfangreichstes Dokument</a:t>
-            </a:r>
-          </a:p>
-          <a:p>
-            <a:pPr marL="342900" lvl="4" indent="-342900"/>
+              <a:t>Struktur:</a:t>
+            </a:r>
+          </a:p>
+          <a:p>
+            <a:r>
+              <a:rPr lang="de-DE" sz="2400" dirty="0"/>
+              <a:t>Dokumentation für </a:t>
+            </a:r>
             <a:r>
               <a:rPr lang="de-DE" sz="2400" dirty="0" smtClean="0"/>
-              <a:t>Positiv:</a:t>
-            </a:r>
-          </a:p>
-          <a:p>
-            <a:pPr marL="800100" lvl="5" indent="-342900"/>
+              <a:t>Dozentenprogramm</a:t>
+            </a:r>
+          </a:p>
+          <a:p>
+            <a:pPr lvl="1"/>
+            <a:r>
+              <a:rPr lang="de-DE" sz="2000" dirty="0" smtClean="0"/>
+              <a:t>Anforderungen</a:t>
+            </a:r>
+          </a:p>
+          <a:p>
+            <a:pPr lvl="1"/>
+            <a:r>
+              <a:rPr lang="de-DE" sz="2000" dirty="0" smtClean="0"/>
+              <a:t>Hauptmenü</a:t>
+            </a:r>
+            <a:endParaRPr lang="de-DE" sz="2000" dirty="0"/>
+          </a:p>
+          <a:p>
+            <a:pPr lvl="1"/>
+            <a:r>
+              <a:rPr lang="de-DE" sz="2000" dirty="0" smtClean="0"/>
+              <a:t>relevante </a:t>
+            </a:r>
             <a:r>
               <a:rPr lang="de-DE" sz="2000" dirty="0"/>
-              <a:t>a</a:t>
-            </a:r>
+              <a:t>Funktionen</a:t>
+            </a:r>
+          </a:p>
+          <a:p>
+            <a:pPr lvl="1"/>
+            <a:r>
+              <a:rPr lang="de-DE" sz="2000" dirty="0"/>
+              <a:t>administrative Funktionen</a:t>
+            </a:r>
+          </a:p>
+          <a:p>
+            <a:r>
+              <a:rPr lang="de-DE" sz="2400" dirty="0" smtClean="0"/>
+              <a:t>Dokumentation für Studentenprogramm</a:t>
+            </a:r>
+          </a:p>
+          <a:p>
+            <a:pPr lvl="1"/>
             <a:r>
               <a:rPr lang="de-DE" sz="2000" dirty="0" smtClean="0"/>
-              <a:t>llgemein gute Zusammenarbeit mit Experten aus „Entwurf“ und „Implementierung</a:t>
-            </a:r>
+              <a:t>Anforderungen</a:t>
+            </a:r>
+          </a:p>
+          <a:p>
+            <a:pPr lvl="1"/>
             <a:r>
               <a:rPr lang="de-DE" sz="2000" dirty="0" smtClean="0"/>
-              <a:t>“</a:t>
-            </a:r>
-          </a:p>
-          <a:p>
-            <a:pPr marL="1257300" lvl="6" indent="-342900"/>
+              <a:t>Erstanmeldung</a:t>
+            </a:r>
+          </a:p>
+          <a:p>
+            <a:pPr lvl="1"/>
             <a:r>
               <a:rPr lang="de-DE" sz="2000" dirty="0" smtClean="0"/>
-              <a:t>Arbeitsteilung</a:t>
-            </a:r>
-            <a:endParaRPr lang="de-DE" sz="2000" dirty="0" smtClean="0"/>
-          </a:p>
-          <a:p>
-            <a:pPr marL="342900" lvl="5" indent="-342900"/>
-            <a:r>
-              <a:rPr lang="de-DE" sz="2400" dirty="0" smtClean="0"/>
-              <a:t>Schwierigkeiten:</a:t>
-            </a:r>
-          </a:p>
-          <a:p>
-            <a:pPr marL="800100" lvl="6" indent="-342900"/>
-            <a:r>
-              <a:rPr lang="de-DE" sz="2000" dirty="0"/>
-              <a:t>selbstständiges Arbeiten meinerseits </a:t>
-            </a:r>
-            <a:r>
-              <a:rPr lang="de-DE" sz="2000" dirty="0" smtClean="0"/>
-              <a:t>nur bedingt möglich</a:t>
-            </a:r>
-          </a:p>
-          <a:p>
-            <a:pPr marL="342900" lvl="4" indent="-342900"/>
-            <a:r>
-              <a:rPr lang="de-DE" sz="2400" dirty="0" smtClean="0"/>
-              <a:t>Verbesserung:</a:t>
-            </a:r>
-            <a:endParaRPr lang="de-DE" sz="2400" dirty="0"/>
-          </a:p>
-          <a:p>
-            <a:pPr marL="800100" lvl="6" indent="-342900"/>
-            <a:r>
-              <a:rPr lang="de-DE" sz="2000" dirty="0" smtClean="0"/>
-              <a:t>Grundgerüst der Dokumentation generieren lassen (</a:t>
-            </a:r>
-            <a:r>
-              <a:rPr lang="de-DE" sz="2000" dirty="0" err="1" smtClean="0"/>
-              <a:t>Doxygen</a:t>
-            </a:r>
-            <a:r>
-              <a:rPr lang="de-DE" sz="2000" dirty="0" smtClean="0"/>
-              <a:t>)</a:t>
-            </a:r>
-          </a:p>
-          <a:p>
-            <a:pPr marL="800100" lvl="6" indent="-342900"/>
-            <a:r>
-              <a:rPr lang="de-DE" sz="2000" dirty="0" smtClean="0"/>
-              <a:t>Programmierer mehr bei Kommentierung überwachen</a:t>
-            </a:r>
-          </a:p>
-          <a:p>
-            <a:pPr marL="1257300" lvl="7" indent="-342900"/>
-            <a:r>
-              <a:rPr lang="de-DE" sz="1900" dirty="0" smtClean="0"/>
-              <a:t>arbeiteten </a:t>
-            </a:r>
-            <a:r>
-              <a:rPr lang="de-DE" sz="1900" dirty="0"/>
-              <a:t>sehr schnell und zu (für mich) ungünstigen </a:t>
-            </a:r>
-            <a:r>
-              <a:rPr lang="de-DE" sz="1900" dirty="0" smtClean="0"/>
-              <a:t>Arbeitszeiten</a:t>
-            </a:r>
-          </a:p>
-          <a:p>
-            <a:pPr marL="1257300" lvl="7" indent="-342900"/>
-            <a:r>
-              <a:rPr lang="de-DE" sz="1900" dirty="0"/>
-              <a:t>a</a:t>
-            </a:r>
-            <a:r>
-              <a:rPr lang="de-DE" sz="1900" dirty="0" smtClean="0"/>
-              <a:t>us ihrer Sicht genügend Kommentare</a:t>
-            </a:r>
-            <a:endParaRPr lang="de-DE" sz="1900" dirty="0"/>
-          </a:p>
-          <a:p>
-            <a:pPr marL="1257300" lvl="7" indent="-342900"/>
-            <a:endParaRPr lang="de-DE" sz="2000" dirty="0"/>
+              <a:t>reguläre Anmeldung</a:t>
+            </a:r>
           </a:p>
         </p:txBody>
       </p:sp>
     </p:spTree>
     <p:extLst>
       <p:ext uri="{BB962C8B-B14F-4D97-AF65-F5344CB8AC3E}">
-        <p14:creationId xmlns:p14="http://schemas.microsoft.com/office/powerpoint/2010/main" val="37552378"/>
+        <p14:creationId xmlns:p14="http://schemas.microsoft.com/office/powerpoint/2010/main" val="2025657541"/>
       </p:ext>
     </p:extLst>
   </p:cSld>
   <p:clrMapOvr>
     <a:masterClrMapping/>
   </p:clrMapOvr>
-  <mc:AlternateContent xmlns:mc="http://schemas.openxmlformats.org/markup-compatibility/2006">
-    <mc:Choice xmlns:p14="http://schemas.microsoft.com/office/powerpoint/2010/main" Requires="p14">
+  <mc:AlternateContent xmlns:mc="http://schemas.openxmlformats.org/markup-compatibility/2006" xmlns:p14="http://schemas.microsoft.com/office/powerpoint/2010/main">
+    <mc:Choice Requires="p14">
       <p:transition p14:dur="250">
         <p:push dir="u"/>
       </p:transition>
     </mc:Choice>
-    <mc:Fallback>
+    <mc:Fallback xmlns="">
       <p:transition>
         <p:push dir="u"/>
       </p:transition>
@@ -5703,183 +5685,6 @@
 </file>
 
 <file path=ppt/slides/slide22.xml><?xml version="1.0" encoding="utf-8"?>
-<p:sld xmlns:a="http://schemas.openxmlformats.org/drawingml/2006/main" xmlns:r="http://schemas.openxmlformats.org/officeDocument/2006/relationships" xmlns:p="http://schemas.openxmlformats.org/presentationml/2006/main">
-  <p:cSld>
-    <p:spTree>
-      <p:nvGrpSpPr>
-        <p:cNvPr id="1" name=""/>
-        <p:cNvGrpSpPr/>
-        <p:nvPr/>
-      </p:nvGrpSpPr>
-      <p:grpSpPr>
-        <a:xfrm>
-          <a:off x="0" y="0"/>
-          <a:ext cx="0" cy="0"/>
-          <a:chOff x="0" y="0"/>
-          <a:chExt cx="0" cy="0"/>
-        </a:xfrm>
-      </p:grpSpPr>
-      <p:sp>
-        <p:nvSpPr>
-          <p:cNvPr id="2" name="Titel 1"/>
-          <p:cNvSpPr>
-            <a:spLocks noGrp="1"/>
-          </p:cNvSpPr>
-          <p:nvPr>
-            <p:ph type="title"/>
-          </p:nvPr>
-        </p:nvSpPr>
-        <p:spPr/>
-        <p:txBody>
-          <a:bodyPr/>
-          <a:lstStyle/>
-          <a:p>
-            <a:r>
-              <a:rPr lang="de-DE" dirty="0" smtClean="0"/>
-              <a:t>2.6. </a:t>
-            </a:r>
-            <a:r>
-              <a:rPr lang="de-DE" dirty="0"/>
-              <a:t>Benutzerdokumentation</a:t>
-            </a:r>
-          </a:p>
-        </p:txBody>
-      </p:sp>
-      <p:sp>
-        <p:nvSpPr>
-          <p:cNvPr id="3" name="Inhaltsplatzhalter 2"/>
-          <p:cNvSpPr>
-            <a:spLocks noGrp="1"/>
-          </p:cNvSpPr>
-          <p:nvPr>
-            <p:ph idx="1"/>
-          </p:nvPr>
-        </p:nvSpPr>
-        <p:spPr>
-          <a:xfrm>
-            <a:off x="838200" y="1690688"/>
-            <a:ext cx="10515600" cy="5121085"/>
-          </a:xfrm>
-        </p:spPr>
-        <p:txBody>
-          <a:bodyPr>
-            <a:normAutofit/>
-          </a:bodyPr>
-          <a:lstStyle/>
-          <a:p>
-            <a:pPr marL="0" indent="0">
-              <a:buNone/>
-            </a:pPr>
-            <a:r>
-              <a:rPr lang="de-DE" sz="2400" dirty="0" smtClean="0"/>
-              <a:t>Struktur:</a:t>
-            </a:r>
-          </a:p>
-          <a:p>
-            <a:r>
-              <a:rPr lang="de-DE" sz="2400" dirty="0"/>
-              <a:t>Dokumentation für </a:t>
-            </a:r>
-            <a:r>
-              <a:rPr lang="de-DE" sz="2400" dirty="0" smtClean="0"/>
-              <a:t>Dozentenprogramm</a:t>
-            </a:r>
-          </a:p>
-          <a:p>
-            <a:pPr lvl="1"/>
-            <a:r>
-              <a:rPr lang="de-DE" sz="2000" dirty="0" smtClean="0"/>
-              <a:t>Anforderungen</a:t>
-            </a:r>
-          </a:p>
-          <a:p>
-            <a:pPr lvl="1"/>
-            <a:r>
-              <a:rPr lang="de-DE" sz="2000" dirty="0" smtClean="0"/>
-              <a:t>Hauptmenü</a:t>
-            </a:r>
-            <a:endParaRPr lang="de-DE" sz="2000" dirty="0"/>
-          </a:p>
-          <a:p>
-            <a:pPr lvl="1"/>
-            <a:r>
-              <a:rPr lang="de-DE" sz="2000" dirty="0" smtClean="0"/>
-              <a:t>relevante </a:t>
-            </a:r>
-            <a:r>
-              <a:rPr lang="de-DE" sz="2000" dirty="0"/>
-              <a:t>Funktionen</a:t>
-            </a:r>
-          </a:p>
-          <a:p>
-            <a:pPr lvl="1"/>
-            <a:r>
-              <a:rPr lang="de-DE" sz="2000" dirty="0"/>
-              <a:t>administrative Funktionen</a:t>
-            </a:r>
-          </a:p>
-          <a:p>
-            <a:r>
-              <a:rPr lang="de-DE" sz="2400" dirty="0" smtClean="0"/>
-              <a:t>Dokumentation für Studentenprogramm</a:t>
-            </a:r>
-          </a:p>
-          <a:p>
-            <a:pPr lvl="1"/>
-            <a:r>
-              <a:rPr lang="de-DE" sz="2000" dirty="0" smtClean="0"/>
-              <a:t>Anforderungen</a:t>
-            </a:r>
-          </a:p>
-          <a:p>
-            <a:pPr lvl="1"/>
-            <a:r>
-              <a:rPr lang="de-DE" sz="2000" dirty="0" smtClean="0"/>
-              <a:t>Erstanmeldung</a:t>
-            </a:r>
-          </a:p>
-          <a:p>
-            <a:pPr lvl="1"/>
-            <a:r>
-              <a:rPr lang="de-DE" sz="2000" dirty="0" smtClean="0"/>
-              <a:t>reguläre Anmeldung</a:t>
-            </a:r>
-          </a:p>
-        </p:txBody>
-      </p:sp>
-    </p:spTree>
-    <p:extLst>
-      <p:ext uri="{BB962C8B-B14F-4D97-AF65-F5344CB8AC3E}">
-        <p14:creationId xmlns:p14="http://schemas.microsoft.com/office/powerpoint/2010/main" val="2025657541"/>
-      </p:ext>
-    </p:extLst>
-  </p:cSld>
-  <p:clrMapOvr>
-    <a:masterClrMapping/>
-  </p:clrMapOvr>
-  <mc:AlternateContent xmlns:mc="http://schemas.openxmlformats.org/markup-compatibility/2006">
-    <mc:Choice xmlns:p14="http://schemas.microsoft.com/office/powerpoint/2010/main" Requires="p14">
-      <p:transition p14:dur="250">
-        <p:push dir="u"/>
-      </p:transition>
-    </mc:Choice>
-    <mc:Fallback>
-      <p:transition>
-        <p:push dir="u"/>
-      </p:transition>
-    </mc:Fallback>
-  </mc:AlternateContent>
-  <p:timing>
-    <p:tnLst>
-      <p:par>
-        <p:cTn id="1" dur="indefinite" restart="never" nodeType="tmRoot"/>
-      </p:par>
-    </p:tnLst>
-  </p:timing>
-</p:sld>
-</file>
-
-<file path=ppt/slides/slide23.xml><?xml version="1.0" encoding="utf-8"?>
 <p:sld xmlns:a="http://schemas.openxmlformats.org/drawingml/2006/main" xmlns:r="http://schemas.openxmlformats.org/officeDocument/2006/relationships" xmlns:p="http://schemas.openxmlformats.org/presentationml/2006/main">
   <p:cSld>
     <p:spTree>
@@ -6097,13 +5902,146 @@
   <p:clrMapOvr>
     <a:masterClrMapping/>
   </p:clrMapOvr>
-  <mc:AlternateContent xmlns:mc="http://schemas.openxmlformats.org/markup-compatibility/2006">
-    <mc:Choice xmlns:p14="http://schemas.microsoft.com/office/powerpoint/2010/main" Requires="p14">
+  <mc:AlternateContent xmlns:mc="http://schemas.openxmlformats.org/markup-compatibility/2006" xmlns:p14="http://schemas.microsoft.com/office/powerpoint/2010/main">
+    <mc:Choice Requires="p14">
       <p:transition p14:dur="250">
         <p:push dir="u"/>
       </p:transition>
     </mc:Choice>
-    <mc:Fallback>
+    <mc:Fallback xmlns="">
+      <p:transition>
+        <p:push dir="u"/>
+      </p:transition>
+    </mc:Fallback>
+  </mc:AlternateContent>
+  <p:timing>
+    <p:tnLst>
+      <p:par>
+        <p:cTn id="1" dur="indefinite" restart="never" nodeType="tmRoot"/>
+      </p:par>
+    </p:tnLst>
+  </p:timing>
+</p:sld>
+</file>
+
+<file path=ppt/slides/slide23.xml><?xml version="1.0" encoding="utf-8"?>
+<p:sld xmlns:a="http://schemas.openxmlformats.org/drawingml/2006/main" xmlns:r="http://schemas.openxmlformats.org/officeDocument/2006/relationships" xmlns:p="http://schemas.openxmlformats.org/presentationml/2006/main">
+  <p:cSld>
+    <p:spTree>
+      <p:nvGrpSpPr>
+        <p:cNvPr id="1" name=""/>
+        <p:cNvGrpSpPr/>
+        <p:nvPr/>
+      </p:nvGrpSpPr>
+      <p:grpSpPr>
+        <a:xfrm>
+          <a:off x="0" y="0"/>
+          <a:ext cx="0" cy="0"/>
+          <a:chOff x="0" y="0"/>
+          <a:chExt cx="0" cy="0"/>
+        </a:xfrm>
+      </p:grpSpPr>
+      <p:sp>
+        <p:nvSpPr>
+          <p:cNvPr id="2" name="Titel 1"/>
+          <p:cNvSpPr>
+            <a:spLocks noGrp="1"/>
+          </p:cNvSpPr>
+          <p:nvPr>
+            <p:ph type="title"/>
+          </p:nvPr>
+        </p:nvSpPr>
+        <p:spPr/>
+        <p:txBody>
+          <a:bodyPr/>
+          <a:lstStyle/>
+          <a:p>
+            <a:r>
+              <a:rPr lang="de-DE" dirty="0" smtClean="0"/>
+              <a:t>2.7  Testdokumentation</a:t>
+            </a:r>
+            <a:endParaRPr lang="de-DE" dirty="0"/>
+          </a:p>
+        </p:txBody>
+      </p:sp>
+      <p:sp>
+        <p:nvSpPr>
+          <p:cNvPr id="3" name="Inhaltsplatzhalter 2"/>
+          <p:cNvSpPr>
+            <a:spLocks noGrp="1"/>
+          </p:cNvSpPr>
+          <p:nvPr>
+            <p:ph idx="1"/>
+          </p:nvPr>
+        </p:nvSpPr>
+        <p:spPr/>
+        <p:txBody>
+          <a:bodyPr/>
+          <a:lstStyle/>
+          <a:p>
+            <a:r>
+              <a:rPr lang="de-DE" dirty="0"/>
+              <a:t>g</a:t>
+            </a:r>
+            <a:r>
+              <a:rPr lang="de-DE" dirty="0" smtClean="0"/>
+              <a:t>eringes „Einmischen“ meinerseits</a:t>
+            </a:r>
+          </a:p>
+          <a:p>
+            <a:pPr lvl="1"/>
+            <a:r>
+              <a:rPr lang="de-DE" dirty="0" smtClean="0"/>
+              <a:t>Tester hat selbstständig gearbeitet</a:t>
+            </a:r>
+          </a:p>
+          <a:p>
+            <a:pPr lvl="1"/>
+            <a:r>
+              <a:rPr lang="de-DE" dirty="0" smtClean="0"/>
+              <a:t>ich hatte keine Verbesserungsvorschläge</a:t>
+            </a:r>
+          </a:p>
+          <a:p>
+            <a:pPr marL="0" lvl="1" indent="0">
+              <a:buNone/>
+            </a:pPr>
+            <a:endParaRPr lang="de-DE" dirty="0" smtClean="0"/>
+          </a:p>
+          <a:p>
+            <a:pPr marL="342900" lvl="1" indent="-342900"/>
+            <a:r>
+              <a:rPr lang="de-DE" sz="2800" dirty="0" smtClean="0"/>
+              <a:t>Kritik (an mich):</a:t>
+            </a:r>
+          </a:p>
+          <a:p>
+            <a:pPr marL="800100" lvl="2" indent="-342900"/>
+            <a:r>
+              <a:rPr lang="de-DE" sz="2400" dirty="0" smtClean="0"/>
+              <a:t>Testdaten wurden nicht dokumentiert</a:t>
+            </a:r>
+            <a:endParaRPr lang="de-DE" sz="2400" dirty="0"/>
+          </a:p>
+        </p:txBody>
+      </p:sp>
+    </p:spTree>
+    <p:extLst>
+      <p:ext uri="{BB962C8B-B14F-4D97-AF65-F5344CB8AC3E}">
+        <p14:creationId xmlns:p14="http://schemas.microsoft.com/office/powerpoint/2010/main" val="1348938942"/>
+      </p:ext>
+    </p:extLst>
+  </p:cSld>
+  <p:clrMapOvr>
+    <a:masterClrMapping/>
+  </p:clrMapOvr>
+  <mc:AlternateContent xmlns:mc="http://schemas.openxmlformats.org/markup-compatibility/2006" xmlns:p14="http://schemas.microsoft.com/office/powerpoint/2010/main">
+    <mc:Choice Requires="p14">
+      <p:transition p14:dur="250">
+        <p:push dir="u"/>
+      </p:transition>
+    </mc:Choice>
+    <mc:Fallback xmlns="">
       <p:transition>
         <p:push dir="u"/>
       </p:transition>
@@ -6153,7 +6091,7 @@
           <a:p>
             <a:r>
               <a:rPr lang="de-DE" dirty="0" smtClean="0"/>
-              <a:t>2.7  Testdokumentation</a:t>
+              <a:t>2.8.  Reflexion (Dokumentation)</a:t>
             </a:r>
             <a:endParaRPr lang="de-DE" dirty="0"/>
           </a:p>
@@ -6161,7 +6099,7 @@
       </p:sp>
       <p:sp>
         <p:nvSpPr>
-          <p:cNvPr id="3" name="Inhaltsplatzhalter 2"/>
+          <p:cNvPr id="7" name="Inhaltsplatzhalter 6"/>
           <p:cNvSpPr>
             <a:spLocks noGrp="1"/>
           </p:cNvSpPr>
@@ -6171,72 +6109,103 @@
         </p:nvSpPr>
         <p:spPr/>
         <p:txBody>
-          <a:bodyPr/>
+          <a:bodyPr>
+            <a:normAutofit lnSpcReduction="10000"/>
+          </a:bodyPr>
           <a:lstStyle/>
           <a:p>
             <a:r>
               <a:rPr lang="de-DE" dirty="0"/>
-              <a:t>g</a:t>
-            </a:r>
-            <a:r>
-              <a:rPr lang="de-DE" dirty="0" smtClean="0"/>
-              <a:t>eringes „Einmischen“ meinerseits</a:t>
+              <a:t>Positiv:</a:t>
             </a:r>
           </a:p>
           <a:p>
             <a:pPr lvl="1"/>
             <a:r>
-              <a:rPr lang="de-DE" dirty="0" smtClean="0"/>
-              <a:t>Tester hat selbstständig gearbeitet</a:t>
+              <a:rPr lang="de-DE" dirty="0"/>
+              <a:t>Tonmitschnitte in Gruppensitzungen</a:t>
+            </a:r>
+          </a:p>
+          <a:p>
+            <a:pPr lvl="2"/>
+            <a:r>
+              <a:rPr lang="de-DE" dirty="0"/>
+              <a:t>zur Absicherung</a:t>
             </a:r>
           </a:p>
           <a:p>
             <a:pPr lvl="1"/>
             <a:r>
-              <a:rPr lang="de-DE" dirty="0" smtClean="0"/>
-              <a:t>ich hatte keine Verbesserungsvorschläge</a:t>
-            </a:r>
-          </a:p>
-          <a:p>
-            <a:pPr marL="0" lvl="1" indent="0">
-              <a:buNone/>
-            </a:pPr>
-            <a:endParaRPr lang="de-DE" dirty="0" smtClean="0"/>
-          </a:p>
-          <a:p>
-            <a:pPr marL="342900" lvl="1" indent="-342900"/>
-            <a:r>
-              <a:rPr lang="de-DE" sz="2800" dirty="0" smtClean="0"/>
-              <a:t>Kritik (an mich):</a:t>
-            </a:r>
-          </a:p>
-          <a:p>
-            <a:pPr marL="800100" lvl="2" indent="-342900"/>
-            <a:r>
-              <a:rPr lang="de-DE" sz="2400" dirty="0" smtClean="0"/>
-              <a:t>Testdaten wurden nicht dokumentiert</a:t>
-            </a:r>
-            <a:endParaRPr lang="de-DE" sz="2400" dirty="0"/>
+              <a:rPr lang="de-DE" dirty="0"/>
+              <a:t>Dokumentation mit </a:t>
+            </a:r>
+            <a:r>
+              <a:rPr lang="de-DE" dirty="0" err="1"/>
+              <a:t>LaTex</a:t>
+            </a:r>
+            <a:endParaRPr lang="de-DE" dirty="0"/>
+          </a:p>
+          <a:p>
+            <a:pPr lvl="2"/>
+            <a:r>
+              <a:rPr lang="de-DE" dirty="0" err="1"/>
+              <a:t>Eclipse-Plugin</a:t>
+            </a:r>
+            <a:endParaRPr lang="de-DE" dirty="0"/>
+          </a:p>
+          <a:p>
+            <a:r>
+              <a:rPr lang="de-DE" dirty="0" smtClean="0"/>
+              <a:t>Negativ:</a:t>
+            </a:r>
+          </a:p>
+          <a:p>
+            <a:pPr lvl="1"/>
+            <a:r>
+              <a:rPr lang="de-DE" dirty="0" smtClean="0"/>
+              <a:t>keine Vorlage für Protokolle benutzt (immer leeres Dokument)</a:t>
+            </a:r>
+          </a:p>
+          <a:p>
+            <a:pPr lvl="1"/>
+            <a:r>
+              <a:rPr lang="de-DE" dirty="0" smtClean="0"/>
+              <a:t>rechtzeitige Quellcode-Kommentierung durchsetzen</a:t>
+            </a:r>
+          </a:p>
+          <a:p>
+            <a:pPr lvl="1"/>
+            <a:r>
+              <a:rPr lang="de-DE" dirty="0" smtClean="0"/>
+              <a:t>Ich habe als Verantwortlicher nicht immer genügend Verantwortung übernommen</a:t>
+            </a:r>
+          </a:p>
+          <a:p>
+            <a:pPr lvl="2"/>
+            <a:r>
+              <a:rPr lang="de-DE" dirty="0" smtClean="0"/>
+              <a:t>Zusammenarbeit mit Experten nicht immer stark genug (Pflichtenheft, Testdokumentation)</a:t>
+            </a:r>
           </a:p>
         </p:txBody>
       </p:sp>
     </p:spTree>
     <p:extLst>
       <p:ext uri="{BB962C8B-B14F-4D97-AF65-F5344CB8AC3E}">
-        <p14:creationId xmlns:p14="http://schemas.microsoft.com/office/powerpoint/2010/main" val="1348938942"/>
+        <p14:creationId xmlns:p14="http://schemas.microsoft.com/office/powerpoint/2010/main" val="1425780707"/>
       </p:ext>
     </p:extLst>
   </p:cSld>
   <p:clrMapOvr>
     <a:masterClrMapping/>
   </p:clrMapOvr>
-  <mc:AlternateContent xmlns:mc="http://schemas.openxmlformats.org/markup-compatibility/2006">
-    <mc:Choice xmlns:p14="http://schemas.microsoft.com/office/powerpoint/2010/main" Requires="p14">
+  <mc:AlternateContent xmlns:mc="http://schemas.openxmlformats.org/markup-compatibility/2006" xmlns:p14="http://schemas.microsoft.com/office/powerpoint/2010/main">
+    <mc:Choice Requires="p14">
       <p:transition p14:dur="250">
         <p:push dir="u"/>
       </p:transition>
     </mc:Choice>
-    <mc:Fallback>
+    <mc:Fallback xmlns="">
       <p:transition>
         <p:push dir="u"/>
       </p:transition>
@@ -6286,175 +6255,6 @@
           <a:p>
             <a:r>
               <a:rPr lang="de-DE" dirty="0" smtClean="0"/>
-              <a:t>2.8.  Reflexion (Dokumentation)</a:t>
-            </a:r>
-            <a:endParaRPr lang="de-DE" dirty="0"/>
-          </a:p>
-        </p:txBody>
-      </p:sp>
-      <p:sp>
-        <p:nvSpPr>
-          <p:cNvPr id="7" name="Inhaltsplatzhalter 6"/>
-          <p:cNvSpPr>
-            <a:spLocks noGrp="1"/>
-          </p:cNvSpPr>
-          <p:nvPr>
-            <p:ph idx="1"/>
-          </p:nvPr>
-        </p:nvSpPr>
-        <p:spPr/>
-        <p:txBody>
-          <a:bodyPr>
-            <a:normAutofit lnSpcReduction="10000"/>
-          </a:bodyPr>
-          <a:lstStyle/>
-          <a:p>
-            <a:r>
-              <a:rPr lang="de-DE" dirty="0"/>
-              <a:t>Positiv:</a:t>
-            </a:r>
-          </a:p>
-          <a:p>
-            <a:pPr lvl="1"/>
-            <a:r>
-              <a:rPr lang="de-DE" dirty="0"/>
-              <a:t>Tonmitschnitte in Gruppensitzungen</a:t>
-            </a:r>
-          </a:p>
-          <a:p>
-            <a:pPr lvl="2"/>
-            <a:r>
-              <a:rPr lang="de-DE" dirty="0"/>
-              <a:t>zur Absicherung</a:t>
-            </a:r>
-          </a:p>
-          <a:p>
-            <a:pPr lvl="1"/>
-            <a:r>
-              <a:rPr lang="de-DE" dirty="0"/>
-              <a:t>Dokumentation mit </a:t>
-            </a:r>
-            <a:r>
-              <a:rPr lang="de-DE" dirty="0" err="1"/>
-              <a:t>LaTex</a:t>
-            </a:r>
-            <a:endParaRPr lang="de-DE" dirty="0"/>
-          </a:p>
-          <a:p>
-            <a:pPr lvl="2"/>
-            <a:r>
-              <a:rPr lang="de-DE" dirty="0" err="1"/>
-              <a:t>Eclipse-Plugin</a:t>
-            </a:r>
-            <a:endParaRPr lang="de-DE" dirty="0"/>
-          </a:p>
-          <a:p>
-            <a:r>
-              <a:rPr lang="de-DE" dirty="0" smtClean="0"/>
-              <a:t>Negativ:</a:t>
-            </a:r>
-          </a:p>
-          <a:p>
-            <a:pPr lvl="1"/>
-            <a:r>
-              <a:rPr lang="de-DE" dirty="0" smtClean="0"/>
-              <a:t>keine Vorlage für Protokolle benutzt (immer leeres Dokument</a:t>
-            </a:r>
-            <a:r>
-              <a:rPr lang="de-DE" dirty="0" smtClean="0"/>
-              <a:t>)</a:t>
-            </a:r>
-          </a:p>
-          <a:p>
-            <a:pPr lvl="1"/>
-            <a:r>
-              <a:rPr lang="de-DE" dirty="0" smtClean="0"/>
-              <a:t>rechtzeitige Quellcode-Kommentierung durchsetzen</a:t>
-            </a:r>
-            <a:endParaRPr lang="de-DE" dirty="0" smtClean="0"/>
-          </a:p>
-          <a:p>
-            <a:pPr lvl="1"/>
-            <a:r>
-              <a:rPr lang="de-DE" dirty="0" smtClean="0"/>
-              <a:t>Ich habe als Verantwortlicher nicht immer genügend Verantwortung übernommen</a:t>
-            </a:r>
-          </a:p>
-          <a:p>
-            <a:pPr lvl="2"/>
-            <a:r>
-              <a:rPr lang="de-DE" dirty="0" smtClean="0"/>
-              <a:t>Zusammenarbeit mit Experten nicht immer stark genug (Pflichtenheft, Testdokumentation)</a:t>
-            </a:r>
-          </a:p>
-        </p:txBody>
-      </p:sp>
-    </p:spTree>
-    <p:extLst>
-      <p:ext uri="{BB962C8B-B14F-4D97-AF65-F5344CB8AC3E}">
-        <p14:creationId xmlns:p14="http://schemas.microsoft.com/office/powerpoint/2010/main" val="1425780707"/>
-      </p:ext>
-    </p:extLst>
-  </p:cSld>
-  <p:clrMapOvr>
-    <a:masterClrMapping/>
-  </p:clrMapOvr>
-  <mc:AlternateContent xmlns:mc="http://schemas.openxmlformats.org/markup-compatibility/2006">
-    <mc:Choice xmlns:p14="http://schemas.microsoft.com/office/powerpoint/2010/main" Requires="p14">
-      <p:transition p14:dur="250">
-        <p:push dir="u"/>
-      </p:transition>
-    </mc:Choice>
-    <mc:Fallback>
-      <p:transition>
-        <p:push dir="u"/>
-      </p:transition>
-    </mc:Fallback>
-  </mc:AlternateContent>
-  <p:timing>
-    <p:tnLst>
-      <p:par>
-        <p:cTn id="1" dur="indefinite" restart="never" nodeType="tmRoot"/>
-      </p:par>
-    </p:tnLst>
-  </p:timing>
-</p:sld>
-</file>
-
-<file path=ppt/slides/slide26.xml><?xml version="1.0" encoding="utf-8"?>
-<p:sld xmlns:a="http://schemas.openxmlformats.org/drawingml/2006/main" xmlns:r="http://schemas.openxmlformats.org/officeDocument/2006/relationships" xmlns:p="http://schemas.openxmlformats.org/presentationml/2006/main">
-  <p:cSld>
-    <p:spTree>
-      <p:nvGrpSpPr>
-        <p:cNvPr id="1" name=""/>
-        <p:cNvGrpSpPr/>
-        <p:nvPr/>
-      </p:nvGrpSpPr>
-      <p:grpSpPr>
-        <a:xfrm>
-          <a:off x="0" y="0"/>
-          <a:ext cx="0" cy="0"/>
-          <a:chOff x="0" y="0"/>
-          <a:chExt cx="0" cy="0"/>
-        </a:xfrm>
-      </p:grpSpPr>
-      <p:sp>
-        <p:nvSpPr>
-          <p:cNvPr id="2" name="Titel 1"/>
-          <p:cNvSpPr>
-            <a:spLocks noGrp="1"/>
-          </p:cNvSpPr>
-          <p:nvPr>
-            <p:ph type="title"/>
-          </p:nvPr>
-        </p:nvSpPr>
-        <p:spPr/>
-        <p:txBody>
-          <a:bodyPr/>
-          <a:lstStyle/>
-          <a:p>
-            <a:r>
-              <a:rPr lang="de-DE" dirty="0" smtClean="0"/>
               <a:t>3. </a:t>
             </a:r>
             <a:r>
@@ -6599,13 +6399,13 @@
   <p:clrMapOvr>
     <a:masterClrMapping/>
   </p:clrMapOvr>
-  <mc:AlternateContent xmlns:mc="http://schemas.openxmlformats.org/markup-compatibility/2006">
-    <mc:Choice xmlns:p14="http://schemas.microsoft.com/office/powerpoint/2010/main" Requires="p14">
+  <mc:AlternateContent xmlns:mc="http://schemas.openxmlformats.org/markup-compatibility/2006" xmlns:p14="http://schemas.microsoft.com/office/powerpoint/2010/main">
+    <mc:Choice Requires="p14">
       <p:transition p14:dur="250">
         <p:push dir="u"/>
       </p:transition>
     </mc:Choice>
-    <mc:Fallback>
+    <mc:Fallback xmlns="">
       <p:transition>
         <p:push dir="u"/>
       </p:transition>
@@ -6751,13 +6551,13 @@
   <p:clrMapOvr>
     <a:masterClrMapping/>
   </p:clrMapOvr>
-  <mc:AlternateContent xmlns:mc="http://schemas.openxmlformats.org/markup-compatibility/2006">
-    <mc:Choice xmlns:p14="http://schemas.microsoft.com/office/powerpoint/2010/main" Requires="p14">
+  <mc:AlternateContent xmlns:mc="http://schemas.openxmlformats.org/markup-compatibility/2006" xmlns:p14="http://schemas.microsoft.com/office/powerpoint/2010/main">
+    <mc:Choice Requires="p14">
       <p:transition p14:dur="250">
         <p:push dir="u"/>
       </p:transition>
     </mc:Choice>
-    <mc:Fallback>
+    <mc:Fallback xmlns="">
       <p:transition>
         <p:push dir="u"/>
       </p:transition>
@@ -6825,7 +6625,7 @@
         <p:spPr/>
         <p:txBody>
           <a:bodyPr>
-            <a:normAutofit/>
+            <a:normAutofit lnSpcReduction="10000"/>
           </a:bodyPr>
           <a:lstStyle/>
           <a:p>
@@ -6858,8 +6658,26 @@
             </a:r>
             <a:r>
               <a:rPr lang="de-DE" sz="2400" dirty="0" smtClean="0"/>
-              <a:t> über Problemstellung schaffen</a:t>
-            </a:r>
+              <a:t> über Problemstellung </a:t>
+            </a:r>
+            <a:r>
+              <a:rPr lang="de-DE" sz="2400" dirty="0" smtClean="0"/>
+              <a:t>schaffen</a:t>
+            </a:r>
+          </a:p>
+          <a:p>
+            <a:pPr lvl="1"/>
+            <a:r>
+              <a:rPr lang="de-DE" sz="2000" dirty="0" smtClean="0"/>
+              <a:t>Anforderungsanalyse </a:t>
+            </a:r>
+            <a:r>
+              <a:rPr lang="de-DE" sz="2000" dirty="0" smtClean="0">
+                <a:sym typeface="Wingdings" panose="05000000000000000000" pitchFamily="2" charset="2"/>
+              </a:rPr>
+              <a:t> Pflichtenheft</a:t>
+            </a:r>
+            <a:endParaRPr lang="de-DE" sz="2000" dirty="0" smtClean="0"/>
           </a:p>
           <a:p>
             <a:pPr lvl="1"/>
@@ -6893,25 +6711,33 @@
           <a:p>
             <a:pPr lvl="1"/>
             <a:r>
-              <a:rPr lang="de-DE" sz="2000" dirty="0"/>
-              <a:t>als Entwickler</a:t>
-            </a:r>
-          </a:p>
-          <a:p>
-            <a:pPr lvl="1"/>
-            <a:r>
-              <a:rPr lang="de-DE" sz="2000" dirty="0"/>
-              <a:t>als </a:t>
-            </a:r>
-            <a:r>
               <a:rPr lang="de-DE" sz="2000" dirty="0" smtClean="0"/>
-              <a:t>Weiterentwickler</a:t>
-            </a:r>
+              <a:t>Entwicklerdokumentation</a:t>
+            </a:r>
+          </a:p>
+          <a:p>
+            <a:pPr marL="0" lvl="1"/>
+            <a:r>
+              <a:rPr lang="de-DE" dirty="0" smtClean="0"/>
+              <a:t>Fehlerbehandlung</a:t>
+            </a:r>
+          </a:p>
+          <a:p>
+            <a:pPr marL="800100" lvl="2" indent="-342900"/>
+            <a:r>
+              <a:rPr lang="de-DE" sz="1900" dirty="0" smtClean="0"/>
+              <a:t>Testdokumentation mit Testberichten</a:t>
+            </a:r>
+            <a:endParaRPr lang="de-DE" sz="2100" dirty="0" smtClean="0"/>
           </a:p>
           <a:p>
             <a:r>
               <a:rPr lang="de-DE" sz="2400" dirty="0" smtClean="0"/>
-              <a:t>Software schnell und einfach </a:t>
+              <a:t>Software </a:t>
+            </a:r>
+            <a:r>
+              <a:rPr lang="de-DE" sz="2400" dirty="0" smtClean="0"/>
+              <a:t>schnell und einfach </a:t>
             </a:r>
             <a:r>
               <a:rPr lang="de-DE" sz="2400" i="1" dirty="0" smtClean="0"/>
@@ -6921,16 +6747,8 @@
           <a:p>
             <a:pPr lvl="1"/>
             <a:r>
-              <a:rPr lang="de-DE" sz="2000" dirty="0"/>
-              <a:t>als </a:t>
-            </a:r>
-            <a:r>
               <a:rPr lang="de-DE" sz="2000" dirty="0" smtClean="0"/>
-              <a:t>Nutzer</a:t>
-            </a:r>
-            <a:r>
-              <a:rPr lang="de-DE" dirty="0" smtClean="0"/>
-              <a:t>	</a:t>
+              <a:t>Benutzerdokumentation</a:t>
             </a:r>
             <a:endParaRPr lang="de-DE" dirty="0"/>
           </a:p>
@@ -6946,13 +6764,13 @@
   <p:clrMapOvr>
     <a:masterClrMapping/>
   </p:clrMapOvr>
-  <mc:AlternateContent xmlns:mc="http://schemas.openxmlformats.org/markup-compatibility/2006">
-    <mc:Choice xmlns:p14="http://schemas.microsoft.com/office/powerpoint/2010/main" Requires="p14">
+  <mc:AlternateContent xmlns:mc="http://schemas.openxmlformats.org/markup-compatibility/2006" xmlns:p14="http://schemas.microsoft.com/office/powerpoint/2010/main">
+    <mc:Choice Requires="p14">
       <p:transition p14:dur="250">
         <p:push dir="u"/>
       </p:transition>
     </mc:Choice>
-    <mc:Fallback>
+    <mc:Fallback xmlns="">
       <p:transition>
         <p:push dir="u"/>
       </p:transition>
@@ -6987,7 +6805,7 @@
       </p:grpSpPr>
       <p:sp>
         <p:nvSpPr>
-          <p:cNvPr id="4" name="Titel 1"/>
+          <p:cNvPr id="6" name="Titel 1"/>
           <p:cNvSpPr>
             <a:spLocks noGrp="1"/>
           </p:cNvSpPr>
@@ -7014,7 +6832,7 @@
       </p:sp>
       <p:sp>
         <p:nvSpPr>
-          <p:cNvPr id="6" name="Inhaltsplatzhalter 2"/>
+          <p:cNvPr id="7" name="Inhaltsplatzhalter 2"/>
           <p:cNvSpPr>
             <a:spLocks noGrp="1"/>
           </p:cNvSpPr>
@@ -7030,7 +6848,7 @@
         </p:spPr>
         <p:txBody>
           <a:bodyPr>
-            <a:normAutofit/>
+            <a:normAutofit fontScale="92500" lnSpcReduction="20000"/>
           </a:bodyPr>
           <a:lstStyle/>
           <a:p>
@@ -7038,12 +6856,63 @@
               <a:buNone/>
             </a:pPr>
             <a:r>
-              <a:rPr lang="de-DE" dirty="0"/>
-              <a:t>Welchen Umfang </a:t>
-            </a:r>
-            <a:r>
-              <a:rPr lang="de-DE" dirty="0" smtClean="0"/>
-              <a:t>sollte eine Dokumentation haben?</a:t>
+              <a:rPr lang="de-DE" sz="2600" dirty="0"/>
+              <a:t>Wer sollte die Dokumentation verfassen? </a:t>
+            </a:r>
+            <a:endParaRPr lang="de-DE" sz="2600" dirty="0" smtClean="0"/>
+          </a:p>
+          <a:p>
+            <a:pPr marL="0" lvl="1" indent="0">
+              <a:buNone/>
+            </a:pPr>
+            <a:endParaRPr lang="de-DE" sz="2600" dirty="0" smtClean="0"/>
+          </a:p>
+          <a:p>
+            <a:pPr marL="0" lvl="1" indent="0">
+              <a:buNone/>
+            </a:pPr>
+            <a:r>
+              <a:rPr lang="de-DE" sz="2800" b="1" u="sng" dirty="0" smtClean="0"/>
+              <a:t>Sinnvoll:</a:t>
+            </a:r>
+            <a:r>
+              <a:rPr lang="de-DE" sz="2800" dirty="0" smtClean="0"/>
+              <a:t> </a:t>
+            </a:r>
+          </a:p>
+          <a:p>
+            <a:r>
+              <a:rPr lang="de-DE" sz="2400" dirty="0" smtClean="0"/>
+              <a:t>Spezialist des jeweiligen Gebietes</a:t>
+            </a:r>
+          </a:p>
+          <a:p>
+            <a:pPr lvl="1"/>
+            <a:r>
+              <a:rPr lang="de-DE" sz="2000" dirty="0"/>
+              <a:t>a</a:t>
+            </a:r>
+            <a:r>
+              <a:rPr lang="de-DE" sz="2000" dirty="0" smtClean="0"/>
+              <a:t>us thematischer Sachlage betrachtet</a:t>
+            </a:r>
+          </a:p>
+          <a:p>
+            <a:pPr lvl="1"/>
+            <a:r>
+              <a:rPr lang="de-DE" sz="2000" dirty="0" smtClean="0"/>
+              <a:t>hat am meisten Hintergrundwissen</a:t>
+            </a:r>
+          </a:p>
+          <a:p>
+            <a:pPr lvl="1"/>
+            <a:r>
+              <a:rPr lang="de-DE" sz="2000" dirty="0"/>
+              <a:t>k</a:t>
+            </a:r>
+            <a:r>
+              <a:rPr lang="de-DE" sz="2000" dirty="0" smtClean="0"/>
+              <a:t>ein erneutes „Hineindenken“ durch fremde Person erforderlich</a:t>
             </a:r>
           </a:p>
           <a:p>
@@ -7053,88 +6922,71 @@
             <a:endParaRPr lang="de-DE" dirty="0" smtClean="0"/>
           </a:p>
           <a:p>
-            <a:pPr marL="342900" lvl="1" indent="-342900"/>
-            <a:r>
-              <a:rPr lang="de-DE" dirty="0" smtClean="0"/>
-              <a:t>Pflichtenheft</a:t>
-            </a:r>
-          </a:p>
-          <a:p>
-            <a:pPr marL="800100" lvl="2" indent="-342900"/>
-            <a:r>
-              <a:rPr lang="de-DE" dirty="0" smtClean="0"/>
-              <a:t>Anforderungsanalyse</a:t>
-            </a:r>
-          </a:p>
-          <a:p>
-            <a:pPr marL="342900" lvl="1" indent="-342900"/>
-            <a:r>
-              <a:rPr lang="de-DE" dirty="0" smtClean="0"/>
-              <a:t>Entwicklerdokumentation</a:t>
-            </a:r>
-          </a:p>
-          <a:p>
-            <a:pPr marL="800100" lvl="2" indent="-342900"/>
-            <a:r>
-              <a:rPr lang="de-DE" dirty="0" smtClean="0"/>
-              <a:t>Entwurf</a:t>
-            </a:r>
-          </a:p>
-          <a:p>
-            <a:pPr marL="800100" lvl="2" indent="-342900"/>
-            <a:r>
-              <a:rPr lang="de-DE" dirty="0" smtClean="0"/>
-              <a:t>Implementierung</a:t>
-            </a:r>
-          </a:p>
-          <a:p>
-            <a:pPr marL="342900" lvl="1" indent="-342900"/>
-            <a:r>
-              <a:rPr lang="de-DE" dirty="0" smtClean="0"/>
-              <a:t>Testdokumentation</a:t>
-            </a:r>
-          </a:p>
-          <a:p>
-            <a:pPr marL="800100" lvl="2" indent="-342900"/>
-            <a:r>
-              <a:rPr lang="de-DE" dirty="0" smtClean="0"/>
-              <a:t>Testberichte</a:t>
-            </a:r>
-          </a:p>
-          <a:p>
-            <a:pPr marL="342900" lvl="1" indent="-342900"/>
-            <a:r>
-              <a:rPr lang="de-DE" dirty="0" smtClean="0"/>
-              <a:t>Benutzerdokumentation</a:t>
-            </a:r>
-          </a:p>
-          <a:p>
-            <a:pPr marL="800100" lvl="2" indent="-342900"/>
-            <a:r>
-              <a:rPr lang="de-DE" dirty="0" smtClean="0"/>
-              <a:t>Hilfestellungen zur Bedienung</a:t>
+            <a:pPr marL="0" lvl="1" indent="0">
+              <a:buNone/>
+            </a:pPr>
+            <a:r>
+              <a:rPr lang="de-DE" sz="2800" b="1" u="sng" dirty="0" smtClean="0"/>
+              <a:t>Probleme:</a:t>
+            </a:r>
+            <a:endParaRPr lang="de-DE" sz="2800" dirty="0" smtClean="0"/>
+          </a:p>
+          <a:p>
+            <a:pPr marL="457200" lvl="1" indent="-457200"/>
+            <a:r>
+              <a:rPr lang="de-DE" dirty="0" smtClean="0"/>
+              <a:t>Dokumentationserstellung meist nur zweitrangig</a:t>
+            </a:r>
+          </a:p>
+          <a:p>
+            <a:pPr marL="457200" lvl="1" indent="-457200"/>
+            <a:r>
+              <a:rPr lang="de-DE" dirty="0"/>
+              <a:t>Projektleiter hat Aufgabe an jemanden </a:t>
+            </a:r>
+            <a:r>
+              <a:rPr lang="de-DE" dirty="0" smtClean="0"/>
+              <a:t>delegiert</a:t>
+            </a:r>
+          </a:p>
+          <a:p>
+            <a:pPr marL="457200" lvl="1" indent="-457200"/>
+            <a:r>
+              <a:rPr lang="de-DE" dirty="0" smtClean="0"/>
+              <a:t>Termindruck</a:t>
             </a:r>
             <a:endParaRPr lang="de-DE" dirty="0"/>
+          </a:p>
+          <a:p>
+            <a:pPr marL="457200" lvl="1" indent="-457200"/>
+            <a:r>
+              <a:rPr lang="de-DE" dirty="0"/>
+              <a:t>Qualität leidet unter Umständen darunter</a:t>
+            </a:r>
+          </a:p>
+          <a:p>
+            <a:pPr marL="457200" lvl="1" indent="-457200"/>
+            <a:endParaRPr lang="de-DE" dirty="0" smtClean="0"/>
           </a:p>
         </p:txBody>
       </p:sp>
     </p:spTree>
     <p:extLst>
       <p:ext uri="{BB962C8B-B14F-4D97-AF65-F5344CB8AC3E}">
-        <p14:creationId xmlns:p14="http://schemas.microsoft.com/office/powerpoint/2010/main" val="2143728105"/>
+        <p14:creationId xmlns:p14="http://schemas.microsoft.com/office/powerpoint/2010/main" val="234931744"/>
       </p:ext>
     </p:extLst>
   </p:cSld>
   <p:clrMapOvr>
     <a:masterClrMapping/>
   </p:clrMapOvr>
-  <mc:AlternateContent xmlns:mc="http://schemas.openxmlformats.org/markup-compatibility/2006">
-    <mc:Choice xmlns:p14="http://schemas.microsoft.com/office/powerpoint/2010/main" Requires="p14">
+  <mc:AlternateContent xmlns:mc="http://schemas.openxmlformats.org/markup-compatibility/2006" xmlns:p14="http://schemas.microsoft.com/office/powerpoint/2010/main">
+    <mc:Choice Requires="p14">
       <p:transition p14:dur="250">
         <p:push dir="u"/>
       </p:transition>
     </mc:Choice>
-    <mc:Fallback>
+    <mc:Fallback xmlns="">
       <p:transition>
         <p:push dir="u"/>
       </p:transition>
@@ -7169,7 +7021,7 @@
       </p:grpSpPr>
       <p:sp>
         <p:nvSpPr>
-          <p:cNvPr id="6" name="Titel 1"/>
+          <p:cNvPr id="2" name="Titel 1"/>
           <p:cNvSpPr>
             <a:spLocks noGrp="1"/>
           </p:cNvSpPr>
@@ -7177,26 +7029,22 @@
             <p:ph type="title"/>
           </p:nvPr>
         </p:nvSpPr>
-        <p:spPr>
-          <a:xfrm>
-            <a:off x="838200" y="365125"/>
-            <a:ext cx="10515600" cy="1325563"/>
-          </a:xfrm>
-        </p:spPr>
-        <p:txBody>
-          <a:bodyPr/>
-          <a:lstStyle/>
-          <a:p>
-            <a:r>
-              <a:rPr lang="de-DE" dirty="0"/>
+        <p:spPr/>
+        <p:txBody>
+          <a:bodyPr/>
+          <a:lstStyle/>
+          <a:p>
+            <a:r>
+              <a:rPr lang="de-DE" dirty="0" smtClean="0"/>
               <a:t>1.  Theoretische Einordnung</a:t>
             </a:r>
-          </a:p>
-        </p:txBody>
-      </p:sp>
-      <p:sp>
-        <p:nvSpPr>
-          <p:cNvPr id="7" name="Inhaltsplatzhalter 2"/>
+            <a:endParaRPr lang="de-DE" dirty="0"/>
+          </a:p>
+        </p:txBody>
+      </p:sp>
+      <p:sp>
+        <p:nvSpPr>
+          <p:cNvPr id="3" name="Inhaltsplatzhalter 2"/>
           <p:cNvSpPr>
             <a:spLocks noGrp="1"/>
           </p:cNvSpPr>
@@ -7204,153 +7052,63 @@
             <p:ph idx="1"/>
           </p:nvPr>
         </p:nvSpPr>
-        <p:spPr>
-          <a:xfrm>
-            <a:off x="838200" y="1825625"/>
-            <a:ext cx="10515600" cy="4351338"/>
-          </a:xfrm>
-        </p:spPr>
-        <p:txBody>
-          <a:bodyPr>
-            <a:normAutofit fontScale="92500" lnSpcReduction="20000"/>
-          </a:bodyPr>
-          <a:lstStyle/>
-          <a:p>
-            <a:pPr marL="0" lvl="1" indent="0">
-              <a:buNone/>
-            </a:pPr>
-            <a:r>
-              <a:rPr lang="de-DE" sz="2600" dirty="0"/>
-              <a:t>Wer sollte die Dokumentation verfassen? </a:t>
-            </a:r>
-            <a:endParaRPr lang="de-DE" sz="2600" dirty="0" smtClean="0"/>
-          </a:p>
-          <a:p>
-            <a:pPr marL="0" lvl="1" indent="0">
-              <a:buNone/>
-            </a:pPr>
-            <a:endParaRPr lang="de-DE" sz="2600" dirty="0" smtClean="0"/>
-          </a:p>
-          <a:p>
-            <a:pPr marL="0" lvl="1" indent="0">
-              <a:buNone/>
-            </a:pPr>
-            <a:r>
-              <a:rPr lang="de-DE" sz="2800" b="1" u="sng" dirty="0" smtClean="0"/>
-              <a:t>Sinnvoll:</a:t>
-            </a:r>
-            <a:r>
-              <a:rPr lang="de-DE" sz="2800" dirty="0" smtClean="0"/>
-              <a:t> </a:t>
-            </a:r>
-          </a:p>
-          <a:p>
-            <a:r>
-              <a:rPr lang="de-DE" sz="2400" dirty="0" smtClean="0"/>
-              <a:t>Spezialist des jeweiligen Gebietes</a:t>
+        <p:spPr/>
+        <p:txBody>
+          <a:bodyPr/>
+          <a:lstStyle/>
+          <a:p>
+            <a:r>
+              <a:rPr lang="de-DE" dirty="0" smtClean="0"/>
+              <a:t>Was war also meine Aufgabe?</a:t>
             </a:r>
           </a:p>
           <a:p>
             <a:pPr lvl="1"/>
             <a:r>
-              <a:rPr lang="de-DE" sz="2000" dirty="0"/>
-              <a:t>a</a:t>
-            </a:r>
-            <a:r>
-              <a:rPr lang="de-DE" sz="2000" dirty="0" smtClean="0"/>
-              <a:t>us thematischer Sachlage betrachtet</a:t>
+              <a:rPr lang="de-DE" dirty="0" smtClean="0"/>
+              <a:t>Zusammenarbeit mit Experten/Spezialisten der einzelnen Bereiche im Software-Entwicklungsprozess</a:t>
             </a:r>
           </a:p>
           <a:p>
             <a:pPr lvl="1"/>
             <a:r>
-              <a:rPr lang="de-DE" sz="2000" dirty="0" smtClean="0"/>
-              <a:t>hat am meisten Hintergrundwissen</a:t>
+              <a:rPr lang="de-DE" dirty="0" smtClean="0"/>
+              <a:t>deren Ergebnisse zusammentragen</a:t>
             </a:r>
           </a:p>
           <a:p>
             <a:pPr lvl="1"/>
             <a:r>
-              <a:rPr lang="de-DE" sz="2000" dirty="0"/>
-              <a:t>k</a:t>
-            </a:r>
-            <a:r>
-              <a:rPr lang="de-DE" sz="2000" dirty="0" smtClean="0"/>
-              <a:t>ein erneutes „Hineindenken“ durch fremde Person erforderlich</a:t>
-            </a:r>
-          </a:p>
-          <a:p>
-            <a:pPr marL="0" lvl="1" indent="0">
-              <a:buNone/>
-            </a:pPr>
-            <a:endParaRPr lang="de-DE" dirty="0" smtClean="0"/>
-          </a:p>
-          <a:p>
-            <a:pPr marL="0" lvl="1" indent="0">
-              <a:buNone/>
-            </a:pPr>
-            <a:r>
-              <a:rPr lang="de-DE" sz="2800" b="1" u="sng" dirty="0" smtClean="0"/>
-              <a:t>Probleme:</a:t>
-            </a:r>
-            <a:endParaRPr lang="de-DE" sz="2800" dirty="0" smtClean="0"/>
-          </a:p>
-          <a:p>
-            <a:pPr marL="457200" lvl="1" indent="-457200"/>
-            <a:r>
-              <a:rPr lang="de-DE" dirty="0" smtClean="0"/>
-              <a:t>Dokumentationserstellung meist nur zweitrangig</a:t>
-            </a:r>
-          </a:p>
-          <a:p>
-            <a:pPr marL="457200" lvl="1" indent="-457200"/>
-            <a:r>
-              <a:rPr lang="de-DE" dirty="0"/>
-              <a:t>Projektleiter hat Aufgabe an jemanden </a:t>
-            </a:r>
-            <a:r>
-              <a:rPr lang="de-DE" dirty="0" smtClean="0"/>
-              <a:t>delegiert</a:t>
-            </a:r>
-          </a:p>
-          <a:p>
-            <a:pPr marL="457200" lvl="1" indent="-457200"/>
-            <a:r>
-              <a:rPr lang="de-DE" dirty="0" smtClean="0"/>
-              <a:t>Termindruck</a:t>
-            </a:r>
-            <a:endParaRPr lang="de-DE" dirty="0"/>
-          </a:p>
-          <a:p>
-            <a:pPr marL="457200" lvl="1" indent="-457200"/>
-            <a:r>
-              <a:rPr lang="de-DE" dirty="0"/>
-              <a:t>Qualität leidet unter Umständen darunter</a:t>
-            </a:r>
-          </a:p>
-          <a:p>
-            <a:pPr marL="457200" lvl="1" indent="-457200"/>
-            <a:endParaRPr lang="de-DE" dirty="0" smtClean="0"/>
+              <a:rPr lang="de-DE" dirty="0" smtClean="0"/>
+              <a:t>in ansprechender Form dokumentieren</a:t>
+            </a:r>
+          </a:p>
+          <a:p>
+            <a:pPr lvl="2"/>
+            <a:r>
+              <a:rPr lang="de-DE" dirty="0" smtClean="0"/>
+              <a:t>Bezug auf Zielgruppen</a:t>
+            </a:r>
           </a:p>
         </p:txBody>
       </p:sp>
     </p:spTree>
     <p:extLst>
       <p:ext uri="{BB962C8B-B14F-4D97-AF65-F5344CB8AC3E}">
-        <p14:creationId xmlns:p14="http://schemas.microsoft.com/office/powerpoint/2010/main" val="234931744"/>
+        <p14:creationId xmlns:p14="http://schemas.microsoft.com/office/powerpoint/2010/main" val="3520132686"/>
       </p:ext>
     </p:extLst>
   </p:cSld>
   <p:clrMapOvr>
     <a:masterClrMapping/>
   </p:clrMapOvr>
-  <mc:AlternateContent xmlns:mc="http://schemas.openxmlformats.org/markup-compatibility/2006">
-    <mc:Choice xmlns:p14="http://schemas.microsoft.com/office/powerpoint/2010/main" Requires="p14">
+  <mc:AlternateContent xmlns:mc="http://schemas.openxmlformats.org/markup-compatibility/2006" xmlns:p14="http://schemas.microsoft.com/office/powerpoint/2010/main">
+    <mc:Choice Requires="p14">
       <p:transition p14:dur="250">
         <p:push dir="u"/>
       </p:transition>
     </mc:Choice>
-    <mc:Fallback>
+    <mc:Fallback xmlns="">
       <p:transition>
         <p:push dir="u"/>
       </p:transition>
@@ -7400,7 +7158,15 @@
           <a:p>
             <a:r>
               <a:rPr lang="de-DE" dirty="0" smtClean="0"/>
-              <a:t>1.  Theoretische Einordnung</a:t>
+              <a:t>2.  Dokumentation </a:t>
+            </a:r>
+            <a:r>
+              <a:rPr lang="de-DE" dirty="0"/>
+              <a:t>in unserem </a:t>
+            </a:r>
+            <a:r>
+              <a:rPr lang="de-DE" dirty="0" smtClean="0"/>
+              <a:t>Projekt</a:t>
             </a:r>
             <a:endParaRPr lang="de-DE" dirty="0"/>
           </a:p>
@@ -7421,58 +7187,52 @@
           <a:bodyPr/>
           <a:lstStyle/>
           <a:p>
-            <a:r>
-              <a:rPr lang="de-DE" dirty="0" smtClean="0"/>
-              <a:t>Was war also meine Aufgabe?</a:t>
-            </a:r>
-          </a:p>
-          <a:p>
-            <a:pPr lvl="1"/>
-            <a:r>
-              <a:rPr lang="de-DE" dirty="0" smtClean="0"/>
-              <a:t>Zusammenarbeit mit Experten/Spezialisten der einzelnen Bereiche im Software-Entwicklungsprozess</a:t>
-            </a:r>
-          </a:p>
-          <a:p>
-            <a:pPr lvl="1"/>
-            <a:r>
-              <a:rPr lang="de-DE" dirty="0" smtClean="0"/>
-              <a:t>deren Ergebnisse zusammentragen</a:t>
-            </a:r>
-          </a:p>
-          <a:p>
-            <a:pPr lvl="1"/>
-            <a:r>
-              <a:rPr lang="de-DE" dirty="0" smtClean="0"/>
-              <a:t>in ansprechender Form dokumentieren</a:t>
-            </a:r>
-          </a:p>
-          <a:p>
-            <a:pPr lvl="2"/>
-            <a:r>
-              <a:rPr lang="de-DE" dirty="0" smtClean="0"/>
-              <a:t>Bezug auf Zielgruppen</a:t>
-            </a:r>
+            <a:pPr marL="0" indent="0">
+              <a:buNone/>
+            </a:pPr>
+            <a:endParaRPr lang="de-DE" dirty="0"/>
+          </a:p>
+          <a:p>
+            <a:pPr marL="0" indent="0">
+              <a:buNone/>
+            </a:pPr>
+            <a:endParaRPr lang="de-DE" dirty="0"/>
+          </a:p>
+          <a:p>
+            <a:pPr marL="0" indent="0">
+              <a:buNone/>
+            </a:pPr>
+            <a:endParaRPr lang="de-DE" dirty="0"/>
+          </a:p>
+          <a:p>
+            <a:pPr marL="0" indent="0">
+              <a:buNone/>
+            </a:pPr>
+            <a:r>
+              <a:rPr lang="de-DE" dirty="0" smtClean="0"/>
+              <a:t>Was wurde wo und in welcher Form dokumentiert?</a:t>
+            </a:r>
+            <a:endParaRPr lang="de-DE" dirty="0"/>
           </a:p>
         </p:txBody>
       </p:sp>
     </p:spTree>
     <p:extLst>
       <p:ext uri="{BB962C8B-B14F-4D97-AF65-F5344CB8AC3E}">
-        <p14:creationId xmlns:p14="http://schemas.microsoft.com/office/powerpoint/2010/main" val="3520132686"/>
+        <p14:creationId xmlns:p14="http://schemas.microsoft.com/office/powerpoint/2010/main" val="3403988252"/>
       </p:ext>
     </p:extLst>
   </p:cSld>
   <p:clrMapOvr>
     <a:masterClrMapping/>
   </p:clrMapOvr>
-  <mc:AlternateContent xmlns:mc="http://schemas.openxmlformats.org/markup-compatibility/2006">
-    <mc:Choice xmlns:p14="http://schemas.microsoft.com/office/powerpoint/2010/main" Requires="p14">
+  <mc:AlternateContent xmlns:mc="http://schemas.openxmlformats.org/markup-compatibility/2006" xmlns:p14="http://schemas.microsoft.com/office/powerpoint/2010/main">
+    <mc:Choice Requires="p14">
       <p:transition p14:dur="250">
         <p:push dir="u"/>
       </p:transition>
     </mc:Choice>
-    <mc:Fallback>
+    <mc:Fallback xmlns="">
       <p:transition>
         <p:push dir="u"/>
       </p:transition>
@@ -7489,130 +7249,6 @@
 </file>
 
 <file path=ppt/slides/slide8.xml><?xml version="1.0" encoding="utf-8"?>
-<p:sld xmlns:a="http://schemas.openxmlformats.org/drawingml/2006/main" xmlns:r="http://schemas.openxmlformats.org/officeDocument/2006/relationships" xmlns:p="http://schemas.openxmlformats.org/presentationml/2006/main">
-  <p:cSld>
-    <p:spTree>
-      <p:nvGrpSpPr>
-        <p:cNvPr id="1" name=""/>
-        <p:cNvGrpSpPr/>
-        <p:nvPr/>
-      </p:nvGrpSpPr>
-      <p:grpSpPr>
-        <a:xfrm>
-          <a:off x="0" y="0"/>
-          <a:ext cx="0" cy="0"/>
-          <a:chOff x="0" y="0"/>
-          <a:chExt cx="0" cy="0"/>
-        </a:xfrm>
-      </p:grpSpPr>
-      <p:sp>
-        <p:nvSpPr>
-          <p:cNvPr id="2" name="Titel 1"/>
-          <p:cNvSpPr>
-            <a:spLocks noGrp="1"/>
-          </p:cNvSpPr>
-          <p:nvPr>
-            <p:ph type="title"/>
-          </p:nvPr>
-        </p:nvSpPr>
-        <p:spPr/>
-        <p:txBody>
-          <a:bodyPr/>
-          <a:lstStyle/>
-          <a:p>
-            <a:r>
-              <a:rPr lang="de-DE" dirty="0" smtClean="0"/>
-              <a:t>2.  Dokumentation </a:t>
-            </a:r>
-            <a:r>
-              <a:rPr lang="de-DE" dirty="0"/>
-              <a:t>in unserem </a:t>
-            </a:r>
-            <a:r>
-              <a:rPr lang="de-DE" dirty="0" smtClean="0"/>
-              <a:t>Projekt</a:t>
-            </a:r>
-            <a:endParaRPr lang="de-DE" dirty="0"/>
-          </a:p>
-        </p:txBody>
-      </p:sp>
-      <p:sp>
-        <p:nvSpPr>
-          <p:cNvPr id="3" name="Inhaltsplatzhalter 2"/>
-          <p:cNvSpPr>
-            <a:spLocks noGrp="1"/>
-          </p:cNvSpPr>
-          <p:nvPr>
-            <p:ph idx="1"/>
-          </p:nvPr>
-        </p:nvSpPr>
-        <p:spPr/>
-        <p:txBody>
-          <a:bodyPr/>
-          <a:lstStyle/>
-          <a:p>
-            <a:pPr marL="0" indent="0">
-              <a:buNone/>
-            </a:pPr>
-            <a:endParaRPr lang="de-DE" dirty="0"/>
-          </a:p>
-          <a:p>
-            <a:pPr marL="0" indent="0">
-              <a:buNone/>
-            </a:pPr>
-            <a:endParaRPr lang="de-DE" dirty="0"/>
-          </a:p>
-          <a:p>
-            <a:pPr marL="0" indent="0">
-              <a:buNone/>
-            </a:pPr>
-            <a:endParaRPr lang="de-DE" dirty="0"/>
-          </a:p>
-          <a:p>
-            <a:pPr marL="0" indent="0">
-              <a:buNone/>
-            </a:pPr>
-            <a:r>
-              <a:rPr lang="de-DE" dirty="0" smtClean="0"/>
-              <a:t>Was wurde wo und in welcher Form dokumentiert?</a:t>
-            </a:r>
-            <a:endParaRPr lang="de-DE" dirty="0"/>
-          </a:p>
-        </p:txBody>
-      </p:sp>
-    </p:spTree>
-    <p:extLst>
-      <p:ext uri="{BB962C8B-B14F-4D97-AF65-F5344CB8AC3E}">
-        <p14:creationId xmlns:p14="http://schemas.microsoft.com/office/powerpoint/2010/main" val="3403988252"/>
-      </p:ext>
-    </p:extLst>
-  </p:cSld>
-  <p:clrMapOvr>
-    <a:masterClrMapping/>
-  </p:clrMapOvr>
-  <mc:AlternateContent xmlns:mc="http://schemas.openxmlformats.org/markup-compatibility/2006">
-    <mc:Choice xmlns:p14="http://schemas.microsoft.com/office/powerpoint/2010/main" Requires="p14">
-      <p:transition p14:dur="250">
-        <p:push dir="u"/>
-      </p:transition>
-    </mc:Choice>
-    <mc:Fallback>
-      <p:transition>
-        <p:push dir="u"/>
-      </p:transition>
-    </mc:Fallback>
-  </mc:AlternateContent>
-  <p:timing>
-    <p:tnLst>
-      <p:par>
-        <p:cTn id="1" dur="indefinite" restart="never" nodeType="tmRoot"/>
-      </p:par>
-    </p:tnLst>
-  </p:timing>
-</p:sld>
-</file>
-
-<file path=ppt/slides/slide9.xml><?xml version="1.0" encoding="utf-8"?>
 <p:sld xmlns:a="http://schemas.openxmlformats.org/drawingml/2006/main" xmlns:r="http://schemas.openxmlformats.org/officeDocument/2006/relationships" xmlns:p="http://schemas.openxmlformats.org/presentationml/2006/main">
   <p:cSld>
     <p:spTree>
@@ -8032,13 +7668,202 @@
   <p:clrMapOvr>
     <a:masterClrMapping/>
   </p:clrMapOvr>
-  <mc:AlternateContent xmlns:mc="http://schemas.openxmlformats.org/markup-compatibility/2006">
-    <mc:Choice xmlns:p14="http://schemas.microsoft.com/office/powerpoint/2010/main" Requires="p14">
+  <mc:AlternateContent xmlns:mc="http://schemas.openxmlformats.org/markup-compatibility/2006" xmlns:p14="http://schemas.microsoft.com/office/powerpoint/2010/main">
+    <mc:Choice Requires="p14">
       <p:transition p14:dur="250">
         <p:push dir="u"/>
       </p:transition>
     </mc:Choice>
-    <mc:Fallback>
+    <mc:Fallback xmlns="">
+      <p:transition>
+        <p:push dir="u"/>
+      </p:transition>
+    </mc:Fallback>
+  </mc:AlternateContent>
+  <p:timing>
+    <p:tnLst>
+      <p:par>
+        <p:cTn id="1" dur="indefinite" restart="never" nodeType="tmRoot"/>
+      </p:par>
+    </p:tnLst>
+  </p:timing>
+</p:sld>
+</file>
+
+<file path=ppt/slides/slide9.xml><?xml version="1.0" encoding="utf-8"?>
+<p:sld xmlns:a="http://schemas.openxmlformats.org/drawingml/2006/main" xmlns:r="http://schemas.openxmlformats.org/officeDocument/2006/relationships" xmlns:p="http://schemas.openxmlformats.org/presentationml/2006/main">
+  <p:cSld>
+    <p:spTree>
+      <p:nvGrpSpPr>
+        <p:cNvPr id="1" name=""/>
+        <p:cNvGrpSpPr/>
+        <p:nvPr/>
+      </p:nvGrpSpPr>
+      <p:grpSpPr>
+        <a:xfrm>
+          <a:off x="0" y="0"/>
+          <a:ext cx="0" cy="0"/>
+          <a:chOff x="0" y="0"/>
+          <a:chExt cx="0" cy="0"/>
+        </a:xfrm>
+      </p:grpSpPr>
+      <p:sp>
+        <p:nvSpPr>
+          <p:cNvPr id="2" name="Titel 1"/>
+          <p:cNvSpPr>
+            <a:spLocks noGrp="1"/>
+          </p:cNvSpPr>
+          <p:nvPr>
+            <p:ph type="title"/>
+          </p:nvPr>
+        </p:nvSpPr>
+        <p:spPr/>
+        <p:txBody>
+          <a:bodyPr/>
+          <a:lstStyle/>
+          <a:p>
+            <a:r>
+              <a:rPr lang="de-DE" dirty="0" smtClean="0"/>
+              <a:t>2.2.  Protokolle</a:t>
+            </a:r>
+            <a:endParaRPr lang="de-DE" dirty="0"/>
+          </a:p>
+        </p:txBody>
+      </p:sp>
+      <p:sp>
+        <p:nvSpPr>
+          <p:cNvPr id="3" name="Inhaltsplatzhalter 2"/>
+          <p:cNvSpPr>
+            <a:spLocks noGrp="1"/>
+          </p:cNvSpPr>
+          <p:nvPr>
+            <p:ph idx="1"/>
+          </p:nvPr>
+        </p:nvSpPr>
+        <p:spPr/>
+        <p:txBody>
+          <a:bodyPr/>
+          <a:lstStyle/>
+          <a:p>
+            <a:r>
+              <a:rPr lang="de-DE" dirty="0" smtClean="0"/>
+              <a:t>Dokumentation der Teambesprechungen</a:t>
+            </a:r>
+          </a:p>
+          <a:p>
+            <a:r>
+              <a:rPr lang="de-DE" dirty="0" smtClean="0"/>
+              <a:t>Ziel:</a:t>
+            </a:r>
+          </a:p>
+          <a:p>
+            <a:pPr lvl="1"/>
+            <a:r>
+              <a:rPr lang="de-DE" dirty="0" smtClean="0"/>
+              <a:t>Was wurde erreicht?</a:t>
+            </a:r>
+          </a:p>
+          <a:p>
+            <a:pPr lvl="1"/>
+            <a:r>
+              <a:rPr lang="de-DE" dirty="0" smtClean="0"/>
+              <a:t>Wer erarbeitet was bis zum nächsten Treffen?</a:t>
+            </a:r>
+          </a:p>
+          <a:p>
+            <a:pPr marL="342900" lvl="1" indent="-342900"/>
+            <a:r>
+              <a:rPr lang="de-DE" dirty="0" smtClean="0"/>
+              <a:t>Vorgehensweise:</a:t>
+            </a:r>
+          </a:p>
+          <a:p>
+            <a:pPr marL="800100" lvl="2" indent="-342900"/>
+            <a:r>
+              <a:rPr lang="de-DE" dirty="0"/>
+              <a:t>z</a:t>
+            </a:r>
+            <a:r>
+              <a:rPr lang="de-DE" dirty="0" smtClean="0"/>
+              <a:t>unächst „schnelle“ Mitschrift in Textdatei</a:t>
+            </a:r>
+          </a:p>
+          <a:p>
+            <a:pPr marL="800100" lvl="2" indent="-342900"/>
+            <a:r>
+              <a:rPr lang="de-DE" dirty="0" smtClean="0"/>
+              <a:t>Erstellen eines strukturierten Protokolls in Latex</a:t>
+            </a:r>
+          </a:p>
+          <a:p>
+            <a:pPr marL="800100" lvl="2" indent="-342900"/>
+            <a:r>
+              <a:rPr lang="de-DE" dirty="0" smtClean="0"/>
+              <a:t>Bereitstellung in </a:t>
+            </a:r>
+            <a:r>
+              <a:rPr lang="de-DE" dirty="0" err="1" smtClean="0"/>
+              <a:t>Github</a:t>
+            </a:r>
+            <a:endParaRPr lang="de-DE" dirty="0" smtClean="0"/>
+          </a:p>
+          <a:p>
+            <a:pPr marL="342900" lvl="1" indent="-342900"/>
+            <a:r>
+              <a:rPr lang="de-DE" dirty="0" smtClean="0"/>
+              <a:t>Hilfsmittel:</a:t>
+            </a:r>
+          </a:p>
+          <a:p>
+            <a:pPr marL="800100" lvl="2" indent="-342900"/>
+            <a:r>
+              <a:rPr lang="de-DE" dirty="0" smtClean="0"/>
+              <a:t>Audio-Mitschnitt</a:t>
+            </a:r>
+          </a:p>
+        </p:txBody>
+      </p:sp>
+      <p:pic>
+        <p:nvPicPr>
+          <p:cNvPr id="5" name="Grafik 4"/>
+          <p:cNvPicPr>
+            <a:picLocks noChangeAspect="1"/>
+          </p:cNvPicPr>
+          <p:nvPr/>
+        </p:nvPicPr>
+        <p:blipFill>
+          <a:blip r:embed="rId2"/>
+          <a:stretch>
+            <a:fillRect/>
+          </a:stretch>
+        </p:blipFill>
+        <p:spPr>
+          <a:xfrm>
+            <a:off x="7537189" y="774558"/>
+            <a:ext cx="3312782" cy="4795910"/>
+          </a:xfrm>
+          <a:prstGeom prst="rect">
+            <a:avLst/>
+          </a:prstGeom>
+        </p:spPr>
+      </p:pic>
+    </p:spTree>
+    <p:extLst>
+      <p:ext uri="{BB962C8B-B14F-4D97-AF65-F5344CB8AC3E}">
+        <p14:creationId xmlns:p14="http://schemas.microsoft.com/office/powerpoint/2010/main" val="3811693482"/>
+      </p:ext>
+    </p:extLst>
+  </p:cSld>
+  <p:clrMapOvr>
+    <a:masterClrMapping/>
+  </p:clrMapOvr>
+  <mc:AlternateContent xmlns:mc="http://schemas.openxmlformats.org/markup-compatibility/2006" xmlns:p14="http://schemas.microsoft.com/office/powerpoint/2010/main">
+    <mc:Choice Requires="p14">
+      <p:transition p14:dur="250">
+        <p:push dir="u"/>
+      </p:transition>
+    </mc:Choice>
+    <mc:Fallback xmlns="">
       <p:transition>
         <p:push dir="u"/>
       </p:transition>

--- a/Präsentation/Felix - Dokumentation/SE_Dokumentation.pptx
+++ b/Präsentation/Felix - Dokumentation/SE_Dokumentation.pptx
@@ -221,7 +221,7 @@
           <a:p>
             <a:fld id="{9DDE73F9-5AD5-411A-95DF-9C6DB7B7AD66}" type="datetimeFigureOut">
               <a:rPr lang="de-DE" smtClean="0"/>
-              <a:t>01.07.2014</a:t>
+              <a:t>02.07.2014</a:t>
             </a:fld>
             <a:endParaRPr lang="de-DE"/>
           </a:p>
@@ -704,7 +704,7 @@
           <a:p>
             <a:fld id="{81431984-7FDD-48AB-A972-46FD70BE8D41}" type="datetimeFigureOut">
               <a:rPr lang="de-DE" smtClean="0"/>
-              <a:t>01.07.2014</a:t>
+              <a:t>02.07.2014</a:t>
             </a:fld>
             <a:endParaRPr lang="de-DE"/>
           </a:p>
@@ -874,7 +874,7 @@
           <a:p>
             <a:fld id="{81431984-7FDD-48AB-A972-46FD70BE8D41}" type="datetimeFigureOut">
               <a:rPr lang="de-DE" smtClean="0"/>
-              <a:t>01.07.2014</a:t>
+              <a:t>02.07.2014</a:t>
             </a:fld>
             <a:endParaRPr lang="de-DE"/>
           </a:p>
@@ -1054,7 +1054,7 @@
           <a:p>
             <a:fld id="{81431984-7FDD-48AB-A972-46FD70BE8D41}" type="datetimeFigureOut">
               <a:rPr lang="de-DE" smtClean="0"/>
-              <a:t>01.07.2014</a:t>
+              <a:t>02.07.2014</a:t>
             </a:fld>
             <a:endParaRPr lang="de-DE"/>
           </a:p>
@@ -1224,7 +1224,7 @@
           <a:p>
             <a:fld id="{81431984-7FDD-48AB-A972-46FD70BE8D41}" type="datetimeFigureOut">
               <a:rPr lang="de-DE" smtClean="0"/>
-              <a:t>01.07.2014</a:t>
+              <a:t>02.07.2014</a:t>
             </a:fld>
             <a:endParaRPr lang="de-DE"/>
           </a:p>
@@ -1470,7 +1470,7 @@
           <a:p>
             <a:fld id="{81431984-7FDD-48AB-A972-46FD70BE8D41}" type="datetimeFigureOut">
               <a:rPr lang="de-DE" smtClean="0"/>
-              <a:t>01.07.2014</a:t>
+              <a:t>02.07.2014</a:t>
             </a:fld>
             <a:endParaRPr lang="de-DE"/>
           </a:p>
@@ -1702,7 +1702,7 @@
           <a:p>
             <a:fld id="{81431984-7FDD-48AB-A972-46FD70BE8D41}" type="datetimeFigureOut">
               <a:rPr lang="de-DE" smtClean="0"/>
-              <a:t>01.07.2014</a:t>
+              <a:t>02.07.2014</a:t>
             </a:fld>
             <a:endParaRPr lang="de-DE"/>
           </a:p>
@@ -2069,7 +2069,7 @@
           <a:p>
             <a:fld id="{81431984-7FDD-48AB-A972-46FD70BE8D41}" type="datetimeFigureOut">
               <a:rPr lang="de-DE" smtClean="0"/>
-              <a:t>01.07.2014</a:t>
+              <a:t>02.07.2014</a:t>
             </a:fld>
             <a:endParaRPr lang="de-DE"/>
           </a:p>
@@ -2187,7 +2187,7 @@
           <a:p>
             <a:fld id="{81431984-7FDD-48AB-A972-46FD70BE8D41}" type="datetimeFigureOut">
               <a:rPr lang="de-DE" smtClean="0"/>
-              <a:t>01.07.2014</a:t>
+              <a:t>02.07.2014</a:t>
             </a:fld>
             <a:endParaRPr lang="de-DE"/>
           </a:p>
@@ -2282,7 +2282,7 @@
           <a:p>
             <a:fld id="{81431984-7FDD-48AB-A972-46FD70BE8D41}" type="datetimeFigureOut">
               <a:rPr lang="de-DE" smtClean="0"/>
-              <a:t>01.07.2014</a:t>
+              <a:t>02.07.2014</a:t>
             </a:fld>
             <a:endParaRPr lang="de-DE"/>
           </a:p>
@@ -2559,7 +2559,7 @@
           <a:p>
             <a:fld id="{81431984-7FDD-48AB-A972-46FD70BE8D41}" type="datetimeFigureOut">
               <a:rPr lang="de-DE" smtClean="0"/>
-              <a:t>01.07.2014</a:t>
+              <a:t>02.07.2014</a:t>
             </a:fld>
             <a:endParaRPr lang="de-DE"/>
           </a:p>
@@ -2816,7 +2816,7 @@
           <a:p>
             <a:fld id="{81431984-7FDD-48AB-A972-46FD70BE8D41}" type="datetimeFigureOut">
               <a:rPr lang="de-DE" smtClean="0"/>
-              <a:t>01.07.2014</a:t>
+              <a:t>02.07.2014</a:t>
             </a:fld>
             <a:endParaRPr lang="de-DE"/>
           </a:p>
@@ -3029,7 +3029,7 @@
           <a:p>
             <a:fld id="{81431984-7FDD-48AB-A972-46FD70BE8D41}" type="datetimeFigureOut">
               <a:rPr lang="de-DE" smtClean="0"/>
-              <a:t>01.07.2014</a:t>
+              <a:t>02.07.2014</a:t>
             </a:fld>
             <a:endParaRPr lang="de-DE"/>
           </a:p>
@@ -3778,14 +3778,54 @@
           <a:p>
             <a:r>
               <a:rPr lang="de-DE" dirty="0" smtClean="0"/>
-              <a:t>Was ist wichtig, was nicht?</a:t>
-            </a:r>
-          </a:p>
-          <a:p>
-            <a:r>
-              <a:rPr lang="de-DE" dirty="0" smtClean="0"/>
-              <a:t>Gute Idee: Tonmitschnitte (wenn auch nur selten benötigt)</a:t>
-            </a:r>
+              <a:t>Was ist wichtig, was nicht</a:t>
+            </a:r>
+            <a:r>
+              <a:rPr lang="de-DE" dirty="0" smtClean="0"/>
+              <a:t>?</a:t>
+            </a:r>
+          </a:p>
+          <a:p>
+            <a:endParaRPr lang="de-DE" dirty="0" smtClean="0"/>
+          </a:p>
+          <a:p>
+            <a:pPr marL="0" indent="0">
+              <a:buNone/>
+            </a:pPr>
+            <a:r>
+              <a:rPr lang="de-DE" dirty="0" smtClean="0"/>
+              <a:t>Gute Idee: </a:t>
+            </a:r>
+            <a:endParaRPr lang="de-DE" dirty="0" smtClean="0"/>
+          </a:p>
+          <a:p>
+            <a:pPr lvl="1"/>
+            <a:r>
+              <a:rPr lang="de-DE" dirty="0" smtClean="0"/>
+              <a:t>Tonmitschnitte </a:t>
+            </a:r>
+            <a:r>
+              <a:rPr lang="de-DE" dirty="0" smtClean="0"/>
+              <a:t>(wenn auch nur selten benötigt</a:t>
+            </a:r>
+            <a:r>
+              <a:rPr lang="de-DE" dirty="0" smtClean="0"/>
+              <a:t>)</a:t>
+            </a:r>
+          </a:p>
+          <a:p>
+            <a:pPr lvl="1"/>
+            <a:r>
+              <a:rPr lang="de-DE" dirty="0" smtClean="0"/>
+              <a:t>Herangehensweise (Mitschriften </a:t>
+            </a:r>
+            <a:r>
+              <a:rPr lang="de-DE" dirty="0" smtClean="0">
+                <a:sym typeface="Wingdings" panose="05000000000000000000" pitchFamily="2" charset="2"/>
+              </a:rPr>
+              <a:t> strukturiertes Protokoll)</a:t>
+            </a:r>
+            <a:endParaRPr lang="de-DE" dirty="0" smtClean="0"/>
           </a:p>
           <a:p>
             <a:pPr marL="0" indent="0">
@@ -4140,8 +4180,9 @@
             </a:pPr>
             <a:r>
               <a:rPr lang="de-DE" dirty="0" smtClean="0"/>
-              <a:t>Struktur dieses Dokuments:</a:t>
-            </a:r>
+              <a:t>Vorgehensweise</a:t>
+            </a:r>
+            <a:endParaRPr lang="de-DE" dirty="0" smtClean="0"/>
           </a:p>
           <a:p>
             <a:pPr marL="342900" lvl="1" indent="-342900"/>
@@ -5359,14 +5400,20 @@
             </a:pPr>
             <a:r>
               <a:rPr lang="de-DE" b="1" u="sng" dirty="0" smtClean="0"/>
-              <a:t>Erfahrungen (Implementierung)</a:t>
-            </a:r>
-            <a:endParaRPr lang="de-DE" dirty="0"/>
-          </a:p>
-          <a:p>
+              <a:t>Erfahrungen</a:t>
+            </a:r>
+          </a:p>
+          <a:p>
+            <a:pPr marL="0" indent="0">
+              <a:buNone/>
+            </a:pPr>
             <a:r>
               <a:rPr lang="de-DE" sz="2400" dirty="0" smtClean="0"/>
-              <a:t> umfangreichstes Dokument</a:t>
+              <a:t>umfangreichstes </a:t>
+            </a:r>
+            <a:r>
+              <a:rPr lang="de-DE" sz="2400" dirty="0" smtClean="0"/>
+              <a:t>Dokument</a:t>
             </a:r>
           </a:p>
           <a:p>
@@ -5424,22 +5471,11 @@
             <a:pPr marL="800100" lvl="6" indent="-342900"/>
             <a:r>
               <a:rPr lang="de-DE" sz="2000" dirty="0" smtClean="0"/>
-              <a:t>Grundgerüst der Dokumentation generieren lassen (</a:t>
-            </a:r>
-            <a:r>
-              <a:rPr lang="de-DE" sz="2000" dirty="0" err="1" smtClean="0"/>
-              <a:t>Doxygen</a:t>
+              <a:t>Programmierer </a:t>
             </a:r>
             <a:r>
               <a:rPr lang="de-DE" sz="2000" dirty="0" smtClean="0"/>
-              <a:t>)</a:t>
-            </a:r>
-          </a:p>
-          <a:p>
-            <a:pPr marL="800100" lvl="6" indent="-342900"/>
-            <a:r>
-              <a:rPr lang="de-DE" sz="2000" dirty="0" smtClean="0"/>
-              <a:t>Programmierer mehr bei Kommentierung überwachen</a:t>
+              <a:t>mehr bei Kommentierung überwachen</a:t>
             </a:r>
           </a:p>
           <a:p>
@@ -5576,78 +5612,28 @@
               <a:buNone/>
             </a:pPr>
             <a:r>
+              <a:rPr lang="de-DE" b="1" u="sng" dirty="0" smtClean="0"/>
+              <a:t>Ziel: </a:t>
+            </a:r>
+          </a:p>
+          <a:p>
+            <a:r>
               <a:rPr lang="de-DE" sz="2400" dirty="0" smtClean="0"/>
-              <a:t>Struktur:</a:t>
-            </a:r>
-          </a:p>
-          <a:p>
-            <a:r>
-              <a:rPr lang="de-DE" sz="2400" dirty="0"/>
-              <a:t>Dokumentation für </a:t>
-            </a:r>
-            <a:r>
-              <a:rPr lang="de-DE" sz="2400" dirty="0" smtClean="0"/>
-              <a:t>Dozentenprogramm</a:t>
+              <a:t>Studenten und Dozent bei der Verwendung ihres jeweiligen Programmes zu unterstützen</a:t>
             </a:r>
           </a:p>
           <a:p>
             <a:pPr lvl="1"/>
             <a:r>
               <a:rPr lang="de-DE" sz="2000" dirty="0" smtClean="0"/>
-              <a:t>Anforderungen</a:t>
+              <a:t>Dozent beim Verwalten der Belege</a:t>
             </a:r>
           </a:p>
           <a:p>
             <a:pPr lvl="1"/>
             <a:r>
               <a:rPr lang="de-DE" sz="2000" dirty="0" smtClean="0"/>
-              <a:t>Hauptmenü</a:t>
-            </a:r>
-            <a:endParaRPr lang="de-DE" sz="2000" dirty="0"/>
-          </a:p>
-          <a:p>
-            <a:pPr lvl="1"/>
-            <a:r>
-              <a:rPr lang="de-DE" sz="2000" dirty="0" smtClean="0"/>
-              <a:t>relevante </a:t>
-            </a:r>
-            <a:r>
-              <a:rPr lang="de-DE" sz="2000" dirty="0"/>
-              <a:t>Funktionen</a:t>
-            </a:r>
-          </a:p>
-          <a:p>
-            <a:pPr lvl="1"/>
-            <a:r>
-              <a:rPr lang="de-DE" sz="2000" dirty="0"/>
-              <a:t>administrative Funktionen</a:t>
-            </a:r>
-          </a:p>
-          <a:p>
-            <a:r>
-              <a:rPr lang="de-DE" sz="2400" dirty="0" smtClean="0"/>
-              <a:t>Dokumentation für Studentenprogramm</a:t>
-            </a:r>
-          </a:p>
-          <a:p>
-            <a:pPr lvl="1"/>
-            <a:r>
-              <a:rPr lang="de-DE" sz="2000" dirty="0" smtClean="0"/>
-              <a:t>Anforderungen</a:t>
-            </a:r>
-          </a:p>
-          <a:p>
-            <a:pPr lvl="1"/>
-            <a:r>
-              <a:rPr lang="de-DE" sz="2000" dirty="0" smtClean="0"/>
-              <a:t>Erstanmeldung</a:t>
-            </a:r>
-          </a:p>
-          <a:p>
-            <a:pPr lvl="1"/>
-            <a:r>
-              <a:rPr lang="de-DE" sz="2000" dirty="0" smtClean="0"/>
-              <a:t>reguläre Anmeldung</a:t>
+              <a:t>Student beim Anmeldevorgang</a:t>
             </a:r>
           </a:p>
         </p:txBody>
@@ -5803,7 +5789,11 @@
             </a:r>
             <a:r>
               <a:rPr lang="de-DE" dirty="0" smtClean="0"/>
-              <a:t>    Testdaten</a:t>
+              <a:t>    </a:t>
+            </a:r>
+            <a:r>
+              <a:rPr lang="de-DE" dirty="0" smtClean="0"/>
+              <a:t>Daten</a:t>
             </a:r>
             <a:endParaRPr lang="de-DE" dirty="0"/>
           </a:p>
@@ -6110,82 +6100,40 @@
         <p:spPr/>
         <p:txBody>
           <a:bodyPr>
-            <a:normAutofit lnSpcReduction="10000"/>
+            <a:normAutofit/>
           </a:bodyPr>
           <a:lstStyle/>
           <a:p>
             <a:r>
+              <a:rPr lang="de-DE" dirty="0" smtClean="0"/>
+              <a:t>Dokumentation wieder in Latex</a:t>
+            </a:r>
+            <a:endParaRPr lang="de-DE" dirty="0" smtClean="0"/>
+          </a:p>
+          <a:p>
+            <a:r>
+              <a:rPr lang="de-DE" dirty="0" smtClean="0"/>
+              <a:t>gute Zusammenarbeit (Entwicklerdokumentation)</a:t>
+            </a:r>
+          </a:p>
+          <a:p>
+            <a:pPr lvl="1"/>
+            <a:r>
               <a:rPr lang="de-DE" dirty="0"/>
-              <a:t>Positiv:</a:t>
-            </a:r>
-          </a:p>
-          <a:p>
-            <a:pPr lvl="1"/>
-            <a:r>
-              <a:rPr lang="de-DE" dirty="0"/>
-              <a:t>Tonmitschnitte in Gruppensitzungen</a:t>
-            </a:r>
-          </a:p>
-          <a:p>
-            <a:pPr lvl="2"/>
-            <a:r>
-              <a:rPr lang="de-DE" dirty="0"/>
-              <a:t>zur Absicherung</a:t>
-            </a:r>
-          </a:p>
-          <a:p>
-            <a:pPr lvl="1"/>
-            <a:r>
-              <a:rPr lang="de-DE" dirty="0"/>
-              <a:t>Dokumentation mit </a:t>
-            </a:r>
-            <a:r>
-              <a:rPr lang="de-DE" dirty="0" err="1"/>
-              <a:t>LaTex</a:t>
-            </a:r>
-            <a:endParaRPr lang="de-DE" dirty="0"/>
-          </a:p>
-          <a:p>
-            <a:pPr lvl="2"/>
-            <a:r>
-              <a:rPr lang="de-DE" dirty="0" err="1"/>
-              <a:t>Eclipse-Plugin</a:t>
-            </a:r>
-            <a:endParaRPr lang="de-DE" dirty="0"/>
-          </a:p>
-          <a:p>
-            <a:r>
-              <a:rPr lang="de-DE" dirty="0" smtClean="0"/>
-              <a:t>Negativ:</a:t>
-            </a:r>
-          </a:p>
-          <a:p>
-            <a:pPr lvl="1"/>
-            <a:r>
-              <a:rPr lang="de-DE" dirty="0" smtClean="0"/>
-              <a:t>keine Vorlage für Protokolle benutzt (immer leeres Dokument)</a:t>
-            </a:r>
-          </a:p>
-          <a:p>
-            <a:pPr lvl="1"/>
-            <a:r>
-              <a:rPr lang="de-DE" dirty="0" smtClean="0"/>
-              <a:t>rechtzeitige Quellcode-Kommentierung durchsetzen</a:t>
-            </a:r>
-          </a:p>
-          <a:p>
-            <a:pPr lvl="1"/>
-            <a:r>
-              <a:rPr lang="de-DE" dirty="0" smtClean="0"/>
-              <a:t>Ich habe als Verantwortlicher nicht immer genügend Verantwortung übernommen</a:t>
-            </a:r>
-          </a:p>
-          <a:p>
-            <a:pPr lvl="2"/>
-            <a:r>
-              <a:rPr lang="de-DE" dirty="0" smtClean="0"/>
-              <a:t>Zusammenarbeit mit Experten nicht immer stark genug (Pflichtenheft, Testdokumentation)</a:t>
-            </a:r>
+              <a:t>a</a:t>
+            </a:r>
+            <a:r>
+              <a:rPr lang="de-DE" dirty="0" smtClean="0"/>
+              <a:t>ber: Quellcodekommentierung besser durchsetzen</a:t>
+            </a:r>
+            <a:endParaRPr lang="de-DE" dirty="0" smtClean="0"/>
+          </a:p>
+          <a:p>
+            <a:r>
+              <a:rPr lang="de-DE" dirty="0" smtClean="0"/>
+              <a:t>Teilweise zu wenig Verantwortung übernommen (Pflichtenheft, Testdokumentation)</a:t>
+            </a:r>
+            <a:endParaRPr lang="de-DE" dirty="0" smtClean="0"/>
           </a:p>
         </p:txBody>
       </p:sp>
@@ -6258,9 +6206,10 @@
               <a:t>3. </a:t>
             </a:r>
             <a:r>
-              <a:rPr lang="de-DE" dirty="0"/>
-              <a:t>Gesamteinschätzung</a:t>
-            </a:r>
+              <a:rPr lang="de-DE" dirty="0" smtClean="0"/>
+              <a:t>Gesamteinschätzung (Projekt)</a:t>
+            </a:r>
+            <a:endParaRPr lang="de-DE" dirty="0"/>
           </a:p>
         </p:txBody>
       </p:sp>
@@ -6498,30 +6447,12 @@
           <a:p>
             <a:pPr lvl="1"/>
             <a:r>
+              <a:rPr lang="de-DE" dirty="0" smtClean="0"/>
+              <a:t>Welche </a:t>
+            </a:r>
+            <a:r>
               <a:rPr lang="de-DE" dirty="0"/>
-              <a:t>Vor- und Nachteile von Dokumentationen</a:t>
-            </a:r>
-            <a:r>
-              <a:rPr lang="de-DE" dirty="0" smtClean="0"/>
-              <a:t>?</a:t>
-            </a:r>
-          </a:p>
-          <a:p>
-            <a:pPr lvl="1"/>
-            <a:r>
-              <a:rPr lang="de-DE" dirty="0"/>
-              <a:t>Welchen Umfang hat eine Dokumentation? (Arten</a:t>
-            </a:r>
-            <a:r>
-              <a:rPr lang="de-DE" dirty="0" smtClean="0"/>
-              <a:t>)</a:t>
-            </a:r>
-          </a:p>
-          <a:p>
-            <a:pPr lvl="1"/>
-            <a:r>
-              <a:rPr lang="de-DE" dirty="0"/>
-              <a:t>Welche Dokumentation für welche Zielgruppe?</a:t>
+              <a:t>Dokumentation für welche Zielgruppe?</a:t>
             </a:r>
           </a:p>
           <a:p>
@@ -6658,11 +6589,7 @@
             </a:r>
             <a:r>
               <a:rPr lang="de-DE" sz="2400" dirty="0" smtClean="0"/>
-              <a:t> über Problemstellung </a:t>
-            </a:r>
-            <a:r>
-              <a:rPr lang="de-DE" sz="2400" dirty="0" smtClean="0"/>
-              <a:t>schaffen</a:t>
+              <a:t> über Problemstellung schaffen</a:t>
             </a:r>
           </a:p>
           <a:p>
@@ -6733,11 +6660,7 @@
           <a:p>
             <a:r>
               <a:rPr lang="de-DE" sz="2400" dirty="0" smtClean="0"/>
-              <a:t>Software </a:t>
-            </a:r>
-            <a:r>
-              <a:rPr lang="de-DE" sz="2400" dirty="0" smtClean="0"/>
-              <a:t>schnell und einfach </a:t>
+              <a:t>Software schnell und einfach </a:t>
             </a:r>
             <a:r>
               <a:rPr lang="de-DE" sz="2400" i="1" dirty="0" smtClean="0"/>

--- a/Präsentation/Felix - Dokumentation/SE_Dokumentation.pptx
+++ b/Präsentation/Felix - Dokumentation/SE_Dokumentation.pptx
@@ -5,7 +5,7 @@
     <p:sldMasterId id="2147483732" r:id="rId1"/>
   </p:sldMasterIdLst>
   <p:notesMasterIdLst>
-    <p:notesMasterId r:id="rId27"/>
+    <p:notesMasterId r:id="rId23"/>
   </p:notesMasterIdLst>
   <p:sldIdLst>
     <p:sldId id="256" r:id="rId2"/>
@@ -14,25 +14,21 @@
     <p:sldId id="259" r:id="rId5"/>
     <p:sldId id="260" r:id="rId6"/>
     <p:sldId id="288" r:id="rId7"/>
-    <p:sldId id="265" r:id="rId8"/>
-    <p:sldId id="266" r:id="rId9"/>
-    <p:sldId id="267" r:id="rId10"/>
-    <p:sldId id="268" r:id="rId11"/>
-    <p:sldId id="269" r:id="rId12"/>
-    <p:sldId id="270" r:id="rId13"/>
-    <p:sldId id="271" r:id="rId14"/>
-    <p:sldId id="287" r:id="rId15"/>
-    <p:sldId id="276" r:id="rId16"/>
-    <p:sldId id="272" r:id="rId17"/>
-    <p:sldId id="274" r:id="rId18"/>
-    <p:sldId id="273" r:id="rId19"/>
-    <p:sldId id="275" r:id="rId20"/>
-    <p:sldId id="286" r:id="rId21"/>
-    <p:sldId id="279" r:id="rId22"/>
-    <p:sldId id="280" r:id="rId23"/>
-    <p:sldId id="282" r:id="rId24"/>
-    <p:sldId id="284" r:id="rId25"/>
-    <p:sldId id="283" r:id="rId26"/>
+    <p:sldId id="266" r:id="rId8"/>
+    <p:sldId id="267" r:id="rId9"/>
+    <p:sldId id="270" r:id="rId10"/>
+    <p:sldId id="287" r:id="rId11"/>
+    <p:sldId id="276" r:id="rId12"/>
+    <p:sldId id="272" r:id="rId13"/>
+    <p:sldId id="274" r:id="rId14"/>
+    <p:sldId id="273" r:id="rId15"/>
+    <p:sldId id="275" r:id="rId16"/>
+    <p:sldId id="286" r:id="rId17"/>
+    <p:sldId id="279" r:id="rId18"/>
+    <p:sldId id="280" r:id="rId19"/>
+    <p:sldId id="282" r:id="rId20"/>
+    <p:sldId id="284" r:id="rId21"/>
+    <p:sldId id="283" r:id="rId22"/>
   </p:sldIdLst>
   <p:sldSz cx="12192000" cy="6858000"/>
   <p:notesSz cx="6858000" cy="9144000"/>
@@ -221,7 +217,7 @@
           <a:p>
             <a:fld id="{9DDE73F9-5AD5-411A-95DF-9C6DB7B7AD66}" type="datetimeFigureOut">
               <a:rPr lang="de-DE" smtClean="0"/>
-              <a:t>02.07.2014</a:t>
+              <a:t>03.07.2014</a:t>
             </a:fld>
             <a:endParaRPr lang="de-DE"/>
           </a:p>
@@ -554,7 +550,7 @@
           <a:p>
             <a:fld id="{523EE258-41AE-4C9E-840D-155D4C4E4E92}" type="slidenum">
               <a:rPr lang="de-DE" smtClean="0"/>
-              <a:t>21</a:t>
+              <a:t>17</a:t>
             </a:fld>
             <a:endParaRPr lang="de-DE"/>
           </a:p>
@@ -704,7 +700,7 @@
           <a:p>
             <a:fld id="{81431984-7FDD-48AB-A972-46FD70BE8D41}" type="datetimeFigureOut">
               <a:rPr lang="de-DE" smtClean="0"/>
-              <a:t>02.07.2014</a:t>
+              <a:t>03.07.2014</a:t>
             </a:fld>
             <a:endParaRPr lang="de-DE"/>
           </a:p>
@@ -874,7 +870,7 @@
           <a:p>
             <a:fld id="{81431984-7FDD-48AB-A972-46FD70BE8D41}" type="datetimeFigureOut">
               <a:rPr lang="de-DE" smtClean="0"/>
-              <a:t>02.07.2014</a:t>
+              <a:t>03.07.2014</a:t>
             </a:fld>
             <a:endParaRPr lang="de-DE"/>
           </a:p>
@@ -1054,7 +1050,7 @@
           <a:p>
             <a:fld id="{81431984-7FDD-48AB-A972-46FD70BE8D41}" type="datetimeFigureOut">
               <a:rPr lang="de-DE" smtClean="0"/>
-              <a:t>02.07.2014</a:t>
+              <a:t>03.07.2014</a:t>
             </a:fld>
             <a:endParaRPr lang="de-DE"/>
           </a:p>
@@ -1224,7 +1220,7 @@
           <a:p>
             <a:fld id="{81431984-7FDD-48AB-A972-46FD70BE8D41}" type="datetimeFigureOut">
               <a:rPr lang="de-DE" smtClean="0"/>
-              <a:t>02.07.2014</a:t>
+              <a:t>03.07.2014</a:t>
             </a:fld>
             <a:endParaRPr lang="de-DE"/>
           </a:p>
@@ -1470,7 +1466,7 @@
           <a:p>
             <a:fld id="{81431984-7FDD-48AB-A972-46FD70BE8D41}" type="datetimeFigureOut">
               <a:rPr lang="de-DE" smtClean="0"/>
-              <a:t>02.07.2014</a:t>
+              <a:t>03.07.2014</a:t>
             </a:fld>
             <a:endParaRPr lang="de-DE"/>
           </a:p>
@@ -1702,7 +1698,7 @@
           <a:p>
             <a:fld id="{81431984-7FDD-48AB-A972-46FD70BE8D41}" type="datetimeFigureOut">
               <a:rPr lang="de-DE" smtClean="0"/>
-              <a:t>02.07.2014</a:t>
+              <a:t>03.07.2014</a:t>
             </a:fld>
             <a:endParaRPr lang="de-DE"/>
           </a:p>
@@ -2069,7 +2065,7 @@
           <a:p>
             <a:fld id="{81431984-7FDD-48AB-A972-46FD70BE8D41}" type="datetimeFigureOut">
               <a:rPr lang="de-DE" smtClean="0"/>
-              <a:t>02.07.2014</a:t>
+              <a:t>03.07.2014</a:t>
             </a:fld>
             <a:endParaRPr lang="de-DE"/>
           </a:p>
@@ -2187,7 +2183,7 @@
           <a:p>
             <a:fld id="{81431984-7FDD-48AB-A972-46FD70BE8D41}" type="datetimeFigureOut">
               <a:rPr lang="de-DE" smtClean="0"/>
-              <a:t>02.07.2014</a:t>
+              <a:t>03.07.2014</a:t>
             </a:fld>
             <a:endParaRPr lang="de-DE"/>
           </a:p>
@@ -2282,7 +2278,7 @@
           <a:p>
             <a:fld id="{81431984-7FDD-48AB-A972-46FD70BE8D41}" type="datetimeFigureOut">
               <a:rPr lang="de-DE" smtClean="0"/>
-              <a:t>02.07.2014</a:t>
+              <a:t>03.07.2014</a:t>
             </a:fld>
             <a:endParaRPr lang="de-DE"/>
           </a:p>
@@ -2559,7 +2555,7 @@
           <a:p>
             <a:fld id="{81431984-7FDD-48AB-A972-46FD70BE8D41}" type="datetimeFigureOut">
               <a:rPr lang="de-DE" smtClean="0"/>
-              <a:t>02.07.2014</a:t>
+              <a:t>03.07.2014</a:t>
             </a:fld>
             <a:endParaRPr lang="de-DE"/>
           </a:p>
@@ -2816,7 +2812,7 @@
           <a:p>
             <a:fld id="{81431984-7FDD-48AB-A972-46FD70BE8D41}" type="datetimeFigureOut">
               <a:rPr lang="de-DE" smtClean="0"/>
-              <a:t>02.07.2014</a:t>
+              <a:t>03.07.2014</a:t>
             </a:fld>
             <a:endParaRPr lang="de-DE"/>
           </a:p>
@@ -3029,7 +3025,7 @@
           <a:p>
             <a:fld id="{81431984-7FDD-48AB-A972-46FD70BE8D41}" type="datetimeFigureOut">
               <a:rPr lang="de-DE" smtClean="0"/>
-              <a:t>02.07.2014</a:t>
+              <a:t>03.07.2014</a:t>
             </a:fld>
             <a:endParaRPr lang="de-DE"/>
           </a:p>
@@ -3559,42 +3555,94 @@
           <a:lstStyle/>
           <a:p>
             <a:r>
+              <a:rPr lang="de-DE" dirty="0" smtClean="0"/>
+              <a:t>2.4.  Pflichtenheft</a:t>
+            </a:r>
+            <a:endParaRPr lang="de-DE" dirty="0"/>
+          </a:p>
+        </p:txBody>
+      </p:sp>
+      <p:sp>
+        <p:nvSpPr>
+          <p:cNvPr id="3" name="Inhaltsplatzhalter 2"/>
+          <p:cNvSpPr>
+            <a:spLocks noGrp="1"/>
+          </p:cNvSpPr>
+          <p:nvPr>
+            <p:ph idx="1"/>
+          </p:nvPr>
+        </p:nvSpPr>
+        <p:spPr/>
+        <p:txBody>
+          <a:bodyPr/>
+          <a:lstStyle/>
+          <a:p>
+            <a:pPr marL="0" indent="0">
+              <a:buNone/>
+            </a:pPr>
+            <a:r>
+              <a:rPr lang="de-DE" dirty="0" smtClean="0"/>
+              <a:t>„Wer </a:t>
+            </a:r>
+            <a:r>
               <a:rPr lang="de-DE" dirty="0"/>
-              <a:t>2.2.  Protokolle</a:t>
-            </a:r>
-          </a:p>
-        </p:txBody>
-      </p:sp>
-      <p:pic>
-        <p:nvPicPr>
-          <p:cNvPr id="6" name="Inhaltsplatzhalter 5"/>
-          <p:cNvPicPr>
-            <a:picLocks noGrp="1" noChangeAspect="1"/>
-          </p:cNvPicPr>
-          <p:nvPr>
-            <p:ph idx="1"/>
-          </p:nvPr>
-        </p:nvPicPr>
-        <p:blipFill>
-          <a:blip r:embed="rId2"/>
-          <a:stretch>
-            <a:fillRect/>
-          </a:stretch>
-        </p:blipFill>
-        <p:spPr>
-          <a:xfrm>
-            <a:off x="838200" y="1994359"/>
-            <a:ext cx="10515600" cy="4013870"/>
-          </a:xfrm>
-          <a:prstGeom prst="rect">
-            <a:avLst/>
-          </a:prstGeom>
-        </p:spPr>
-      </p:pic>
+              <a:t>sollte die Dokumentation verfassen</a:t>
+            </a:r>
+            <a:r>
+              <a:rPr lang="de-DE" dirty="0" smtClean="0"/>
+              <a:t>?“</a:t>
+            </a:r>
+            <a:endParaRPr lang="de-DE" dirty="0"/>
+          </a:p>
+          <a:p>
+            <a:pPr lvl="1"/>
+            <a:r>
+              <a:rPr lang="de-DE" dirty="0" smtClean="0"/>
+              <a:t>Spezialist </a:t>
+            </a:r>
+            <a:r>
+              <a:rPr lang="de-DE" dirty="0"/>
+              <a:t>in jeweiligen </a:t>
+            </a:r>
+            <a:r>
+              <a:rPr lang="de-DE" dirty="0" smtClean="0"/>
+              <a:t>Arbeitsbereich</a:t>
+            </a:r>
+            <a:endParaRPr lang="de-DE" dirty="0"/>
+          </a:p>
+          <a:p>
+            <a:endParaRPr lang="de-DE" dirty="0" smtClean="0"/>
+          </a:p>
+          <a:p>
+            <a:r>
+              <a:rPr lang="de-DE" dirty="0" smtClean="0"/>
+              <a:t>Verantwortlicher für Anforderungsanalyse (Martin) hat Aufgaben verteilt</a:t>
+            </a:r>
+          </a:p>
+          <a:p>
+            <a:pPr lvl="1"/>
+            <a:r>
+              <a:rPr lang="de-DE" dirty="0" smtClean="0"/>
+              <a:t>Ergebnisse wurden zusammengetragen und von Martin ordentlich ausformuliert</a:t>
+            </a:r>
+          </a:p>
+          <a:p>
+            <a:pPr lvl="1"/>
+            <a:r>
+              <a:rPr lang="de-DE" dirty="0"/>
+              <a:t>sonst keine explizite Zusammenarbeit</a:t>
+            </a:r>
+          </a:p>
+          <a:p>
+            <a:pPr lvl="1"/>
+            <a:endParaRPr lang="de-DE" dirty="0"/>
+          </a:p>
+        </p:txBody>
+      </p:sp>
     </p:spTree>
     <p:extLst>
       <p:ext uri="{BB962C8B-B14F-4D97-AF65-F5344CB8AC3E}">
-        <p14:creationId xmlns:p14="http://schemas.microsoft.com/office/powerpoint/2010/main" val="83981241"/>
+        <p14:creationId xmlns:p14="http://schemas.microsoft.com/office/powerpoint/2010/main" val="3770484213"/>
       </p:ext>
     </p:extLst>
   </p:cSld>
@@ -3640,500 +3688,6 @@
           <a:chExt cx="0" cy="0"/>
         </a:xfrm>
       </p:grpSpPr>
-      <p:pic>
-        <p:nvPicPr>
-          <p:cNvPr id="6" name="Inhaltsplatzhalter 5"/>
-          <p:cNvPicPr>
-            <a:picLocks noGrp="1" noChangeAspect="1"/>
-          </p:cNvPicPr>
-          <p:nvPr>
-            <p:ph idx="1"/>
-          </p:nvPr>
-        </p:nvPicPr>
-        <p:blipFill>
-          <a:blip r:embed="rId2"/>
-          <a:stretch>
-            <a:fillRect/>
-          </a:stretch>
-        </p:blipFill>
-        <p:spPr>
-          <a:xfrm>
-            <a:off x="3494662" y="146413"/>
-            <a:ext cx="4434688" cy="6614661"/>
-          </a:xfrm>
-          <a:prstGeom prst="rect">
-            <a:avLst/>
-          </a:prstGeom>
-        </p:spPr>
-      </p:pic>
-    </p:spTree>
-    <p:extLst>
-      <p:ext uri="{BB962C8B-B14F-4D97-AF65-F5344CB8AC3E}">
-        <p14:creationId xmlns:p14="http://schemas.microsoft.com/office/powerpoint/2010/main" val="3620648762"/>
-      </p:ext>
-    </p:extLst>
-  </p:cSld>
-  <p:clrMapOvr>
-    <a:masterClrMapping/>
-  </p:clrMapOvr>
-  <mc:AlternateContent xmlns:mc="http://schemas.openxmlformats.org/markup-compatibility/2006" xmlns:p14="http://schemas.microsoft.com/office/powerpoint/2010/main">
-    <mc:Choice Requires="p14">
-      <p:transition p14:dur="250">
-        <p:push dir="u"/>
-      </p:transition>
-    </mc:Choice>
-    <mc:Fallback xmlns="">
-      <p:transition>
-        <p:push dir="u"/>
-      </p:transition>
-    </mc:Fallback>
-  </mc:AlternateContent>
-  <p:timing>
-    <p:tnLst>
-      <p:par>
-        <p:cTn id="1" dur="indefinite" restart="never" nodeType="tmRoot"/>
-      </p:par>
-    </p:tnLst>
-  </p:timing>
-</p:sld>
-</file>
-
-<file path=ppt/slides/slide12.xml><?xml version="1.0" encoding="utf-8"?>
-<p:sld xmlns:a="http://schemas.openxmlformats.org/drawingml/2006/main" xmlns:r="http://schemas.openxmlformats.org/officeDocument/2006/relationships" xmlns:p="http://schemas.openxmlformats.org/presentationml/2006/main">
-  <p:cSld>
-    <p:spTree>
-      <p:nvGrpSpPr>
-        <p:cNvPr id="1" name=""/>
-        <p:cNvGrpSpPr/>
-        <p:nvPr/>
-      </p:nvGrpSpPr>
-      <p:grpSpPr>
-        <a:xfrm>
-          <a:off x="0" y="0"/>
-          <a:ext cx="0" cy="0"/>
-          <a:chOff x="0" y="0"/>
-          <a:chExt cx="0" cy="0"/>
-        </a:xfrm>
-      </p:grpSpPr>
-      <p:sp>
-        <p:nvSpPr>
-          <p:cNvPr id="2" name="Titel 1"/>
-          <p:cNvSpPr>
-            <a:spLocks noGrp="1"/>
-          </p:cNvSpPr>
-          <p:nvPr>
-            <p:ph type="title"/>
-          </p:nvPr>
-        </p:nvSpPr>
-        <p:spPr/>
-        <p:txBody>
-          <a:bodyPr/>
-          <a:lstStyle/>
-          <a:p>
-            <a:r>
-              <a:rPr lang="de-DE" dirty="0" smtClean="0"/>
-              <a:t>2.2. </a:t>
-            </a:r>
-            <a:r>
-              <a:rPr lang="de-DE" dirty="0"/>
-              <a:t> </a:t>
-            </a:r>
-            <a:r>
-              <a:rPr lang="de-DE" dirty="0" smtClean="0"/>
-              <a:t>Protokolle</a:t>
-            </a:r>
-            <a:endParaRPr lang="de-DE" dirty="0"/>
-          </a:p>
-        </p:txBody>
-      </p:sp>
-      <p:sp>
-        <p:nvSpPr>
-          <p:cNvPr id="3" name="Inhaltsplatzhalter 2"/>
-          <p:cNvSpPr>
-            <a:spLocks noGrp="1"/>
-          </p:cNvSpPr>
-          <p:nvPr>
-            <p:ph idx="1"/>
-          </p:nvPr>
-        </p:nvSpPr>
-        <p:spPr/>
-        <p:txBody>
-          <a:bodyPr/>
-          <a:lstStyle/>
-          <a:p>
-            <a:pPr marL="0" indent="0">
-              <a:buNone/>
-            </a:pPr>
-            <a:r>
-              <a:rPr lang="de-DE" dirty="0" smtClean="0"/>
-              <a:t>Erfahrungen:</a:t>
-            </a:r>
-          </a:p>
-          <a:p>
-            <a:r>
-              <a:rPr lang="de-DE" dirty="0" smtClean="0"/>
-              <a:t>Schwierig, immer konzentriert mitzuschreiben (bei Diskussionen)</a:t>
-            </a:r>
-          </a:p>
-          <a:p>
-            <a:r>
-              <a:rPr lang="de-DE" dirty="0" smtClean="0"/>
-              <a:t>Was ist wichtig, was nicht</a:t>
-            </a:r>
-            <a:r>
-              <a:rPr lang="de-DE" dirty="0" smtClean="0"/>
-              <a:t>?</a:t>
-            </a:r>
-          </a:p>
-          <a:p>
-            <a:endParaRPr lang="de-DE" dirty="0" smtClean="0"/>
-          </a:p>
-          <a:p>
-            <a:pPr marL="0" indent="0">
-              <a:buNone/>
-            </a:pPr>
-            <a:r>
-              <a:rPr lang="de-DE" dirty="0" smtClean="0"/>
-              <a:t>Gute Idee: </a:t>
-            </a:r>
-            <a:endParaRPr lang="de-DE" dirty="0" smtClean="0"/>
-          </a:p>
-          <a:p>
-            <a:pPr lvl="1"/>
-            <a:r>
-              <a:rPr lang="de-DE" dirty="0" smtClean="0"/>
-              <a:t>Tonmitschnitte </a:t>
-            </a:r>
-            <a:r>
-              <a:rPr lang="de-DE" dirty="0" smtClean="0"/>
-              <a:t>(wenn auch nur selten benötigt</a:t>
-            </a:r>
-            <a:r>
-              <a:rPr lang="de-DE" dirty="0" smtClean="0"/>
-              <a:t>)</a:t>
-            </a:r>
-          </a:p>
-          <a:p>
-            <a:pPr lvl="1"/>
-            <a:r>
-              <a:rPr lang="de-DE" dirty="0" smtClean="0"/>
-              <a:t>Herangehensweise (Mitschriften </a:t>
-            </a:r>
-            <a:r>
-              <a:rPr lang="de-DE" dirty="0" smtClean="0">
-                <a:sym typeface="Wingdings" panose="05000000000000000000" pitchFamily="2" charset="2"/>
-              </a:rPr>
-              <a:t> strukturiertes Protokoll)</a:t>
-            </a:r>
-            <a:endParaRPr lang="de-DE" dirty="0" smtClean="0"/>
-          </a:p>
-          <a:p>
-            <a:pPr marL="0" indent="0">
-              <a:buNone/>
-            </a:pPr>
-            <a:endParaRPr lang="de-DE" dirty="0"/>
-          </a:p>
-        </p:txBody>
-      </p:sp>
-    </p:spTree>
-    <p:extLst>
-      <p:ext uri="{BB962C8B-B14F-4D97-AF65-F5344CB8AC3E}">
-        <p14:creationId xmlns:p14="http://schemas.microsoft.com/office/powerpoint/2010/main" val="3385699952"/>
-      </p:ext>
-    </p:extLst>
-  </p:cSld>
-  <p:clrMapOvr>
-    <a:masterClrMapping/>
-  </p:clrMapOvr>
-  <mc:AlternateContent xmlns:mc="http://schemas.openxmlformats.org/markup-compatibility/2006" xmlns:p14="http://schemas.microsoft.com/office/powerpoint/2010/main">
-    <mc:Choice Requires="p14">
-      <p:transition p14:dur="250">
-        <p:push dir="u"/>
-      </p:transition>
-    </mc:Choice>
-    <mc:Fallback xmlns="">
-      <p:transition>
-        <p:push dir="u"/>
-      </p:transition>
-    </mc:Fallback>
-  </mc:AlternateContent>
-  <p:timing>
-    <p:tnLst>
-      <p:par>
-        <p:cTn id="1" dur="indefinite" restart="never" nodeType="tmRoot"/>
-      </p:par>
-    </p:tnLst>
-  </p:timing>
-</p:sld>
-</file>
-
-<file path=ppt/slides/slide13.xml><?xml version="1.0" encoding="utf-8"?>
-<p:sld xmlns:a="http://schemas.openxmlformats.org/drawingml/2006/main" xmlns:r="http://schemas.openxmlformats.org/officeDocument/2006/relationships" xmlns:p="http://schemas.openxmlformats.org/presentationml/2006/main">
-  <p:cSld>
-    <p:spTree>
-      <p:nvGrpSpPr>
-        <p:cNvPr id="1" name=""/>
-        <p:cNvGrpSpPr/>
-        <p:nvPr/>
-      </p:nvGrpSpPr>
-      <p:grpSpPr>
-        <a:xfrm>
-          <a:off x="0" y="0"/>
-          <a:ext cx="0" cy="0"/>
-          <a:chOff x="0" y="0"/>
-          <a:chExt cx="0" cy="0"/>
-        </a:xfrm>
-      </p:grpSpPr>
-      <p:sp>
-        <p:nvSpPr>
-          <p:cNvPr id="2" name="Titel 1"/>
-          <p:cNvSpPr>
-            <a:spLocks noGrp="1"/>
-          </p:cNvSpPr>
-          <p:nvPr>
-            <p:ph type="title"/>
-          </p:nvPr>
-        </p:nvSpPr>
-        <p:spPr>
-          <a:xfrm>
-            <a:off x="838200" y="0"/>
-            <a:ext cx="10515600" cy="1325563"/>
-          </a:xfrm>
-        </p:spPr>
-        <p:txBody>
-          <a:bodyPr/>
-          <a:lstStyle/>
-          <a:p>
-            <a:r>
-              <a:rPr lang="de-DE" dirty="0" smtClean="0"/>
-              <a:t>2.3.  Projektdokumentation</a:t>
-            </a:r>
-            <a:endParaRPr lang="de-DE" dirty="0"/>
-          </a:p>
-        </p:txBody>
-      </p:sp>
-      <p:pic>
-        <p:nvPicPr>
-          <p:cNvPr id="3" name="Grafik 2"/>
-          <p:cNvPicPr>
-            <a:picLocks noChangeAspect="1"/>
-          </p:cNvPicPr>
-          <p:nvPr/>
-        </p:nvPicPr>
-        <p:blipFill>
-          <a:blip r:embed="rId2"/>
-          <a:stretch>
-            <a:fillRect/>
-          </a:stretch>
-        </p:blipFill>
-        <p:spPr>
-          <a:xfrm>
-            <a:off x="2790398" y="1015265"/>
-            <a:ext cx="5657565" cy="5642518"/>
-          </a:xfrm>
-          <a:prstGeom prst="rect">
-            <a:avLst/>
-          </a:prstGeom>
-        </p:spPr>
-      </p:pic>
-    </p:spTree>
-    <p:extLst>
-      <p:ext uri="{BB962C8B-B14F-4D97-AF65-F5344CB8AC3E}">
-        <p14:creationId xmlns:p14="http://schemas.microsoft.com/office/powerpoint/2010/main" val="151182442"/>
-      </p:ext>
-    </p:extLst>
-  </p:cSld>
-  <p:clrMapOvr>
-    <a:masterClrMapping/>
-  </p:clrMapOvr>
-  <mc:AlternateContent xmlns:mc="http://schemas.openxmlformats.org/markup-compatibility/2006" xmlns:p14="http://schemas.microsoft.com/office/powerpoint/2010/main">
-    <mc:Choice Requires="p14">
-      <p:transition p14:dur="250">
-        <p:push dir="u"/>
-      </p:transition>
-    </mc:Choice>
-    <mc:Fallback xmlns="">
-      <p:transition>
-        <p:push dir="u"/>
-      </p:transition>
-    </mc:Fallback>
-  </mc:AlternateContent>
-  <p:timing>
-    <p:tnLst>
-      <p:par>
-        <p:cTn id="1" dur="indefinite" restart="never" nodeType="tmRoot"/>
-      </p:par>
-    </p:tnLst>
-  </p:timing>
-</p:sld>
-</file>
-
-<file path=ppt/slides/slide14.xml><?xml version="1.0" encoding="utf-8"?>
-<p:sld xmlns:a="http://schemas.openxmlformats.org/drawingml/2006/main" xmlns:r="http://schemas.openxmlformats.org/officeDocument/2006/relationships" xmlns:p="http://schemas.openxmlformats.org/presentationml/2006/main">
-  <p:cSld>
-    <p:spTree>
-      <p:nvGrpSpPr>
-        <p:cNvPr id="1" name=""/>
-        <p:cNvGrpSpPr/>
-        <p:nvPr/>
-      </p:nvGrpSpPr>
-      <p:grpSpPr>
-        <a:xfrm>
-          <a:off x="0" y="0"/>
-          <a:ext cx="0" cy="0"/>
-          <a:chOff x="0" y="0"/>
-          <a:chExt cx="0" cy="0"/>
-        </a:xfrm>
-      </p:grpSpPr>
-      <p:sp>
-        <p:nvSpPr>
-          <p:cNvPr id="2" name="Titel 1"/>
-          <p:cNvSpPr>
-            <a:spLocks noGrp="1"/>
-          </p:cNvSpPr>
-          <p:nvPr>
-            <p:ph type="title"/>
-          </p:nvPr>
-        </p:nvSpPr>
-        <p:spPr/>
-        <p:txBody>
-          <a:bodyPr/>
-          <a:lstStyle/>
-          <a:p>
-            <a:r>
-              <a:rPr lang="de-DE" dirty="0" smtClean="0"/>
-              <a:t>2.4.  Pflichtenheft</a:t>
-            </a:r>
-            <a:endParaRPr lang="de-DE" dirty="0"/>
-          </a:p>
-        </p:txBody>
-      </p:sp>
-      <p:sp>
-        <p:nvSpPr>
-          <p:cNvPr id="3" name="Inhaltsplatzhalter 2"/>
-          <p:cNvSpPr>
-            <a:spLocks noGrp="1"/>
-          </p:cNvSpPr>
-          <p:nvPr>
-            <p:ph idx="1"/>
-          </p:nvPr>
-        </p:nvSpPr>
-        <p:spPr/>
-        <p:txBody>
-          <a:bodyPr/>
-          <a:lstStyle/>
-          <a:p>
-            <a:pPr marL="0" indent="0">
-              <a:buNone/>
-            </a:pPr>
-            <a:r>
-              <a:rPr lang="de-DE" dirty="0" smtClean="0"/>
-              <a:t>„Wer </a:t>
-            </a:r>
-            <a:r>
-              <a:rPr lang="de-DE" dirty="0"/>
-              <a:t>sollte die Dokumentation verfassen</a:t>
-            </a:r>
-            <a:r>
-              <a:rPr lang="de-DE" dirty="0" smtClean="0"/>
-              <a:t>?“</a:t>
-            </a:r>
-            <a:endParaRPr lang="de-DE" dirty="0"/>
-          </a:p>
-          <a:p>
-            <a:pPr lvl="1"/>
-            <a:r>
-              <a:rPr lang="de-DE" dirty="0" smtClean="0"/>
-              <a:t>Spezialist </a:t>
-            </a:r>
-            <a:r>
-              <a:rPr lang="de-DE" dirty="0"/>
-              <a:t>in jeweiligen </a:t>
-            </a:r>
-            <a:r>
-              <a:rPr lang="de-DE" dirty="0" smtClean="0"/>
-              <a:t>Arbeitsbereich</a:t>
-            </a:r>
-            <a:endParaRPr lang="de-DE" dirty="0"/>
-          </a:p>
-          <a:p>
-            <a:endParaRPr lang="de-DE" dirty="0" smtClean="0"/>
-          </a:p>
-          <a:p>
-            <a:r>
-              <a:rPr lang="de-DE" dirty="0" smtClean="0"/>
-              <a:t>Verantwortlicher für Anforderungsanalyse (Martin) hat Aufgaben verteilt</a:t>
-            </a:r>
-          </a:p>
-          <a:p>
-            <a:pPr lvl="1"/>
-            <a:r>
-              <a:rPr lang="de-DE" dirty="0" smtClean="0"/>
-              <a:t>Ergebnisse wurden zusammengetragen und von Martin ordentlich ausformuliert</a:t>
-            </a:r>
-          </a:p>
-          <a:p>
-            <a:pPr lvl="1"/>
-            <a:r>
-              <a:rPr lang="de-DE" dirty="0"/>
-              <a:t>sonst keine explizite Zusammenarbeit</a:t>
-            </a:r>
-          </a:p>
-          <a:p>
-            <a:pPr lvl="1"/>
-            <a:endParaRPr lang="de-DE" dirty="0"/>
-          </a:p>
-        </p:txBody>
-      </p:sp>
-    </p:spTree>
-    <p:extLst>
-      <p:ext uri="{BB962C8B-B14F-4D97-AF65-F5344CB8AC3E}">
-        <p14:creationId xmlns:p14="http://schemas.microsoft.com/office/powerpoint/2010/main" val="3770484213"/>
-      </p:ext>
-    </p:extLst>
-  </p:cSld>
-  <p:clrMapOvr>
-    <a:masterClrMapping/>
-  </p:clrMapOvr>
-  <mc:AlternateContent xmlns:mc="http://schemas.openxmlformats.org/markup-compatibility/2006" xmlns:p14="http://schemas.microsoft.com/office/powerpoint/2010/main">
-    <mc:Choice Requires="p14">
-      <p:transition p14:dur="250">
-        <p:push dir="u"/>
-      </p:transition>
-    </mc:Choice>
-    <mc:Fallback xmlns="">
-      <p:transition>
-        <p:push dir="u"/>
-      </p:transition>
-    </mc:Fallback>
-  </mc:AlternateContent>
-  <p:timing>
-    <p:tnLst>
-      <p:par>
-        <p:cTn id="1" dur="indefinite" restart="never" nodeType="tmRoot"/>
-      </p:par>
-    </p:tnLst>
-  </p:timing>
-</p:sld>
-</file>
-
-<file path=ppt/slides/slide15.xml><?xml version="1.0" encoding="utf-8"?>
-<p:sld xmlns:a="http://schemas.openxmlformats.org/drawingml/2006/main" xmlns:r="http://schemas.openxmlformats.org/officeDocument/2006/relationships" xmlns:p="http://schemas.openxmlformats.org/presentationml/2006/main">
-  <p:cSld>
-    <p:spTree>
-      <p:nvGrpSpPr>
-        <p:cNvPr id="1" name=""/>
-        <p:cNvGrpSpPr/>
-        <p:nvPr/>
-      </p:nvGrpSpPr>
-      <p:grpSpPr>
-        <a:xfrm>
-          <a:off x="0" y="0"/>
-          <a:ext cx="0" cy="0"/>
-          <a:chOff x="0" y="0"/>
-          <a:chExt cx="0" cy="0"/>
-        </a:xfrm>
-      </p:grpSpPr>
       <p:sp>
         <p:nvSpPr>
           <p:cNvPr id="2" name="Titel 1"/>
@@ -4182,7 +3736,6 @@
               <a:rPr lang="de-DE" dirty="0" smtClean="0"/>
               <a:t>Vorgehensweise</a:t>
             </a:r>
-            <a:endParaRPr lang="de-DE" dirty="0" smtClean="0"/>
           </a:p>
           <a:p>
             <a:pPr marL="342900" lvl="1" indent="-342900"/>
@@ -4315,7 +3868,7 @@
 </p:sld>
 </file>
 
-<file path=ppt/slides/slide16.xml><?xml version="1.0" encoding="utf-8"?>
+<file path=ppt/slides/slide12.xml><?xml version="1.0" encoding="utf-8"?>
 <p:sld xmlns:a="http://schemas.openxmlformats.org/drawingml/2006/main" xmlns:r="http://schemas.openxmlformats.org/officeDocument/2006/relationships" xmlns:p="http://schemas.openxmlformats.org/presentationml/2006/main">
   <p:cSld>
     <p:spTree>
@@ -4513,7 +4066,7 @@
 </p:sld>
 </file>
 
-<file path=ppt/slides/slide17.xml><?xml version="1.0" encoding="utf-8"?>
+<file path=ppt/slides/slide13.xml><?xml version="1.0" encoding="utf-8"?>
 <p:sld xmlns:a="http://schemas.openxmlformats.org/drawingml/2006/main" xmlns:r="http://schemas.openxmlformats.org/officeDocument/2006/relationships" xmlns:p="http://schemas.openxmlformats.org/presentationml/2006/main">
   <p:cSld>
     <p:spTree>
@@ -4691,7 +4244,7 @@
 </p:sld>
 </file>
 
-<file path=ppt/slides/slide18.xml><?xml version="1.0" encoding="utf-8"?>
+<file path=ppt/slides/slide14.xml><?xml version="1.0" encoding="utf-8"?>
 <p:sld xmlns:a="http://schemas.openxmlformats.org/drawingml/2006/main" xmlns:r="http://schemas.openxmlformats.org/officeDocument/2006/relationships" xmlns:p="http://schemas.openxmlformats.org/presentationml/2006/main">
   <p:cSld>
     <p:spTree>
@@ -4720,22 +4273,21 @@
         </p:nvSpPr>
         <p:spPr>
           <a:xfrm>
-            <a:off x="838200" y="0"/>
+            <a:off x="60278" y="0"/>
             <a:ext cx="10515600" cy="1325563"/>
           </a:xfrm>
         </p:spPr>
         <p:txBody>
-          <a:bodyPr/>
-          <a:lstStyle/>
-          <a:p>
-            <a:r>
-              <a:rPr lang="de-DE" dirty="0" smtClean="0"/>
-              <a:t>2.5.  </a:t>
-            </a:r>
-            <a:r>
-              <a:rPr lang="de-DE" dirty="0"/>
-              <a:t>Entwicklerdokumentation</a:t>
-            </a:r>
+          <a:bodyPr>
+            <a:normAutofit/>
+          </a:bodyPr>
+          <a:lstStyle/>
+          <a:p>
+            <a:r>
+              <a:rPr lang="de-DE" sz="4000" dirty="0" smtClean="0"/>
+              <a:t>2.5. Entwicklerdokumentation</a:t>
+            </a:r>
+            <a:endParaRPr lang="de-DE" sz="4000" dirty="0"/>
           </a:p>
         </p:txBody>
       </p:sp>
@@ -4787,64 +4339,65 @@
             </a:r>
           </a:p>
           <a:p>
-            <a:pPr marL="914400" lvl="2" indent="0">
+            <a:pPr lvl="3"/>
+            <a:r>
+              <a:rPr lang="de-DE" dirty="0" smtClean="0"/>
+              <a:t>Typen</a:t>
+            </a:r>
+          </a:p>
+          <a:p>
+            <a:pPr lvl="3"/>
+            <a:r>
+              <a:rPr lang="de-DE" dirty="0" smtClean="0"/>
+              <a:t>Präsentationsschicht (Dozentenprogramm</a:t>
+            </a:r>
+          </a:p>
+          <a:p>
+            <a:pPr marL="1371600" lvl="3" indent="0">
               <a:buNone/>
             </a:pPr>
             <a:r>
               <a:rPr lang="de-DE" dirty="0" smtClean="0"/>
-              <a:t>Typen, Präsentations-</a:t>
-            </a:r>
-          </a:p>
-          <a:p>
-            <a:pPr marL="914400" lvl="2" indent="0">
+              <a:t>    und Studentenprogramm)</a:t>
+            </a:r>
+          </a:p>
+          <a:p>
+            <a:pPr lvl="3"/>
+            <a:r>
+              <a:rPr lang="de-DE" dirty="0" smtClean="0"/>
+              <a:t>Datenbank</a:t>
+            </a:r>
+            <a:endParaRPr lang="de-DE" dirty="0"/>
+          </a:p>
+          <a:p>
+            <a:pPr marL="1200150" lvl="5" indent="-285750"/>
+            <a:r>
+              <a:rPr lang="de-DE" dirty="0" smtClean="0"/>
+              <a:t>Jeweils mit textlicher Beschreibung</a:t>
+            </a:r>
+            <a:endParaRPr lang="de-DE" dirty="0"/>
+          </a:p>
+          <a:p>
+            <a:pPr marL="0" indent="0">
               <a:buNone/>
             </a:pPr>
-            <a:r>
-              <a:rPr lang="de-DE" dirty="0" err="1" smtClean="0"/>
-              <a:t>schicht</a:t>
-            </a:r>
-            <a:r>
-              <a:rPr lang="de-DE" dirty="0" smtClean="0"/>
-              <a:t> und Datenbank</a:t>
-            </a:r>
-          </a:p>
-          <a:p>
-            <a:pPr lvl="3"/>
-            <a:r>
-              <a:rPr lang="de-DE" dirty="0" smtClean="0"/>
-              <a:t>Jeweils </a:t>
-            </a:r>
-          </a:p>
-          <a:p>
-            <a:pPr marL="1371600" lvl="3" indent="0">
+            <a:endParaRPr lang="de-DE" dirty="0" smtClean="0"/>
+          </a:p>
+          <a:p>
+            <a:pPr marL="0" indent="0">
               <a:buNone/>
             </a:pPr>
             <a:r>
-              <a:rPr lang="de-DE" dirty="0" smtClean="0"/>
-              <a:t>mit textlicher </a:t>
-            </a:r>
-          </a:p>
-          <a:p>
-            <a:pPr marL="1371600" lvl="3" indent="0">
-              <a:buNone/>
-            </a:pPr>
-            <a:r>
-              <a:rPr lang="de-DE" dirty="0" smtClean="0"/>
-              <a:t>Beschreibung</a:t>
-            </a:r>
-            <a:endParaRPr lang="de-DE" dirty="0"/>
-          </a:p>
-          <a:p>
-            <a:pPr marL="0" indent="0">
-              <a:buNone/>
-            </a:pPr>
-            <a:endParaRPr lang="de-DE" dirty="0"/>
+              <a:rPr lang="de-DE" sz="2000" dirty="0" smtClean="0"/>
+              <a:t>Hier: logische Aufrufhierarchie der Dialoge</a:t>
+            </a:r>
+            <a:endParaRPr lang="de-DE" sz="2000" dirty="0"/>
           </a:p>
         </p:txBody>
       </p:sp>
       <p:pic>
         <p:nvPicPr>
-          <p:cNvPr id="4" name="Grafik 3"/>
+          <p:cNvPr id="5" name="Grafik 4"/>
           <p:cNvPicPr>
             <a:picLocks noChangeAspect="1"/>
           </p:cNvPicPr>
@@ -4858,8 +4411,8 @@
         </p:blipFill>
         <p:spPr>
           <a:xfrm>
-            <a:off x="5467422" y="945462"/>
-            <a:ext cx="4945820" cy="5782322"/>
+            <a:off x="6572178" y="357133"/>
+            <a:ext cx="5142236" cy="6152849"/>
           </a:xfrm>
           <a:prstGeom prst="rect">
             <a:avLst/>
@@ -4898,7 +4451,7 @@
 </p:sld>
 </file>
 
-<file path=ppt/slides/slide19.xml><?xml version="1.0" encoding="utf-8"?>
+<file path=ppt/slides/slide15.xml><?xml version="1.0" encoding="utf-8"?>
 <p:sld xmlns:a="http://schemas.openxmlformats.org/drawingml/2006/main" xmlns:r="http://schemas.openxmlformats.org/officeDocument/2006/relationships" xmlns:p="http://schemas.openxmlformats.org/presentationml/2006/main">
   <p:cSld>
     <p:spTree>
@@ -5098,9 +4651,17 @@
 </p:sld>
 </file>
 
-<file path=ppt/slides/slide2.xml><?xml version="1.0" encoding="utf-8"?>
+<file path=ppt/slides/slide16.xml><?xml version="1.0" encoding="utf-8"?>
 <p:sld xmlns:a="http://schemas.openxmlformats.org/drawingml/2006/main" xmlns:r="http://schemas.openxmlformats.org/officeDocument/2006/relationships" xmlns:p="http://schemas.openxmlformats.org/presentationml/2006/main">
   <p:cSld>
+    <p:bg>
+      <p:bgPr>
+        <a:solidFill>
+          <a:schemeClr val="bg1"/>
+        </a:solidFill>
+        <a:effectLst/>
+      </p:bgPr>
+    </p:bg>
     <p:spTree>
       <p:nvGrpSpPr>
         <p:cNvPr id="1" name=""/>
@@ -5132,238 +4693,6 @@
           <a:p>
             <a:r>
               <a:rPr lang="de-DE" dirty="0" smtClean="0"/>
-              <a:t>Contents</a:t>
-            </a:r>
-            <a:endParaRPr lang="de-DE" dirty="0"/>
-          </a:p>
-        </p:txBody>
-      </p:sp>
-      <p:sp>
-        <p:nvSpPr>
-          <p:cNvPr id="3" name="Inhaltsplatzhalter 2"/>
-          <p:cNvSpPr>
-            <a:spLocks noGrp="1"/>
-          </p:cNvSpPr>
-          <p:nvPr>
-            <p:ph idx="1"/>
-          </p:nvPr>
-        </p:nvSpPr>
-        <p:spPr>
-          <a:xfrm>
-            <a:off x="838200" y="1690687"/>
-            <a:ext cx="10515600" cy="4486275"/>
-          </a:xfrm>
-        </p:spPr>
-        <p:txBody>
-          <a:bodyPr>
-            <a:normAutofit fontScale="85000" lnSpcReduction="20000"/>
-          </a:bodyPr>
-          <a:lstStyle/>
-          <a:p>
-            <a:pPr marL="514350" indent="-514350">
-              <a:buFont typeface="+mj-lt"/>
-              <a:buAutoNum type="arabicPeriod"/>
-            </a:pPr>
-            <a:r>
-              <a:rPr lang="de-DE" dirty="0" smtClean="0"/>
-              <a:t>Theoretische Einordnung</a:t>
-            </a:r>
-          </a:p>
-          <a:p>
-            <a:pPr marL="514350" indent="-514350">
-              <a:buFont typeface="+mj-lt"/>
-              <a:buAutoNum type="arabicPeriod"/>
-            </a:pPr>
-            <a:r>
-              <a:rPr lang="de-DE" dirty="0" smtClean="0"/>
-              <a:t>Dokumentation in unserem Projekt</a:t>
-            </a:r>
-          </a:p>
-          <a:p>
-            <a:pPr marL="0" indent="0">
-              <a:buNone/>
-            </a:pPr>
-            <a:r>
-              <a:rPr lang="de-DE" dirty="0"/>
-              <a:t>	</a:t>
-            </a:r>
-            <a:r>
-              <a:rPr lang="de-DE" dirty="0" smtClean="0"/>
-              <a:t>2.1. Verwendetes Werkzeug</a:t>
-            </a:r>
-          </a:p>
-          <a:p>
-            <a:pPr marL="0" indent="0">
-              <a:buNone/>
-            </a:pPr>
-            <a:r>
-              <a:rPr lang="de-DE" dirty="0"/>
-              <a:t>	</a:t>
-            </a:r>
-            <a:r>
-              <a:rPr lang="de-DE" dirty="0" smtClean="0"/>
-              <a:t>2.2. Protokollieren</a:t>
-            </a:r>
-            <a:r>
-              <a:rPr lang="de-DE" dirty="0"/>
-              <a:t> </a:t>
-            </a:r>
-            <a:r>
-              <a:rPr lang="de-DE" dirty="0" smtClean="0"/>
-              <a:t>der Teambesprechungen</a:t>
-            </a:r>
-          </a:p>
-          <a:p>
-            <a:pPr marL="0" indent="0">
-              <a:buNone/>
-            </a:pPr>
-            <a:r>
-              <a:rPr lang="de-DE" dirty="0"/>
-              <a:t>	</a:t>
-            </a:r>
-            <a:r>
-              <a:rPr lang="de-DE" dirty="0" smtClean="0"/>
-              <a:t>2.3. Projektdokumentation</a:t>
-            </a:r>
-          </a:p>
-          <a:p>
-            <a:pPr marL="0" indent="0">
-              <a:buNone/>
-            </a:pPr>
-            <a:r>
-              <a:rPr lang="de-DE" dirty="0" smtClean="0"/>
-              <a:t>	2.4. Pflichtenheft</a:t>
-            </a:r>
-          </a:p>
-          <a:p>
-            <a:pPr marL="0" indent="0">
-              <a:buNone/>
-            </a:pPr>
-            <a:r>
-              <a:rPr lang="de-DE" dirty="0"/>
-              <a:t>	</a:t>
-            </a:r>
-            <a:r>
-              <a:rPr lang="de-DE" dirty="0" smtClean="0"/>
-              <a:t>2.5. Entwicklerdokumentation</a:t>
-            </a:r>
-          </a:p>
-          <a:p>
-            <a:pPr marL="0" indent="0">
-              <a:buNone/>
-            </a:pPr>
-            <a:r>
-              <a:rPr lang="de-DE" dirty="0"/>
-              <a:t>	</a:t>
-            </a:r>
-            <a:r>
-              <a:rPr lang="de-DE" dirty="0" smtClean="0"/>
-              <a:t>2.6. Benutzerdokumentation</a:t>
-            </a:r>
-          </a:p>
-          <a:p>
-            <a:pPr marL="0" indent="0">
-              <a:buNone/>
-            </a:pPr>
-            <a:r>
-              <a:rPr lang="de-DE" dirty="0"/>
-              <a:t>	</a:t>
-            </a:r>
-            <a:r>
-              <a:rPr lang="de-DE" dirty="0" smtClean="0"/>
-              <a:t>2.7. Testdokumentation</a:t>
-            </a:r>
-          </a:p>
-          <a:p>
-            <a:pPr marL="0" indent="0">
-              <a:buNone/>
-            </a:pPr>
-            <a:r>
-              <a:rPr lang="de-DE" dirty="0"/>
-              <a:t>	</a:t>
-            </a:r>
-            <a:r>
-              <a:rPr lang="de-DE" dirty="0" smtClean="0"/>
-              <a:t>2.8. Reflexion (Dokumentation)</a:t>
-            </a:r>
-          </a:p>
-          <a:p>
-            <a:pPr marL="514350" indent="-514350">
-              <a:buAutoNum type="arabicPeriod" startAt="3"/>
-            </a:pPr>
-            <a:r>
-              <a:rPr lang="de-DE" dirty="0" smtClean="0"/>
-              <a:t>Gesamteinschätzung</a:t>
-            </a:r>
-          </a:p>
-        </p:txBody>
-      </p:sp>
-    </p:spTree>
-    <p:extLst>
-      <p:ext uri="{BB962C8B-B14F-4D97-AF65-F5344CB8AC3E}">
-        <p14:creationId xmlns:p14="http://schemas.microsoft.com/office/powerpoint/2010/main" val="708083133"/>
-      </p:ext>
-    </p:extLst>
-  </p:cSld>
-  <p:clrMapOvr>
-    <a:masterClrMapping/>
-  </p:clrMapOvr>
-  <mc:AlternateContent xmlns:mc="http://schemas.openxmlformats.org/markup-compatibility/2006" xmlns:p14="http://schemas.microsoft.com/office/powerpoint/2010/main">
-    <mc:Choice Requires="p14">
-      <p:transition p14:dur="250">
-        <p:push dir="u"/>
-      </p:transition>
-    </mc:Choice>
-    <mc:Fallback xmlns="">
-      <p:transition>
-        <p:push dir="u"/>
-      </p:transition>
-    </mc:Fallback>
-  </mc:AlternateContent>
-  <p:timing>
-    <p:tnLst>
-      <p:par>
-        <p:cTn id="1" dur="indefinite" restart="never" nodeType="tmRoot"/>
-      </p:par>
-    </p:tnLst>
-  </p:timing>
-</p:sld>
-</file>
-
-<file path=ppt/slides/slide20.xml><?xml version="1.0" encoding="utf-8"?>
-<p:sld xmlns:a="http://schemas.openxmlformats.org/drawingml/2006/main" xmlns:r="http://schemas.openxmlformats.org/officeDocument/2006/relationships" xmlns:p="http://schemas.openxmlformats.org/presentationml/2006/main">
-  <p:cSld>
-    <p:spTree>
-      <p:nvGrpSpPr>
-        <p:cNvPr id="1" name=""/>
-        <p:cNvGrpSpPr/>
-        <p:nvPr/>
-      </p:nvGrpSpPr>
-      <p:grpSpPr>
-        <a:xfrm>
-          <a:off x="0" y="0"/>
-          <a:ext cx="0" cy="0"/>
-          <a:chOff x="0" y="0"/>
-          <a:chExt cx="0" cy="0"/>
-        </a:xfrm>
-      </p:grpSpPr>
-      <p:sp>
-        <p:nvSpPr>
-          <p:cNvPr id="2" name="Titel 1"/>
-          <p:cNvSpPr>
-            <a:spLocks noGrp="1"/>
-          </p:cNvSpPr>
-          <p:nvPr>
-            <p:ph type="title"/>
-          </p:nvPr>
-        </p:nvSpPr>
-        <p:spPr/>
-        <p:txBody>
-          <a:bodyPr/>
-          <a:lstStyle/>
-          <a:p>
-            <a:r>
-              <a:rPr lang="de-DE" dirty="0" smtClean="0"/>
               <a:t>2.5.  </a:t>
             </a:r>
             <a:r>
@@ -5409,11 +4738,7 @@
             </a:pPr>
             <a:r>
               <a:rPr lang="de-DE" sz="2400" dirty="0" smtClean="0"/>
-              <a:t>umfangreichstes </a:t>
-            </a:r>
-            <a:r>
-              <a:rPr lang="de-DE" sz="2400" dirty="0" smtClean="0"/>
-              <a:t>Dokument</a:t>
+              <a:t>umfangreichstes Dokument</a:t>
             </a:r>
           </a:p>
           <a:p>
@@ -5471,37 +4796,18 @@
             <a:pPr marL="800100" lvl="6" indent="-342900"/>
             <a:r>
               <a:rPr lang="de-DE" sz="2000" dirty="0" smtClean="0"/>
-              <a:t>Programmierer </a:t>
-            </a:r>
-            <a:r>
-              <a:rPr lang="de-DE" sz="2000" dirty="0" smtClean="0"/>
-              <a:t>mehr bei Kommentierung überwachen</a:t>
+              <a:t>Programmierer mehr bei Kommentierung überwachen</a:t>
             </a:r>
           </a:p>
           <a:p>
             <a:pPr marL="1257300" lvl="7" indent="-342900"/>
             <a:r>
               <a:rPr lang="de-DE" sz="1900" dirty="0" smtClean="0"/>
-              <a:t>arbeiteten </a:t>
-            </a:r>
-            <a:r>
-              <a:rPr lang="de-DE" sz="1900" dirty="0"/>
-              <a:t>sehr schnell und zu (für mich) ungünstigen </a:t>
+              <a:t>aus </a:t>
             </a:r>
             <a:r>
               <a:rPr lang="de-DE" sz="1900" dirty="0" smtClean="0"/>
-              <a:t>Arbeitszeiten</a:t>
-            </a:r>
-          </a:p>
-          <a:p>
-            <a:pPr marL="1257300" lvl="7" indent="-342900"/>
-            <a:r>
-              <a:rPr lang="de-DE" sz="1900" dirty="0"/>
-              <a:t>a</a:t>
-            </a:r>
-            <a:r>
-              <a:rPr lang="de-DE" sz="1900" dirty="0" smtClean="0"/>
-              <a:t>us ihrer Sicht genügend Kommentare</a:t>
+              <a:t>ihrer Sicht genügend Kommentare</a:t>
             </a:r>
             <a:endParaRPr lang="de-DE" sz="1900" dirty="0"/>
           </a:p>
@@ -5511,6 +4817,37 @@
           </a:p>
         </p:txBody>
       </p:sp>
+      <p:pic>
+        <p:nvPicPr>
+          <p:cNvPr id="5" name="Grafik 4"/>
+          <p:cNvPicPr>
+            <a:picLocks noChangeAspect="1"/>
+          </p:cNvPicPr>
+          <p:nvPr/>
+        </p:nvPicPr>
+        <p:blipFill>
+          <a:blip r:embed="rId2"/>
+          <a:stretch>
+            <a:fillRect/>
+          </a:stretch>
+        </p:blipFill>
+        <p:spPr>
+          <a:xfrm>
+            <a:off x="8211758" y="3340858"/>
+            <a:ext cx="3315784" cy="2836105"/>
+          </a:xfrm>
+          <a:prstGeom prst="rect">
+            <a:avLst/>
+          </a:prstGeom>
+          <a:effectLst>
+            <a:outerShdw blurRad="50800" dir="16200000" sx="102000" sy="102000" rotWithShape="0">
+              <a:schemeClr val="tx1">
+                <a:alpha val="40000"/>
+              </a:schemeClr>
+            </a:outerShdw>
+          </a:effectLst>
+        </p:spPr>
+      </p:pic>
     </p:spTree>
     <p:extLst>
       <p:ext uri="{BB962C8B-B14F-4D97-AF65-F5344CB8AC3E}">
@@ -5543,7 +4880,7 @@
 </p:sld>
 </file>
 
-<file path=ppt/slides/slide21.xml><?xml version="1.0" encoding="utf-8"?>
+<file path=ppt/slides/slide17.xml><?xml version="1.0" encoding="utf-8"?>
 <p:sld xmlns:a="http://schemas.openxmlformats.org/drawingml/2006/main" xmlns:r="http://schemas.openxmlformats.org/officeDocument/2006/relationships" xmlns:p="http://schemas.openxmlformats.org/presentationml/2006/main">
   <p:cSld>
     <p:spTree>
@@ -5670,7 +5007,7 @@
 </p:sld>
 </file>
 
-<file path=ppt/slides/slide22.xml><?xml version="1.0" encoding="utf-8"?>
+<file path=ppt/slides/slide18.xml><?xml version="1.0" encoding="utf-8"?>
 <p:sld xmlns:a="http://schemas.openxmlformats.org/drawingml/2006/main" xmlns:r="http://schemas.openxmlformats.org/officeDocument/2006/relationships" xmlns:p="http://schemas.openxmlformats.org/presentationml/2006/main">
   <p:cSld>
     <p:spTree>
@@ -5789,11 +5126,7 @@
             </a:r>
             <a:r>
               <a:rPr lang="de-DE" dirty="0" smtClean="0"/>
-              <a:t>    </a:t>
-            </a:r>
-            <a:r>
-              <a:rPr lang="de-DE" dirty="0" smtClean="0"/>
-              <a:t>Daten</a:t>
+              <a:t>    Daten</a:t>
             </a:r>
             <a:endParaRPr lang="de-DE" dirty="0"/>
           </a:p>
@@ -5914,7 +5247,7 @@
 </p:sld>
 </file>
 
-<file path=ppt/slides/slide23.xml><?xml version="1.0" encoding="utf-8"?>
+<file path=ppt/slides/slide19.xml><?xml version="1.0" encoding="utf-8"?>
 <p:sld xmlns:a="http://schemas.openxmlformats.org/drawingml/2006/main" xmlns:r="http://schemas.openxmlformats.org/officeDocument/2006/relationships" xmlns:p="http://schemas.openxmlformats.org/presentationml/2006/main">
   <p:cSld>
     <p:spTree>
@@ -5982,36 +5315,22 @@
             <a:pPr lvl="1"/>
             <a:r>
               <a:rPr lang="de-DE" dirty="0" smtClean="0"/>
-              <a:t>Tester hat selbstständig gearbeitet</a:t>
+              <a:t>Template vorbereitet</a:t>
             </a:r>
           </a:p>
           <a:p>
             <a:pPr lvl="1"/>
             <a:r>
               <a:rPr lang="de-DE" dirty="0" smtClean="0"/>
+              <a:t>ansonsten hat Tester hat selbstständig gearbeitet</a:t>
+            </a:r>
+          </a:p>
+          <a:p>
+            <a:pPr lvl="1"/>
+            <a:r>
+              <a:rPr lang="de-DE" dirty="0" smtClean="0"/>
               <a:t>ich hatte keine Verbesserungsvorschläge</a:t>
             </a:r>
-          </a:p>
-          <a:p>
-            <a:pPr marL="0" lvl="1" indent="0">
-              <a:buNone/>
-            </a:pPr>
-            <a:endParaRPr lang="de-DE" dirty="0" smtClean="0"/>
-          </a:p>
-          <a:p>
-            <a:pPr marL="342900" lvl="1" indent="-342900"/>
-            <a:r>
-              <a:rPr lang="de-DE" sz="2800" dirty="0" smtClean="0"/>
-              <a:t>Kritik (an mich):</a:t>
-            </a:r>
-          </a:p>
-          <a:p>
-            <a:pPr marL="800100" lvl="2" indent="-342900"/>
-            <a:r>
-              <a:rPr lang="de-DE" sz="2400" dirty="0" smtClean="0"/>
-              <a:t>Testdaten wurden nicht dokumentiert</a:t>
-            </a:r>
-            <a:endParaRPr lang="de-DE" sz="2400" dirty="0"/>
           </a:p>
         </p:txBody>
       </p:sp>
@@ -6047,7 +5366,7 @@
 </p:sld>
 </file>
 
-<file path=ppt/slides/slide24.xml><?xml version="1.0" encoding="utf-8"?>
+<file path=ppt/slides/slide2.xml><?xml version="1.0" encoding="utf-8"?>
 <p:sld xmlns:a="http://schemas.openxmlformats.org/drawingml/2006/main" xmlns:r="http://schemas.openxmlformats.org/officeDocument/2006/relationships" xmlns:p="http://schemas.openxmlformats.org/presentationml/2006/main">
   <p:cSld>
     <p:spTree>
@@ -6081,6 +5400,251 @@
           <a:p>
             <a:r>
               <a:rPr lang="de-DE" dirty="0" smtClean="0"/>
+              <a:t>Contents</a:t>
+            </a:r>
+            <a:endParaRPr lang="de-DE" dirty="0"/>
+          </a:p>
+        </p:txBody>
+      </p:sp>
+      <p:sp>
+        <p:nvSpPr>
+          <p:cNvPr id="3" name="Inhaltsplatzhalter 2"/>
+          <p:cNvSpPr>
+            <a:spLocks noGrp="1"/>
+          </p:cNvSpPr>
+          <p:nvPr>
+            <p:ph idx="1"/>
+          </p:nvPr>
+        </p:nvSpPr>
+        <p:spPr>
+          <a:xfrm>
+            <a:off x="838200" y="1690687"/>
+            <a:ext cx="10515600" cy="4486275"/>
+          </a:xfrm>
+        </p:spPr>
+        <p:txBody>
+          <a:bodyPr>
+            <a:normAutofit fontScale="92500" lnSpcReduction="20000"/>
+          </a:bodyPr>
+          <a:lstStyle/>
+          <a:p>
+            <a:pPr marL="514350" indent="-514350">
+              <a:buFont typeface="+mj-lt"/>
+              <a:buAutoNum type="arabicPeriod"/>
+            </a:pPr>
+            <a:r>
+              <a:rPr lang="de-DE" dirty="0" smtClean="0"/>
+              <a:t>Theoretische Einordnung</a:t>
+            </a:r>
+          </a:p>
+          <a:p>
+            <a:pPr marL="514350" indent="-514350">
+              <a:buFont typeface="+mj-lt"/>
+              <a:buAutoNum type="arabicPeriod"/>
+            </a:pPr>
+            <a:r>
+              <a:rPr lang="de-DE" dirty="0" smtClean="0"/>
+              <a:t>Dokumentation in unserem </a:t>
+            </a:r>
+            <a:r>
+              <a:rPr lang="de-DE" dirty="0" smtClean="0"/>
+              <a:t>Projekt</a:t>
+            </a:r>
+          </a:p>
+          <a:p>
+            <a:pPr marL="457200" lvl="1" indent="0">
+              <a:buNone/>
+            </a:pPr>
+            <a:r>
+              <a:rPr lang="de-DE" dirty="0"/>
+              <a:t>	</a:t>
+            </a:r>
+            <a:r>
+              <a:rPr lang="de-DE" sz="2800" dirty="0" smtClean="0"/>
+              <a:t>2.1. Meine Aufgabe</a:t>
+            </a:r>
+            <a:endParaRPr lang="de-DE" sz="2800" dirty="0" smtClean="0"/>
+          </a:p>
+          <a:p>
+            <a:pPr marL="0" indent="0">
+              <a:buNone/>
+            </a:pPr>
+            <a:r>
+              <a:rPr lang="de-DE" dirty="0"/>
+              <a:t>	</a:t>
+            </a:r>
+            <a:r>
+              <a:rPr lang="de-DE" dirty="0" smtClean="0"/>
+              <a:t>2.2. </a:t>
+            </a:r>
+            <a:r>
+              <a:rPr lang="de-DE" dirty="0" smtClean="0"/>
+              <a:t>Verwendetes Werkzeug</a:t>
+            </a:r>
+          </a:p>
+          <a:p>
+            <a:pPr marL="0" indent="0">
+              <a:buNone/>
+            </a:pPr>
+            <a:r>
+              <a:rPr lang="de-DE" dirty="0"/>
+              <a:t>	</a:t>
+            </a:r>
+            <a:r>
+              <a:rPr lang="de-DE" dirty="0" smtClean="0"/>
+              <a:t>2.3. </a:t>
+            </a:r>
+            <a:r>
+              <a:rPr lang="de-DE" dirty="0" smtClean="0"/>
+              <a:t>Protokollieren</a:t>
+            </a:r>
+            <a:r>
+              <a:rPr lang="de-DE" dirty="0"/>
+              <a:t> </a:t>
+            </a:r>
+            <a:r>
+              <a:rPr lang="de-DE" dirty="0" smtClean="0"/>
+              <a:t>der Teambesprechungen</a:t>
+            </a:r>
+          </a:p>
+          <a:p>
+            <a:pPr marL="0" indent="0">
+              <a:buNone/>
+            </a:pPr>
+            <a:r>
+              <a:rPr lang="de-DE" dirty="0" smtClean="0"/>
+              <a:t>	2.4. Pflichtenheft</a:t>
+            </a:r>
+          </a:p>
+          <a:p>
+            <a:pPr marL="0" indent="0">
+              <a:buNone/>
+            </a:pPr>
+            <a:r>
+              <a:rPr lang="de-DE" dirty="0"/>
+              <a:t>	</a:t>
+            </a:r>
+            <a:r>
+              <a:rPr lang="de-DE" dirty="0" smtClean="0"/>
+              <a:t>2.5. Entwicklerdokumentation</a:t>
+            </a:r>
+          </a:p>
+          <a:p>
+            <a:pPr marL="0" indent="0">
+              <a:buNone/>
+            </a:pPr>
+            <a:r>
+              <a:rPr lang="de-DE" dirty="0"/>
+              <a:t>	</a:t>
+            </a:r>
+            <a:r>
+              <a:rPr lang="de-DE" dirty="0" smtClean="0"/>
+              <a:t>2.6. Benutzerdokumentation</a:t>
+            </a:r>
+          </a:p>
+          <a:p>
+            <a:pPr marL="0" indent="0">
+              <a:buNone/>
+            </a:pPr>
+            <a:r>
+              <a:rPr lang="de-DE" dirty="0"/>
+              <a:t>	</a:t>
+            </a:r>
+            <a:r>
+              <a:rPr lang="de-DE" dirty="0" smtClean="0"/>
+              <a:t>2.7. Testdokumentation</a:t>
+            </a:r>
+          </a:p>
+          <a:p>
+            <a:pPr marL="0" indent="0">
+              <a:buNone/>
+            </a:pPr>
+            <a:r>
+              <a:rPr lang="de-DE" dirty="0"/>
+              <a:t>	</a:t>
+            </a:r>
+            <a:r>
+              <a:rPr lang="de-DE" dirty="0" smtClean="0"/>
+              <a:t>2.8. Reflexion (Dokumentation)</a:t>
+            </a:r>
+          </a:p>
+          <a:p>
+            <a:pPr marL="514350" indent="-514350">
+              <a:buAutoNum type="arabicPeriod" startAt="3"/>
+            </a:pPr>
+            <a:r>
+              <a:rPr lang="de-DE" dirty="0" smtClean="0"/>
+              <a:t>Gesamteinschätzung</a:t>
+            </a:r>
+          </a:p>
+        </p:txBody>
+      </p:sp>
+    </p:spTree>
+    <p:extLst>
+      <p:ext uri="{BB962C8B-B14F-4D97-AF65-F5344CB8AC3E}">
+        <p14:creationId xmlns:p14="http://schemas.microsoft.com/office/powerpoint/2010/main" val="708083133"/>
+      </p:ext>
+    </p:extLst>
+  </p:cSld>
+  <p:clrMapOvr>
+    <a:masterClrMapping/>
+  </p:clrMapOvr>
+  <mc:AlternateContent xmlns:mc="http://schemas.openxmlformats.org/markup-compatibility/2006" xmlns:p14="http://schemas.microsoft.com/office/powerpoint/2010/main">
+    <mc:Choice Requires="p14">
+      <p:transition p14:dur="250">
+        <p:push dir="u"/>
+      </p:transition>
+    </mc:Choice>
+    <mc:Fallback xmlns="">
+      <p:transition>
+        <p:push dir="u"/>
+      </p:transition>
+    </mc:Fallback>
+  </mc:AlternateContent>
+  <p:timing>
+    <p:tnLst>
+      <p:par>
+        <p:cTn id="1" dur="indefinite" restart="never" nodeType="tmRoot"/>
+      </p:par>
+    </p:tnLst>
+  </p:timing>
+</p:sld>
+</file>
+
+<file path=ppt/slides/slide20.xml><?xml version="1.0" encoding="utf-8"?>
+<p:sld xmlns:a="http://schemas.openxmlformats.org/drawingml/2006/main" xmlns:r="http://schemas.openxmlformats.org/officeDocument/2006/relationships" xmlns:p="http://schemas.openxmlformats.org/presentationml/2006/main">
+  <p:cSld>
+    <p:spTree>
+      <p:nvGrpSpPr>
+        <p:cNvPr id="1" name=""/>
+        <p:cNvGrpSpPr/>
+        <p:nvPr/>
+      </p:nvGrpSpPr>
+      <p:grpSpPr>
+        <a:xfrm>
+          <a:off x="0" y="0"/>
+          <a:ext cx="0" cy="0"/>
+          <a:chOff x="0" y="0"/>
+          <a:chExt cx="0" cy="0"/>
+        </a:xfrm>
+      </p:grpSpPr>
+      <p:sp>
+        <p:nvSpPr>
+          <p:cNvPr id="2" name="Titel 1"/>
+          <p:cNvSpPr>
+            <a:spLocks noGrp="1"/>
+          </p:cNvSpPr>
+          <p:nvPr>
+            <p:ph type="title"/>
+          </p:nvPr>
+        </p:nvSpPr>
+        <p:spPr/>
+        <p:txBody>
+          <a:bodyPr/>
+          <a:lstStyle/>
+          <a:p>
+            <a:r>
+              <a:rPr lang="de-DE" dirty="0" smtClean="0"/>
               <a:t>2.8.  Reflexion (Dokumentation)</a:t>
             </a:r>
             <a:endParaRPr lang="de-DE" dirty="0"/>
@@ -6108,7 +5672,6 @@
               <a:rPr lang="de-DE" dirty="0" smtClean="0"/>
               <a:t>Dokumentation wieder in Latex</a:t>
             </a:r>
-            <a:endParaRPr lang="de-DE" dirty="0" smtClean="0"/>
           </a:p>
           <a:p>
             <a:r>
@@ -6124,16 +5687,14 @@
             </a:r>
             <a:r>
               <a:rPr lang="de-DE" dirty="0" smtClean="0"/>
-              <a:t>ber: Quellcodekommentierung besser durchsetzen</a:t>
-            </a:r>
-            <a:endParaRPr lang="de-DE" dirty="0" smtClean="0"/>
+              <a:t>ber: Zusammenarbeit mit den anderen Verantwortlichen von Beginn an!</a:t>
+            </a:r>
           </a:p>
           <a:p>
             <a:r>
               <a:rPr lang="de-DE" dirty="0" smtClean="0"/>
               <a:t>Teilweise zu wenig Verantwortung übernommen (Pflichtenheft, Testdokumentation)</a:t>
             </a:r>
-            <a:endParaRPr lang="de-DE" dirty="0" smtClean="0"/>
           </a:p>
         </p:txBody>
       </p:sp>
@@ -6169,7 +5730,7 @@
 </p:sld>
 </file>
 
-<file path=ppt/slides/slide25.xml><?xml version="1.0" encoding="utf-8"?>
+<file path=ppt/slides/slide21.xml><?xml version="1.0" encoding="utf-8"?>
 <p:sld xmlns:a="http://schemas.openxmlformats.org/drawingml/2006/main" xmlns:r="http://schemas.openxmlformats.org/officeDocument/2006/relationships" xmlns:p="http://schemas.openxmlformats.org/presentationml/2006/main">
   <p:cSld>
     <p:spTree>
@@ -6203,11 +5764,7 @@
           <a:p>
             <a:r>
               <a:rPr lang="de-DE" dirty="0" smtClean="0"/>
-              <a:t>3. </a:t>
-            </a:r>
-            <a:r>
-              <a:rPr lang="de-DE" dirty="0" smtClean="0"/>
-              <a:t>Gesamteinschätzung (Projekt)</a:t>
+              <a:t>3. Gesamteinschätzung (Projekt)</a:t>
             </a:r>
             <a:endParaRPr lang="de-DE" dirty="0"/>
           </a:p>
@@ -6565,8 +6122,13 @@
             </a:pPr>
             <a:r>
               <a:rPr lang="de-DE" dirty="0"/>
-              <a:t>Welche Bedeutung hat die Dokumentation für ein Software-Projekt?</a:t>
-            </a:r>
+              <a:t>Welche Bedeutung hat die Dokumentation für ein </a:t>
+            </a:r>
+            <a:r>
+              <a:rPr lang="de-DE" dirty="0" smtClean="0"/>
+              <a:t>Software-Projekt und welchen Umfang sollte sie haben?</a:t>
+            </a:r>
+            <a:endParaRPr lang="de-DE" dirty="0"/>
           </a:p>
           <a:p>
             <a:pPr marL="0" indent="0">
@@ -6748,8 +6310,13 @@
           <a:p>
             <a:r>
               <a:rPr lang="de-DE" dirty="0"/>
-              <a:t>1.  Theoretische Einordnung</a:t>
-            </a:r>
+              <a:t>1. </a:t>
+            </a:r>
+            <a:r>
+              <a:rPr lang="de-DE" dirty="0" smtClean="0"/>
+              <a:t> Theoretische Einordnung</a:t>
+            </a:r>
+            <a:endParaRPr lang="de-DE" dirty="0"/>
           </a:p>
         </p:txBody>
       </p:sp>
@@ -6959,7 +6526,19 @@
           <a:p>
             <a:r>
               <a:rPr lang="de-DE" dirty="0" smtClean="0"/>
-              <a:t>1.  Theoretische Einordnung</a:t>
+              <a:t>2</a:t>
+            </a:r>
+            <a:r>
+              <a:rPr lang="de-DE" dirty="0" smtClean="0"/>
+              <a:t>.  </a:t>
+            </a:r>
+            <a:r>
+              <a:rPr lang="de-DE" dirty="0" smtClean="0"/>
+              <a:t>Dokumentation </a:t>
+            </a:r>
+            <a:r>
+              <a:rPr lang="de-DE" dirty="0"/>
+              <a:t>in unserem Projekt</a:t>
             </a:r>
             <a:endParaRPr lang="de-DE" dirty="0"/>
           </a:p>
@@ -6982,7 +6561,11 @@
           <a:p>
             <a:r>
               <a:rPr lang="de-DE" dirty="0" smtClean="0"/>
-              <a:t>Was war also meine Aufgabe?</a:t>
+              <a:t>  Was </a:t>
+            </a:r>
+            <a:r>
+              <a:rPr lang="de-DE" dirty="0" smtClean="0"/>
+              <a:t>war also meine Aufgabe?</a:t>
             </a:r>
           </a:p>
           <a:p>
@@ -7010,8 +6593,46 @@
             <a:pPr lvl="2"/>
             <a:r>
               <a:rPr lang="de-DE" dirty="0" smtClean="0"/>
-              <a:t>Bezug auf Zielgruppen</a:t>
-            </a:r>
+              <a:t>Bezug auf </a:t>
+            </a:r>
+            <a:r>
+              <a:rPr lang="de-DE" dirty="0" smtClean="0"/>
+              <a:t>Zielgruppen</a:t>
+            </a:r>
+            <a:endParaRPr lang="de-DE" dirty="0"/>
+          </a:p>
+          <a:p>
+            <a:pPr marL="0" lvl="2" indent="0">
+              <a:buNone/>
+            </a:pPr>
+            <a:endParaRPr lang="de-DE" dirty="0" smtClean="0"/>
+          </a:p>
+          <a:p>
+            <a:pPr marL="457200" lvl="2" indent="-457200"/>
+            <a:r>
+              <a:rPr lang="de-DE" sz="2800" dirty="0" smtClean="0"/>
+              <a:t>Zusätzlich:</a:t>
+            </a:r>
+            <a:endParaRPr lang="de-DE" sz="2400" dirty="0"/>
+          </a:p>
+          <a:p>
+            <a:pPr marL="914400" lvl="3" indent="-457200"/>
+            <a:r>
+              <a:rPr lang="de-DE" sz="2200" dirty="0" smtClean="0"/>
+              <a:t>Protokollierung der Gruppensitzungen</a:t>
+            </a:r>
+          </a:p>
+          <a:p>
+            <a:pPr marL="914400" lvl="3" indent="-457200"/>
+            <a:r>
+              <a:rPr lang="de-DE" sz="2200" dirty="0" smtClean="0"/>
+              <a:t>Verfassung einer </a:t>
+            </a:r>
+            <a:r>
+              <a:rPr lang="de-DE" sz="2200" dirty="0" err="1" smtClean="0"/>
+              <a:t>projektdokumentation</a:t>
+            </a:r>
+            <a:endParaRPr lang="de-DE" sz="2200" dirty="0"/>
           </a:p>
         </p:txBody>
       </p:sp>
@@ -7048,130 +6669,6 @@
 </file>
 
 <file path=ppt/slides/slide7.xml><?xml version="1.0" encoding="utf-8"?>
-<p:sld xmlns:a="http://schemas.openxmlformats.org/drawingml/2006/main" xmlns:r="http://schemas.openxmlformats.org/officeDocument/2006/relationships" xmlns:p="http://schemas.openxmlformats.org/presentationml/2006/main">
-  <p:cSld>
-    <p:spTree>
-      <p:nvGrpSpPr>
-        <p:cNvPr id="1" name=""/>
-        <p:cNvGrpSpPr/>
-        <p:nvPr/>
-      </p:nvGrpSpPr>
-      <p:grpSpPr>
-        <a:xfrm>
-          <a:off x="0" y="0"/>
-          <a:ext cx="0" cy="0"/>
-          <a:chOff x="0" y="0"/>
-          <a:chExt cx="0" cy="0"/>
-        </a:xfrm>
-      </p:grpSpPr>
-      <p:sp>
-        <p:nvSpPr>
-          <p:cNvPr id="2" name="Titel 1"/>
-          <p:cNvSpPr>
-            <a:spLocks noGrp="1"/>
-          </p:cNvSpPr>
-          <p:nvPr>
-            <p:ph type="title"/>
-          </p:nvPr>
-        </p:nvSpPr>
-        <p:spPr/>
-        <p:txBody>
-          <a:bodyPr/>
-          <a:lstStyle/>
-          <a:p>
-            <a:r>
-              <a:rPr lang="de-DE" dirty="0" smtClean="0"/>
-              <a:t>2.  Dokumentation </a:t>
-            </a:r>
-            <a:r>
-              <a:rPr lang="de-DE" dirty="0"/>
-              <a:t>in unserem </a:t>
-            </a:r>
-            <a:r>
-              <a:rPr lang="de-DE" dirty="0" smtClean="0"/>
-              <a:t>Projekt</a:t>
-            </a:r>
-            <a:endParaRPr lang="de-DE" dirty="0"/>
-          </a:p>
-        </p:txBody>
-      </p:sp>
-      <p:sp>
-        <p:nvSpPr>
-          <p:cNvPr id="3" name="Inhaltsplatzhalter 2"/>
-          <p:cNvSpPr>
-            <a:spLocks noGrp="1"/>
-          </p:cNvSpPr>
-          <p:nvPr>
-            <p:ph idx="1"/>
-          </p:nvPr>
-        </p:nvSpPr>
-        <p:spPr/>
-        <p:txBody>
-          <a:bodyPr/>
-          <a:lstStyle/>
-          <a:p>
-            <a:pPr marL="0" indent="0">
-              <a:buNone/>
-            </a:pPr>
-            <a:endParaRPr lang="de-DE" dirty="0"/>
-          </a:p>
-          <a:p>
-            <a:pPr marL="0" indent="0">
-              <a:buNone/>
-            </a:pPr>
-            <a:endParaRPr lang="de-DE" dirty="0"/>
-          </a:p>
-          <a:p>
-            <a:pPr marL="0" indent="0">
-              <a:buNone/>
-            </a:pPr>
-            <a:endParaRPr lang="de-DE" dirty="0"/>
-          </a:p>
-          <a:p>
-            <a:pPr marL="0" indent="0">
-              <a:buNone/>
-            </a:pPr>
-            <a:r>
-              <a:rPr lang="de-DE" dirty="0" smtClean="0"/>
-              <a:t>Was wurde wo und in welcher Form dokumentiert?</a:t>
-            </a:r>
-            <a:endParaRPr lang="de-DE" dirty="0"/>
-          </a:p>
-        </p:txBody>
-      </p:sp>
-    </p:spTree>
-    <p:extLst>
-      <p:ext uri="{BB962C8B-B14F-4D97-AF65-F5344CB8AC3E}">
-        <p14:creationId xmlns:p14="http://schemas.microsoft.com/office/powerpoint/2010/main" val="3403988252"/>
-      </p:ext>
-    </p:extLst>
-  </p:cSld>
-  <p:clrMapOvr>
-    <a:masterClrMapping/>
-  </p:clrMapOvr>
-  <mc:AlternateContent xmlns:mc="http://schemas.openxmlformats.org/markup-compatibility/2006" xmlns:p14="http://schemas.microsoft.com/office/powerpoint/2010/main">
-    <mc:Choice Requires="p14">
-      <p:transition p14:dur="250">
-        <p:push dir="u"/>
-      </p:transition>
-    </mc:Choice>
-    <mc:Fallback xmlns="">
-      <p:transition>
-        <p:push dir="u"/>
-      </p:transition>
-    </mc:Fallback>
-  </mc:AlternateContent>
-  <p:timing>
-    <p:tnLst>
-      <p:par>
-        <p:cTn id="1" dur="indefinite" restart="never" nodeType="tmRoot"/>
-      </p:par>
-    </p:tnLst>
-  </p:timing>
-</p:sld>
-</file>
-
-<file path=ppt/slides/slide8.xml><?xml version="1.0" encoding="utf-8"?>
 <p:sld xmlns:a="http://schemas.openxmlformats.org/drawingml/2006/main" xmlns:r="http://schemas.openxmlformats.org/officeDocument/2006/relationships" xmlns:p="http://schemas.openxmlformats.org/presentationml/2006/main">
   <p:cSld>
     <p:spTree>
@@ -7246,7 +6743,7 @@
           <a:p>
             <a:r>
               <a:rPr lang="de-DE" dirty="0" smtClean="0"/>
-              <a:t>2.1. </a:t>
+              <a:t>2.2. </a:t>
             </a:r>
             <a:r>
               <a:rPr lang="de-DE" dirty="0"/>
@@ -7613,6 +7110,208 @@
 </p:sld>
 </file>
 
+<file path=ppt/slides/slide8.xml><?xml version="1.0" encoding="utf-8"?>
+<p:sld xmlns:a="http://schemas.openxmlformats.org/drawingml/2006/main" xmlns:r="http://schemas.openxmlformats.org/officeDocument/2006/relationships" xmlns:p="http://schemas.openxmlformats.org/presentationml/2006/main">
+  <p:cSld>
+    <p:spTree>
+      <p:nvGrpSpPr>
+        <p:cNvPr id="1" name=""/>
+        <p:cNvGrpSpPr/>
+        <p:nvPr/>
+      </p:nvGrpSpPr>
+      <p:grpSpPr>
+        <a:xfrm>
+          <a:off x="0" y="0"/>
+          <a:ext cx="0" cy="0"/>
+          <a:chOff x="0" y="0"/>
+          <a:chExt cx="0" cy="0"/>
+        </a:xfrm>
+      </p:grpSpPr>
+      <p:sp>
+        <p:nvSpPr>
+          <p:cNvPr id="2" name="Titel 1"/>
+          <p:cNvSpPr>
+            <a:spLocks noGrp="1"/>
+          </p:cNvSpPr>
+          <p:nvPr>
+            <p:ph type="title"/>
+          </p:nvPr>
+        </p:nvSpPr>
+        <p:spPr/>
+        <p:txBody>
+          <a:bodyPr/>
+          <a:lstStyle/>
+          <a:p>
+            <a:r>
+              <a:rPr lang="de-DE" dirty="0" smtClean="0"/>
+              <a:t>2.3.  </a:t>
+            </a:r>
+            <a:r>
+              <a:rPr lang="de-DE" dirty="0" smtClean="0"/>
+              <a:t>Protokolle</a:t>
+            </a:r>
+            <a:endParaRPr lang="de-DE" dirty="0"/>
+          </a:p>
+        </p:txBody>
+      </p:sp>
+      <p:sp>
+        <p:nvSpPr>
+          <p:cNvPr id="3" name="Inhaltsplatzhalter 2"/>
+          <p:cNvSpPr>
+            <a:spLocks noGrp="1"/>
+          </p:cNvSpPr>
+          <p:nvPr>
+            <p:ph idx="1"/>
+          </p:nvPr>
+        </p:nvSpPr>
+        <p:spPr/>
+        <p:txBody>
+          <a:bodyPr>
+            <a:normAutofit/>
+          </a:bodyPr>
+          <a:lstStyle/>
+          <a:p>
+            <a:r>
+              <a:rPr lang="de-DE" dirty="0" smtClean="0"/>
+              <a:t>Dokumentation der Teambesprechungen</a:t>
+            </a:r>
+          </a:p>
+          <a:p>
+            <a:r>
+              <a:rPr lang="de-DE" dirty="0" smtClean="0"/>
+              <a:t>Ziel:</a:t>
+            </a:r>
+          </a:p>
+          <a:p>
+            <a:pPr lvl="1"/>
+            <a:r>
+              <a:rPr lang="de-DE" dirty="0" smtClean="0"/>
+              <a:t>Was war unser Ziel? (Tagesordnung)</a:t>
+            </a:r>
+          </a:p>
+          <a:p>
+            <a:pPr lvl="1"/>
+            <a:r>
+              <a:rPr lang="de-DE" dirty="0" smtClean="0"/>
+              <a:t>Was wurde erreicht?</a:t>
+            </a:r>
+          </a:p>
+          <a:p>
+            <a:pPr lvl="1"/>
+            <a:r>
+              <a:rPr lang="de-DE" dirty="0" smtClean="0"/>
+              <a:t>Wer erarbeitet was bis zum nächsten Treffen?</a:t>
+            </a:r>
+          </a:p>
+          <a:p>
+            <a:pPr marL="342900" lvl="1" indent="-342900"/>
+            <a:r>
+              <a:rPr lang="de-DE" dirty="0" smtClean="0"/>
+              <a:t>Vorgehensweise:</a:t>
+            </a:r>
+          </a:p>
+          <a:p>
+            <a:pPr marL="800100" lvl="2" indent="-342900"/>
+            <a:r>
+              <a:rPr lang="de-DE" dirty="0"/>
+              <a:t>z</a:t>
+            </a:r>
+            <a:r>
+              <a:rPr lang="de-DE" dirty="0" smtClean="0"/>
+              <a:t>unächst „schnelle“ Mitschrift in Textdatei</a:t>
+            </a:r>
+          </a:p>
+          <a:p>
+            <a:pPr marL="800100" lvl="2" indent="-342900"/>
+            <a:r>
+              <a:rPr lang="de-DE" dirty="0" smtClean="0"/>
+              <a:t>Erstellen eines strukturierten Protokolls in Latex</a:t>
+            </a:r>
+          </a:p>
+          <a:p>
+            <a:pPr marL="800100" lvl="2" indent="-342900"/>
+            <a:r>
+              <a:rPr lang="de-DE" dirty="0" smtClean="0"/>
+              <a:t>Bereitstellung in </a:t>
+            </a:r>
+            <a:r>
+              <a:rPr lang="de-DE" dirty="0" err="1" smtClean="0"/>
+              <a:t>Github</a:t>
+            </a:r>
+            <a:endParaRPr lang="de-DE" dirty="0" smtClean="0"/>
+          </a:p>
+          <a:p>
+            <a:pPr marL="342900" lvl="1" indent="-342900"/>
+            <a:r>
+              <a:rPr lang="de-DE" dirty="0" smtClean="0"/>
+              <a:t>Hilfsmittel:</a:t>
+            </a:r>
+          </a:p>
+          <a:p>
+            <a:pPr marL="800100" lvl="2" indent="-342900"/>
+            <a:r>
+              <a:rPr lang="de-DE" dirty="0" smtClean="0"/>
+              <a:t>Audio-Mitschnitt</a:t>
+            </a:r>
+          </a:p>
+        </p:txBody>
+      </p:sp>
+      <p:pic>
+        <p:nvPicPr>
+          <p:cNvPr id="6" name="Inhaltsplatzhalter 5"/>
+          <p:cNvPicPr>
+            <a:picLocks noChangeAspect="1"/>
+          </p:cNvPicPr>
+          <p:nvPr/>
+        </p:nvPicPr>
+        <p:blipFill>
+          <a:blip r:embed="rId2"/>
+          <a:stretch>
+            <a:fillRect/>
+          </a:stretch>
+        </p:blipFill>
+        <p:spPr>
+          <a:xfrm>
+            <a:off x="7534399" y="146413"/>
+            <a:ext cx="4434688" cy="6614661"/>
+          </a:xfrm>
+          <a:prstGeom prst="rect">
+            <a:avLst/>
+          </a:prstGeom>
+        </p:spPr>
+      </p:pic>
+    </p:spTree>
+    <p:extLst>
+      <p:ext uri="{BB962C8B-B14F-4D97-AF65-F5344CB8AC3E}">
+        <p14:creationId xmlns:p14="http://schemas.microsoft.com/office/powerpoint/2010/main" val="3811693482"/>
+      </p:ext>
+    </p:extLst>
+  </p:cSld>
+  <p:clrMapOvr>
+    <a:masterClrMapping/>
+  </p:clrMapOvr>
+  <mc:AlternateContent xmlns:mc="http://schemas.openxmlformats.org/markup-compatibility/2006" xmlns:p14="http://schemas.microsoft.com/office/powerpoint/2010/main">
+    <mc:Choice Requires="p14">
+      <p:transition p14:dur="250">
+        <p:push dir="u"/>
+      </p:transition>
+    </mc:Choice>
+    <mc:Fallback xmlns="">
+      <p:transition>
+        <p:push dir="u"/>
+      </p:transition>
+    </mc:Fallback>
+  </mc:AlternateContent>
+  <p:timing>
+    <p:tnLst>
+      <p:par>
+        <p:cTn id="1" dur="indefinite" restart="never" nodeType="tmRoot"/>
+      </p:par>
+    </p:tnLst>
+  </p:timing>
+</p:sld>
+</file>
+
 <file path=ppt/slides/slide9.xml><?xml version="1.0" encoding="utf-8"?>
 <p:sld xmlns:a="http://schemas.openxmlformats.org/drawingml/2006/main" xmlns:r="http://schemas.openxmlformats.org/officeDocument/2006/relationships" xmlns:p="http://schemas.openxmlformats.org/presentationml/2006/main">
   <p:cSld>
@@ -7647,7 +7346,11 @@
           <a:p>
             <a:r>
               <a:rPr lang="de-DE" dirty="0" smtClean="0"/>
-              <a:t>2.2.  Protokolle</a:t>
+              <a:t>2.3.  </a:t>
+            </a:r>
+            <a:r>
+              <a:rPr lang="de-DE" dirty="0" smtClean="0"/>
+              <a:t>Protokolle</a:t>
             </a:r>
             <a:endParaRPr lang="de-DE" dirty="0"/>
           </a:p>
@@ -7668,112 +7371,71 @@
           <a:bodyPr/>
           <a:lstStyle/>
           <a:p>
-            <a:r>
-              <a:rPr lang="de-DE" dirty="0" smtClean="0"/>
-              <a:t>Dokumentation der Teambesprechungen</a:t>
-            </a:r>
-          </a:p>
-          <a:p>
-            <a:r>
-              <a:rPr lang="de-DE" dirty="0" smtClean="0"/>
-              <a:t>Ziel:</a:t>
+            <a:pPr marL="0" indent="0">
+              <a:buNone/>
+            </a:pPr>
+            <a:r>
+              <a:rPr lang="de-DE" dirty="0" smtClean="0"/>
+              <a:t>Erfahrungen:</a:t>
+            </a:r>
+          </a:p>
+          <a:p>
+            <a:r>
+              <a:rPr lang="de-DE" dirty="0" smtClean="0"/>
+              <a:t>Schwierig, immer konzentriert mitzuschreiben (bei Diskussionen)</a:t>
+            </a:r>
+          </a:p>
+          <a:p>
+            <a:r>
+              <a:rPr lang="de-DE" dirty="0" smtClean="0"/>
+              <a:t>Was ist wichtig, was nicht?</a:t>
+            </a:r>
+          </a:p>
+          <a:p>
+            <a:endParaRPr lang="de-DE" dirty="0" smtClean="0"/>
+          </a:p>
+          <a:p>
+            <a:pPr marL="0" indent="0">
+              <a:buNone/>
+            </a:pPr>
+            <a:r>
+              <a:rPr lang="de-DE" dirty="0" smtClean="0"/>
+              <a:t>Gute Idee: </a:t>
             </a:r>
           </a:p>
           <a:p>
             <a:pPr lvl="1"/>
             <a:r>
               <a:rPr lang="de-DE" dirty="0" smtClean="0"/>
-              <a:t>Was wurde erreicht?</a:t>
+              <a:t>Tonmitschnitte (wenn auch nur selten benötigt)</a:t>
             </a:r>
           </a:p>
           <a:p>
             <a:pPr lvl="1"/>
             <a:r>
               <a:rPr lang="de-DE" dirty="0" smtClean="0"/>
-              <a:t>Wer erarbeitet was bis zum nächsten Treffen?</a:t>
-            </a:r>
-          </a:p>
-          <a:p>
-            <a:pPr marL="342900" lvl="1" indent="-342900"/>
-            <a:r>
-              <a:rPr lang="de-DE" dirty="0" smtClean="0"/>
-              <a:t>Vorgehensweise:</a:t>
-            </a:r>
-          </a:p>
-          <a:p>
-            <a:pPr marL="800100" lvl="2" indent="-342900"/>
-            <a:r>
-              <a:rPr lang="de-DE" dirty="0"/>
-              <a:t>z</a:t>
-            </a:r>
-            <a:r>
-              <a:rPr lang="de-DE" dirty="0" smtClean="0"/>
-              <a:t>unächst „schnelle“ Mitschrift in Textdatei</a:t>
-            </a:r>
-          </a:p>
-          <a:p>
-            <a:pPr marL="800100" lvl="2" indent="-342900"/>
-            <a:r>
-              <a:rPr lang="de-DE" dirty="0" smtClean="0"/>
-              <a:t>Erstellen eines strukturierten Protokolls in Latex</a:t>
-            </a:r>
-          </a:p>
-          <a:p>
-            <a:pPr marL="800100" lvl="2" indent="-342900"/>
-            <a:r>
-              <a:rPr lang="de-DE" dirty="0" smtClean="0"/>
-              <a:t>Bereitstellung in </a:t>
-            </a:r>
-            <a:r>
-              <a:rPr lang="de-DE" dirty="0" err="1" smtClean="0"/>
-              <a:t>Github</a:t>
+              <a:t>Herangehensweise (Mitschriften </a:t>
+            </a:r>
+            <a:r>
+              <a:rPr lang="de-DE" dirty="0" smtClean="0">
+                <a:sym typeface="Wingdings" panose="05000000000000000000" pitchFamily="2" charset="2"/>
+              </a:rPr>
+              <a:t> strukturiertes Protokoll)</a:t>
             </a:r>
             <a:endParaRPr lang="de-DE" dirty="0" smtClean="0"/>
           </a:p>
           <a:p>
-            <a:pPr marL="342900" lvl="1" indent="-342900"/>
-            <a:r>
-              <a:rPr lang="de-DE" dirty="0" smtClean="0"/>
-              <a:t>Hilfsmittel:</a:t>
-            </a:r>
-          </a:p>
-          <a:p>
-            <a:pPr marL="800100" lvl="2" indent="-342900"/>
-            <a:r>
-              <a:rPr lang="de-DE" dirty="0" smtClean="0"/>
-              <a:t>Audio-Mitschnitt</a:t>
-            </a:r>
-          </a:p>
-        </p:txBody>
-      </p:sp>
-      <p:pic>
-        <p:nvPicPr>
-          <p:cNvPr id="5" name="Grafik 4"/>
-          <p:cNvPicPr>
-            <a:picLocks noChangeAspect="1"/>
-          </p:cNvPicPr>
-          <p:nvPr/>
-        </p:nvPicPr>
-        <p:blipFill>
-          <a:blip r:embed="rId2"/>
-          <a:stretch>
-            <a:fillRect/>
-          </a:stretch>
-        </p:blipFill>
-        <p:spPr>
-          <a:xfrm>
-            <a:off x="7537189" y="774558"/>
-            <a:ext cx="3312782" cy="4795910"/>
-          </a:xfrm>
-          <a:prstGeom prst="rect">
-            <a:avLst/>
-          </a:prstGeom>
-        </p:spPr>
-      </p:pic>
+            <a:pPr marL="0" indent="0">
+              <a:buNone/>
+            </a:pPr>
+            <a:endParaRPr lang="de-DE" dirty="0"/>
+          </a:p>
+        </p:txBody>
+      </p:sp>
     </p:spTree>
     <p:extLst>
       <p:ext uri="{BB962C8B-B14F-4D97-AF65-F5344CB8AC3E}">
-        <p14:creationId xmlns:p14="http://schemas.microsoft.com/office/powerpoint/2010/main" val="3811693482"/>
+        <p14:creationId xmlns:p14="http://schemas.microsoft.com/office/powerpoint/2010/main" val="3385699952"/>
       </p:ext>
     </p:extLst>
   </p:cSld>
